--- a/Tarea Diseño.pptx
+++ b/Tarea Diseño.pptx
@@ -1,6 +1,6 @@
 
 <file path=ppt/presentation.xml><?xml version="1.0" encoding="utf-8"?>
-<p:presentation xmlns:a="http://schemas.openxmlformats.org/drawingml/2006/main" xmlns:r="http://schemas.openxmlformats.org/officeDocument/2006/relationships" xmlns:mc="http://schemas.openxmlformats.org/markup-compatibility/2006" xmlns:mv="urn:schemas-microsoft-com:mac:vml" xmlns:p="http://schemas.openxmlformats.org/presentationml/2006/main" xmlns:c="http://schemas.openxmlformats.org/drawingml/2006/chart" xmlns:dgm="http://schemas.openxmlformats.org/drawingml/2006/diagram" xmlns:o="urn:schemas-microsoft-com:office:office" xmlns:v="urn:schemas-microsoft-com:vml" xmlns:pvml="urn:schemas-microsoft-com:office:powerpoint" xmlns:com="http://schemas.openxmlformats.org/drawingml/2006/compatibility" xmlns:p14="http://schemas.microsoft.com/office/powerpoint/2010/main" saveSubsetFonts="1" autoCompressPictures="0" strictFirstAndLastChars="0">
+<p:presentation xmlns:a="http://schemas.openxmlformats.org/drawingml/2006/main" xmlns:r="http://schemas.openxmlformats.org/officeDocument/2006/relationships" xmlns:mc="http://schemas.openxmlformats.org/markup-compatibility/2006" xmlns:mv="urn:schemas-microsoft-com:mac:vml" xmlns:p="http://schemas.openxmlformats.org/presentationml/2006/main" xmlns:c="http://schemas.openxmlformats.org/drawingml/2006/chart" xmlns:dgm="http://schemas.openxmlformats.org/drawingml/2006/diagram" xmlns:o="urn:schemas-microsoft-com:office:office" xmlns:v="urn:schemas-microsoft-com:vml" xmlns:pvml="urn:schemas-microsoft-com:office:powerpoint" xmlns:com="http://schemas.openxmlformats.org/drawingml/2006/compatibility" xmlns:p14="http://schemas.microsoft.com/office/powerpoint/2010/main" autoCompressPictures="0" strictFirstAndLastChars="0" saveSubsetFonts="1">
   <p:sldMasterIdLst>
     <p:sldMasterId id="2147483654" r:id="rId4"/>
   </p:sldMasterIdLst>
@@ -15,11 +15,18 @@
     <p:sldId id="260" r:id="rId10"/>
     <p:sldId id="261" r:id="rId11"/>
     <p:sldId id="262" r:id="rId12"/>
+    <p:sldId id="263" r:id="rId13"/>
+    <p:sldId id="264" r:id="rId14"/>
+    <p:sldId id="265" r:id="rId15"/>
+    <p:sldId id="266" r:id="rId16"/>
+    <p:sldId id="267" r:id="rId17"/>
+    <p:sldId id="268" r:id="rId18"/>
+    <p:sldId id="269" r:id="rId19"/>
   </p:sldIdLst>
   <p:sldSz cy="5143500" cx="9144000"/>
-  <p:notesSz cy="9144000" cx="6858000"/>
+  <p:notesSz cx="6858000" cy="9144000"/>
   <p:defaultTextStyle>
-    <a:defPPr algn="l" rtl="0" marR="0">
+    <a:defPPr marR="0" rtl="0" algn="l">
       <a:lnSpc>
         <a:spcPct val="100000"/>
       </a:lnSpc>
@@ -30,7 +37,7 @@
         <a:spcPts val="0"/>
       </a:spcAft>
     </a:defPPr>
-    <a:lvl1pPr algn="l" rtl="0" marR="0">
+    <a:lvl1pPr marR="0" rtl="0" algn="l">
       <a:lnSpc>
         <a:spcPct val="100000"/>
       </a:lnSpc>
@@ -41,7 +48,7 @@
         <a:spcPts val="0"/>
       </a:spcAft>
       <a:buNone/>
-      <a:defRPr strike="noStrike" u="none" b="0" cap="none" baseline="0" sz="1400" i="0">
+      <a:defRPr b="0" baseline="0" i="0" sz="1400" u="none" cap="none" strike="noStrike">
         <a:solidFill>
           <a:srgbClr val="000000"/>
         </a:solidFill>
@@ -52,7 +59,7 @@
         <a:rtl val="0"/>
       </a:defRPr>
     </a:lvl1pPr>
-    <a:lvl2pPr algn="l" rtl="0" marR="0">
+    <a:lvl2pPr marR="0" rtl="0" algn="l">
       <a:lnSpc>
         <a:spcPct val="100000"/>
       </a:lnSpc>
@@ -63,7 +70,7 @@
         <a:spcPts val="0"/>
       </a:spcAft>
       <a:buNone/>
-      <a:defRPr strike="noStrike" u="none" b="0" cap="none" baseline="0" sz="1400" i="0">
+      <a:defRPr b="0" baseline="0" i="0" sz="1400" u="none" cap="none" strike="noStrike">
         <a:solidFill>
           <a:srgbClr val="000000"/>
         </a:solidFill>
@@ -74,7 +81,7 @@
         <a:rtl val="0"/>
       </a:defRPr>
     </a:lvl2pPr>
-    <a:lvl3pPr algn="l" rtl="0" marR="0">
+    <a:lvl3pPr marR="0" rtl="0" algn="l">
       <a:lnSpc>
         <a:spcPct val="100000"/>
       </a:lnSpc>
@@ -85,7 +92,7 @@
         <a:spcPts val="0"/>
       </a:spcAft>
       <a:buNone/>
-      <a:defRPr strike="noStrike" u="none" b="0" cap="none" baseline="0" sz="1400" i="0">
+      <a:defRPr b="0" baseline="0" i="0" sz="1400" u="none" cap="none" strike="noStrike">
         <a:solidFill>
           <a:srgbClr val="000000"/>
         </a:solidFill>
@@ -96,7 +103,7 @@
         <a:rtl val="0"/>
       </a:defRPr>
     </a:lvl3pPr>
-    <a:lvl4pPr algn="l" rtl="0" marR="0">
+    <a:lvl4pPr marR="0" rtl="0" algn="l">
       <a:lnSpc>
         <a:spcPct val="100000"/>
       </a:lnSpc>
@@ -107,7 +114,7 @@
         <a:spcPts val="0"/>
       </a:spcAft>
       <a:buNone/>
-      <a:defRPr strike="noStrike" u="none" b="0" cap="none" baseline="0" sz="1400" i="0">
+      <a:defRPr b="0" baseline="0" i="0" sz="1400" u="none" cap="none" strike="noStrike">
         <a:solidFill>
           <a:srgbClr val="000000"/>
         </a:solidFill>
@@ -118,7 +125,7 @@
         <a:rtl val="0"/>
       </a:defRPr>
     </a:lvl4pPr>
-    <a:lvl5pPr algn="l" rtl="0" marR="0">
+    <a:lvl5pPr marR="0" rtl="0" algn="l">
       <a:lnSpc>
         <a:spcPct val="100000"/>
       </a:lnSpc>
@@ -129,7 +136,7 @@
         <a:spcPts val="0"/>
       </a:spcAft>
       <a:buNone/>
-      <a:defRPr strike="noStrike" u="none" b="0" cap="none" baseline="0" sz="1400" i="0">
+      <a:defRPr b="0" baseline="0" i="0" sz="1400" u="none" cap="none" strike="noStrike">
         <a:solidFill>
           <a:srgbClr val="000000"/>
         </a:solidFill>
@@ -140,7 +147,7 @@
         <a:rtl val="0"/>
       </a:defRPr>
     </a:lvl5pPr>
-    <a:lvl6pPr algn="l" rtl="0" marR="0">
+    <a:lvl6pPr marR="0" rtl="0" algn="l">
       <a:lnSpc>
         <a:spcPct val="100000"/>
       </a:lnSpc>
@@ -151,7 +158,7 @@
         <a:spcPts val="0"/>
       </a:spcAft>
       <a:buNone/>
-      <a:defRPr strike="noStrike" u="none" b="0" cap="none" baseline="0" sz="1400" i="0">
+      <a:defRPr b="0" baseline="0" i="0" sz="1400" u="none" cap="none" strike="noStrike">
         <a:solidFill>
           <a:srgbClr val="000000"/>
         </a:solidFill>
@@ -162,7 +169,7 @@
         <a:rtl val="0"/>
       </a:defRPr>
     </a:lvl6pPr>
-    <a:lvl7pPr algn="l" rtl="0" marR="0">
+    <a:lvl7pPr marR="0" rtl="0" algn="l">
       <a:lnSpc>
         <a:spcPct val="100000"/>
       </a:lnSpc>
@@ -173,7 +180,7 @@
         <a:spcPts val="0"/>
       </a:spcAft>
       <a:buNone/>
-      <a:defRPr strike="noStrike" u="none" b="0" cap="none" baseline="0" sz="1400" i="0">
+      <a:defRPr b="0" baseline="0" i="0" sz="1400" u="none" cap="none" strike="noStrike">
         <a:solidFill>
           <a:srgbClr val="000000"/>
         </a:solidFill>
@@ -184,7 +191,7 @@
         <a:rtl val="0"/>
       </a:defRPr>
     </a:lvl7pPr>
-    <a:lvl8pPr algn="l" rtl="0" marR="0">
+    <a:lvl8pPr marR="0" rtl="0" algn="l">
       <a:lnSpc>
         <a:spcPct val="100000"/>
       </a:lnSpc>
@@ -195,7 +202,7 @@
         <a:spcPts val="0"/>
       </a:spcAft>
       <a:buNone/>
-      <a:defRPr strike="noStrike" u="none" b="0" cap="none" baseline="0" sz="1400" i="0">
+      <a:defRPr b="0" baseline="0" i="0" sz="1400" u="none" cap="none" strike="noStrike">
         <a:solidFill>
           <a:srgbClr val="000000"/>
         </a:solidFill>
@@ -206,7 +213,7 @@
         <a:rtl val="0"/>
       </a:defRPr>
     </a:lvl8pPr>
-    <a:lvl9pPr algn="l" rtl="0" marR="0">
+    <a:lvl9pPr marR="0" rtl="0" algn="l">
       <a:lnSpc>
         <a:spcPct val="100000"/>
       </a:lnSpc>
@@ -217,7 +224,7 @@
         <a:spcPts val="0"/>
       </a:spcAft>
       <a:buNone/>
-      <a:defRPr strike="noStrike" u="none" b="0" cap="none" baseline="0" sz="1400" i="0">
+      <a:defRPr b="0" baseline="0" i="0" sz="1400" u="none" cap="none" strike="noStrike">
         <a:solidFill>
           <a:srgbClr val="000000"/>
         </a:solidFill>
@@ -243,10 +250,10 @@
       </p:nvGrpSpPr>
       <p:grpSpPr>
         <a:xfrm>
-          <a:off y="0" x="0"/>
-          <a:ext cy="0" cx="0"/>
-          <a:chOff y="0" x="0"/>
-          <a:chExt cy="0" cx="0"/>
+          <a:off x="0" y="0"/>
+          <a:ext cx="0" cy="0"/>
+          <a:chOff x="0" y="0"/>
+          <a:chExt cx="0" cy="0"/>
         </a:xfrm>
       </p:grpSpPr>
       <p:sp>
@@ -259,37 +266,37 @@
         </p:nvSpPr>
         <p:spPr>
           <a:xfrm>
-            <a:off y="685800" x="381187"/>
-            <a:ext cy="3429000" cx="6096299"/>
+            <a:off x="381187" y="685800"/>
+            <a:ext cx="6096299" cy="3429000"/>
           </a:xfrm>
           <a:custGeom>
             <a:pathLst>
-              <a:path w="120000" extrusionOk="0" h="120000">
+              <a:path extrusionOk="0" h="120000" w="120000">
                 <a:moveTo>
-                  <a:pt y="0" x="0"/>
+                  <a:pt x="0" y="0"/>
                 </a:moveTo>
                 <a:lnTo>
-                  <a:pt y="0" x="120000"/>
+                  <a:pt x="120000" y="0"/>
                 </a:lnTo>
                 <a:lnTo>
-                  <a:pt y="120000" x="120000"/>
+                  <a:pt x="120000" y="120000"/>
                 </a:lnTo>
                 <a:lnTo>
-                  <a:pt y="120000" x="0"/>
+                  <a:pt x="0" y="120000"/>
                 </a:lnTo>
                 <a:close/>
               </a:path>
             </a:pathLst>
           </a:custGeom>
           <a:noFill/>
-          <a:ln w="9525" cap="flat">
+          <a:ln cap="flat" w="9525">
             <a:solidFill>
               <a:srgbClr val="000000"/>
             </a:solidFill>
             <a:prstDash val="solid"/>
             <a:round/>
-            <a:headEnd w="med" len="med" type="none"/>
-            <a:tailEnd w="med" len="med" type="none"/>
+            <a:headEnd len="med" w="med" type="none"/>
+            <a:tailEnd len="med" w="med" type="none"/>
           </a:ln>
         </p:spPr>
       </p:sp>
@@ -303,8 +310,8 @@
         </p:nvSpPr>
         <p:spPr>
           <a:xfrm>
-            <a:off y="4343400" x="685800"/>
-            <a:ext cy="4114800" cx="5486399"/>
+            <a:off x="685800" y="4343400"/>
+            <a:ext cx="5486399" cy="4114800"/>
           </a:xfrm>
           <a:prstGeom prst="rect">
             <a:avLst/>
@@ -315,61 +322,61 @@
           </a:ln>
         </p:spPr>
         <p:txBody>
-          <a:bodyPr bIns="91425" rIns="91425" lIns="91425" tIns="91425" anchor="t" anchorCtr="0"/>
+          <a:bodyPr anchorCtr="0" anchor="t" bIns="91425" lIns="91425" rIns="91425" tIns="91425"/>
           <a:lstStyle>
-            <a:lvl1pPr>
-              <a:spcBef>
-                <a:spcPts val="0"/>
-              </a:spcBef>
-              <a:defRPr sz="1100"/>
+            <a:lvl1pPr indent="0" marL="0" marR="0" rtl="0" algn="l">
+              <a:spcBef>
+                <a:spcPts val="0"/>
+              </a:spcBef>
+              <a:defRPr/>
             </a:lvl1pPr>
-            <a:lvl2pPr>
-              <a:spcBef>
-                <a:spcPts val="0"/>
-              </a:spcBef>
-              <a:defRPr sz="1100"/>
+            <a:lvl2pPr indent="0" marL="0" marR="0" rtl="0" algn="l">
+              <a:spcBef>
+                <a:spcPts val="0"/>
+              </a:spcBef>
+              <a:defRPr/>
             </a:lvl2pPr>
-            <a:lvl3pPr>
-              <a:spcBef>
-                <a:spcPts val="0"/>
-              </a:spcBef>
-              <a:defRPr sz="1100"/>
+            <a:lvl3pPr indent="0" marL="0" marR="0" rtl="0" algn="l">
+              <a:spcBef>
+                <a:spcPts val="0"/>
+              </a:spcBef>
+              <a:defRPr/>
             </a:lvl3pPr>
-            <a:lvl4pPr>
-              <a:spcBef>
-                <a:spcPts val="0"/>
-              </a:spcBef>
-              <a:defRPr sz="1100"/>
+            <a:lvl4pPr indent="0" marL="0" marR="0" rtl="0" algn="l">
+              <a:spcBef>
+                <a:spcPts val="0"/>
+              </a:spcBef>
+              <a:defRPr/>
             </a:lvl4pPr>
-            <a:lvl5pPr>
-              <a:spcBef>
-                <a:spcPts val="0"/>
-              </a:spcBef>
-              <a:defRPr sz="1100"/>
+            <a:lvl5pPr indent="0" marL="0" marR="0" rtl="0" algn="l">
+              <a:spcBef>
+                <a:spcPts val="0"/>
+              </a:spcBef>
+              <a:defRPr/>
             </a:lvl5pPr>
-            <a:lvl6pPr>
-              <a:spcBef>
-                <a:spcPts val="0"/>
-              </a:spcBef>
-              <a:defRPr sz="1100"/>
+            <a:lvl6pPr indent="0" marL="0" marR="0" rtl="0" algn="l">
+              <a:spcBef>
+                <a:spcPts val="0"/>
+              </a:spcBef>
+              <a:defRPr/>
             </a:lvl6pPr>
-            <a:lvl7pPr>
-              <a:spcBef>
-                <a:spcPts val="0"/>
-              </a:spcBef>
-              <a:defRPr sz="1100"/>
+            <a:lvl7pPr indent="0" marL="0" marR="0" rtl="0" algn="l">
+              <a:spcBef>
+                <a:spcPts val="0"/>
+              </a:spcBef>
+              <a:defRPr/>
             </a:lvl7pPr>
-            <a:lvl8pPr>
-              <a:spcBef>
-                <a:spcPts val="0"/>
-              </a:spcBef>
-              <a:defRPr sz="1100"/>
+            <a:lvl8pPr indent="0" marL="0" marR="0" rtl="0" algn="l">
+              <a:spcBef>
+                <a:spcPts val="0"/>
+              </a:spcBef>
+              <a:defRPr/>
             </a:lvl8pPr>
-            <a:lvl9pPr>
-              <a:spcBef>
-                <a:spcPts val="0"/>
-              </a:spcBef>
-              <a:defRPr sz="1100"/>
+            <a:lvl9pPr indent="0" marL="0" marR="0" rtl="0" algn="l">
+              <a:spcBef>
+                <a:spcPts val="0"/>
+              </a:spcBef>
+              <a:defRPr/>
             </a:lvl9pPr>
           </a:lstStyle>
           <a:p/>
@@ -377,30 +384,30 @@
       </p:sp>
     </p:spTree>
   </p:cSld>
-  <p:clrMap accent2="accent2" accent3="accent3" accent4="accent4" accent5="accent5" accent6="accent6" hlink="hlink" tx2="lt2" tx1="dk1" bg2="dk2" bg1="lt1" folHlink="folHlink" accent1="accent1"/>
+  <p:clrMap accent1="accent1" accent2="accent2" accent3="accent3" accent4="accent4" accent5="accent5" accent6="accent6" bg1="lt1" bg2="dk2" tx1="dk1" tx2="lt2" folHlink="folHlink" hlink="hlink"/>
 </p:notesMaster>
 </file>
 
 <file path=ppt/notesSlides/notesSlide1.xml><?xml version="1.0" encoding="utf-8"?>
-<p:notes xmlns:a="http://schemas.openxmlformats.org/drawingml/2006/main" xmlns:r="http://schemas.openxmlformats.org/officeDocument/2006/relationships" xmlns:mc="http://schemas.openxmlformats.org/markup-compatibility/2006" xmlns:mv="urn:schemas-microsoft-com:mac:vml" xmlns:p="http://schemas.openxmlformats.org/presentationml/2006/main" xmlns:c="http://schemas.openxmlformats.org/drawingml/2006/chart" xmlns:dgm="http://schemas.openxmlformats.org/drawingml/2006/diagram" xmlns:o="urn:schemas-microsoft-com:office:office" xmlns:v="urn:schemas-microsoft-com:vml" xmlns:pvml="urn:schemas-microsoft-com:office:powerpoint" xmlns:com="http://schemas.openxmlformats.org/drawingml/2006/compatibility" xmlns:p14="http://schemas.microsoft.com/office/powerpoint/2010/main" showMasterSp="0" showMasterPhAnim="0">
+<p:notes xmlns:a="http://schemas.openxmlformats.org/drawingml/2006/main" xmlns:r="http://schemas.openxmlformats.org/officeDocument/2006/relationships" xmlns:mc="http://schemas.openxmlformats.org/markup-compatibility/2006" xmlns:mv="urn:schemas-microsoft-com:mac:vml" xmlns:p="http://schemas.openxmlformats.org/presentationml/2006/main" xmlns:c="http://schemas.openxmlformats.org/drawingml/2006/chart" xmlns:dgm="http://schemas.openxmlformats.org/drawingml/2006/diagram" xmlns:o="urn:schemas-microsoft-com:office:office" xmlns:v="urn:schemas-microsoft-com:vml" xmlns:pvml="urn:schemas-microsoft-com:office:powerpoint" xmlns:com="http://schemas.openxmlformats.org/drawingml/2006/compatibility" xmlns:p14="http://schemas.microsoft.com/office/powerpoint/2010/main" showMasterPhAnim="0" showMasterSp="0">
   <p:cSld>
     <p:spTree>
       <p:nvGrpSpPr>
-        <p:cNvPr id="32" name="Shape 32"/>
+        <p:cNvPr id="31" name="Shape 31"/>
         <p:cNvGrpSpPr/>
         <p:nvPr/>
       </p:nvGrpSpPr>
       <p:grpSpPr>
         <a:xfrm>
-          <a:off y="0" x="0"/>
-          <a:ext cy="0" cx="0"/>
-          <a:chOff y="0" x="0"/>
-          <a:chExt cy="0" cx="0"/>
+          <a:off x="0" y="0"/>
+          <a:ext cx="0" cy="0"/>
+          <a:chOff x="0" y="0"/>
+          <a:chExt cx="0" cy="0"/>
         </a:xfrm>
       </p:grpSpPr>
       <p:sp>
         <p:nvSpPr>
-          <p:cNvPr id="33" name="Shape 33"/>
+          <p:cNvPr id="32" name="Shape 32"/>
           <p:cNvSpPr/>
           <p:nvPr>
             <p:ph idx="2" type="sldImg"/>
@@ -408,43 +415,43 @@
         </p:nvSpPr>
         <p:spPr>
           <a:xfrm>
-            <a:off y="685800" x="381187"/>
-            <a:ext cy="3429000" cx="6096299"/>
+            <a:off x="381187" y="685800"/>
+            <a:ext cx="6096299" cy="3429000"/>
           </a:xfrm>
           <a:custGeom>
             <a:pathLst>
-              <a:path w="120000" extrusionOk="0" h="120000">
+              <a:path extrusionOk="0" h="120000" w="120000">
                 <a:moveTo>
-                  <a:pt y="0" x="0"/>
+                  <a:pt x="0" y="0"/>
                 </a:moveTo>
                 <a:lnTo>
-                  <a:pt y="0" x="120000"/>
+                  <a:pt x="120000" y="0"/>
                 </a:lnTo>
                 <a:lnTo>
-                  <a:pt y="120000" x="120000"/>
+                  <a:pt x="120000" y="120000"/>
                 </a:lnTo>
                 <a:lnTo>
-                  <a:pt y="120000" x="0"/>
+                  <a:pt x="0" y="120000"/>
                 </a:lnTo>
                 <a:close/>
               </a:path>
             </a:pathLst>
           </a:custGeom>
           <a:noFill/>
-          <a:ln w="9525" cap="flat">
+          <a:ln cap="flat" w="9525">
             <a:solidFill>
               <a:srgbClr val="000000"/>
             </a:solidFill>
             <a:prstDash val="solid"/>
             <a:round/>
-            <a:headEnd w="med" len="med" type="none"/>
-            <a:tailEnd w="med" len="med" type="none"/>
+            <a:headEnd len="med" w="med" type="none"/>
+            <a:tailEnd len="med" w="med" type="none"/>
           </a:ln>
         </p:spPr>
       </p:sp>
       <p:sp>
         <p:nvSpPr>
-          <p:cNvPr id="34" name="Shape 34"/>
+          <p:cNvPr id="33" name="Shape 33"/>
           <p:cNvSpPr txBox="1"/>
           <p:nvPr>
             <p:ph idx="1" type="body"/>
@@ -452,20 +459,560 @@
         </p:nvSpPr>
         <p:spPr>
           <a:xfrm>
-            <a:off y="4343400" x="685800"/>
-            <a:ext cy="4114800" cx="5486399"/>
+            <a:off x="685800" y="4343400"/>
+            <a:ext cx="5486399" cy="4114800"/>
+          </a:xfrm>
+          <a:prstGeom prst="rect">
+            <a:avLst/>
+          </a:prstGeom>
+          <a:noFill/>
+          <a:ln>
+            <a:noFill/>
+          </a:ln>
+        </p:spPr>
+        <p:txBody>
+          <a:bodyPr anchorCtr="0" anchor="t" bIns="91425" lIns="91425" rIns="91425" tIns="91425">
+            <a:noAutofit/>
+          </a:bodyPr>
+          <a:lstStyle/>
+          <a:p>
+            <a:pPr indent="0" lvl="0" marL="0" marR="0" rtl="0" algn="l">
+              <a:spcBef>
+                <a:spcPts val="0"/>
+              </a:spcBef>
+              <a:buFont typeface="Arial"/>
+              <a:buNone/>
+            </a:pPr>
+            <a:r>
+              <a:t/>
+            </a:r>
+            <a:endParaRPr b="0" baseline="0" i="0" sz="1100" u="none" cap="none" strike="noStrike"/>
+          </a:p>
+        </p:txBody>
+      </p:sp>
+    </p:spTree>
+  </p:cSld>
+  <p:clrMapOvr>
+    <a:masterClrMapping/>
+  </p:clrMapOvr>
+</p:notes>
+</file>
+
+<file path=ppt/notesSlides/notesSlide10.xml><?xml version="1.0" encoding="utf-8"?>
+<p:notes xmlns:a="http://schemas.openxmlformats.org/drawingml/2006/main" xmlns:r="http://schemas.openxmlformats.org/officeDocument/2006/relationships" xmlns:mc="http://schemas.openxmlformats.org/markup-compatibility/2006" xmlns:mv="urn:schemas-microsoft-com:mac:vml" xmlns:p="http://schemas.openxmlformats.org/presentationml/2006/main" xmlns:c="http://schemas.openxmlformats.org/drawingml/2006/chart" xmlns:dgm="http://schemas.openxmlformats.org/drawingml/2006/diagram" xmlns:o="urn:schemas-microsoft-com:office:office" xmlns:v="urn:schemas-microsoft-com:vml" xmlns:pvml="urn:schemas-microsoft-com:office:powerpoint" xmlns:com="http://schemas.openxmlformats.org/drawingml/2006/compatibility" xmlns:p14="http://schemas.microsoft.com/office/powerpoint/2010/main" showMasterPhAnim="0" showMasterSp="0">
+  <p:cSld>
+    <p:spTree>
+      <p:nvGrpSpPr>
+        <p:cNvPr id="86" name="Shape 86"/>
+        <p:cNvGrpSpPr/>
+        <p:nvPr/>
+      </p:nvGrpSpPr>
+      <p:grpSpPr>
+        <a:xfrm>
+          <a:off x="0" y="0"/>
+          <a:ext cx="0" cy="0"/>
+          <a:chOff x="0" y="0"/>
+          <a:chExt cx="0" cy="0"/>
+        </a:xfrm>
+      </p:grpSpPr>
+      <p:sp>
+        <p:nvSpPr>
+          <p:cNvPr id="87" name="Shape 87"/>
+          <p:cNvSpPr/>
+          <p:nvPr>
+            <p:ph idx="2" type="sldImg"/>
+          </p:nvPr>
+        </p:nvSpPr>
+        <p:spPr>
+          <a:xfrm>
+            <a:off x="381187" y="685800"/>
+            <a:ext cx="6096299" cy="3429000"/>
+          </a:xfrm>
+          <a:custGeom>
+            <a:pathLst>
+              <a:path extrusionOk="0" h="120000" w="120000">
+                <a:moveTo>
+                  <a:pt x="0" y="0"/>
+                </a:moveTo>
+                <a:lnTo>
+                  <a:pt x="120000" y="0"/>
+                </a:lnTo>
+                <a:lnTo>
+                  <a:pt x="120000" y="120000"/>
+                </a:lnTo>
+                <a:lnTo>
+                  <a:pt x="0" y="120000"/>
+                </a:lnTo>
+                <a:close/>
+              </a:path>
+            </a:pathLst>
+          </a:custGeom>
+          <a:noFill/>
+          <a:ln cap="flat" w="9525">
+            <a:solidFill>
+              <a:srgbClr val="000000"/>
+            </a:solidFill>
+            <a:prstDash val="solid"/>
+            <a:round/>
+            <a:headEnd len="med" w="med" type="none"/>
+            <a:tailEnd len="med" w="med" type="none"/>
+          </a:ln>
+        </p:spPr>
+      </p:sp>
+      <p:sp>
+        <p:nvSpPr>
+          <p:cNvPr id="88" name="Shape 88"/>
+          <p:cNvSpPr txBox="1"/>
+          <p:nvPr>
+            <p:ph idx="1" type="body"/>
+          </p:nvPr>
+        </p:nvSpPr>
+        <p:spPr>
+          <a:xfrm>
+            <a:off x="685800" y="4343400"/>
+            <a:ext cx="5486399" cy="4114800"/>
           </a:xfrm>
           <a:prstGeom prst="rect">
             <a:avLst/>
           </a:prstGeom>
         </p:spPr>
         <p:txBody>
-          <a:bodyPr bIns="91425" rIns="91425" lIns="91425" tIns="91425" anchor="t" anchorCtr="0">
+          <a:bodyPr anchorCtr="0" anchor="t" bIns="91425" lIns="91425" rIns="91425" tIns="91425">
             <a:noAutofit/>
           </a:bodyPr>
           <a:lstStyle/>
           <a:p>
-            <a:pPr>
+            <a:pPr lvl="0" rtl="0">
+              <a:spcBef>
+                <a:spcPts val="0"/>
+              </a:spcBef>
+              <a:buNone/>
+            </a:pPr>
+            <a:r>
+              <a:t/>
+            </a:r>
+            <a:endParaRPr/>
+          </a:p>
+        </p:txBody>
+      </p:sp>
+    </p:spTree>
+  </p:cSld>
+  <p:clrMapOvr>
+    <a:masterClrMapping/>
+  </p:clrMapOvr>
+</p:notes>
+</file>
+
+<file path=ppt/notesSlides/notesSlide11.xml><?xml version="1.0" encoding="utf-8"?>
+<p:notes xmlns:a="http://schemas.openxmlformats.org/drawingml/2006/main" xmlns:r="http://schemas.openxmlformats.org/officeDocument/2006/relationships" xmlns:mc="http://schemas.openxmlformats.org/markup-compatibility/2006" xmlns:mv="urn:schemas-microsoft-com:mac:vml" xmlns:p="http://schemas.openxmlformats.org/presentationml/2006/main" xmlns:c="http://schemas.openxmlformats.org/drawingml/2006/chart" xmlns:dgm="http://schemas.openxmlformats.org/drawingml/2006/diagram" xmlns:o="urn:schemas-microsoft-com:office:office" xmlns:v="urn:schemas-microsoft-com:vml" xmlns:pvml="urn:schemas-microsoft-com:office:powerpoint" xmlns:com="http://schemas.openxmlformats.org/drawingml/2006/compatibility" xmlns:p14="http://schemas.microsoft.com/office/powerpoint/2010/main" showMasterPhAnim="0" showMasterSp="0">
+  <p:cSld>
+    <p:spTree>
+      <p:nvGrpSpPr>
+        <p:cNvPr id="92" name="Shape 92"/>
+        <p:cNvGrpSpPr/>
+        <p:nvPr/>
+      </p:nvGrpSpPr>
+      <p:grpSpPr>
+        <a:xfrm>
+          <a:off x="0" y="0"/>
+          <a:ext cx="0" cy="0"/>
+          <a:chOff x="0" y="0"/>
+          <a:chExt cx="0" cy="0"/>
+        </a:xfrm>
+      </p:grpSpPr>
+      <p:sp>
+        <p:nvSpPr>
+          <p:cNvPr id="93" name="Shape 93"/>
+          <p:cNvSpPr/>
+          <p:nvPr>
+            <p:ph idx="2" type="sldImg"/>
+          </p:nvPr>
+        </p:nvSpPr>
+        <p:spPr>
+          <a:xfrm>
+            <a:off x="381187" y="685800"/>
+            <a:ext cx="6096299" cy="3429000"/>
+          </a:xfrm>
+          <a:custGeom>
+            <a:pathLst>
+              <a:path extrusionOk="0" h="120000" w="120000">
+                <a:moveTo>
+                  <a:pt x="0" y="0"/>
+                </a:moveTo>
+                <a:lnTo>
+                  <a:pt x="120000" y="0"/>
+                </a:lnTo>
+                <a:lnTo>
+                  <a:pt x="120000" y="120000"/>
+                </a:lnTo>
+                <a:lnTo>
+                  <a:pt x="0" y="120000"/>
+                </a:lnTo>
+                <a:close/>
+              </a:path>
+            </a:pathLst>
+          </a:custGeom>
+          <a:noFill/>
+          <a:ln cap="flat" w="9525">
+            <a:solidFill>
+              <a:srgbClr val="000000"/>
+            </a:solidFill>
+            <a:prstDash val="solid"/>
+            <a:round/>
+            <a:headEnd len="med" w="med" type="none"/>
+            <a:tailEnd len="med" w="med" type="none"/>
+          </a:ln>
+        </p:spPr>
+      </p:sp>
+      <p:sp>
+        <p:nvSpPr>
+          <p:cNvPr id="94" name="Shape 94"/>
+          <p:cNvSpPr txBox="1"/>
+          <p:nvPr>
+            <p:ph idx="1" type="body"/>
+          </p:nvPr>
+        </p:nvSpPr>
+        <p:spPr>
+          <a:xfrm>
+            <a:off x="685800" y="4343400"/>
+            <a:ext cx="5486399" cy="4114800"/>
+          </a:xfrm>
+          <a:prstGeom prst="rect">
+            <a:avLst/>
+          </a:prstGeom>
+          <a:noFill/>
+          <a:ln>
+            <a:noFill/>
+          </a:ln>
+        </p:spPr>
+        <p:txBody>
+          <a:bodyPr anchorCtr="0" anchor="t" bIns="91425" lIns="91425" rIns="91425" tIns="91425">
+            <a:noAutofit/>
+          </a:bodyPr>
+          <a:lstStyle/>
+          <a:p>
+            <a:pPr indent="0" lvl="0" marL="0" marR="0" rtl="0" algn="l">
+              <a:spcBef>
+                <a:spcPts val="0"/>
+              </a:spcBef>
+              <a:buFont typeface="Arial"/>
+              <a:buNone/>
+            </a:pPr>
+            <a:r>
+              <a:t/>
+            </a:r>
+            <a:endParaRPr b="0" baseline="0" i="0" sz="1100" u="none" cap="none" strike="noStrike"/>
+          </a:p>
+        </p:txBody>
+      </p:sp>
+    </p:spTree>
+  </p:cSld>
+  <p:clrMapOvr>
+    <a:masterClrMapping/>
+  </p:clrMapOvr>
+</p:notes>
+</file>
+
+<file path=ppt/notesSlides/notesSlide12.xml><?xml version="1.0" encoding="utf-8"?>
+<p:notes xmlns:a="http://schemas.openxmlformats.org/drawingml/2006/main" xmlns:r="http://schemas.openxmlformats.org/officeDocument/2006/relationships" xmlns:mc="http://schemas.openxmlformats.org/markup-compatibility/2006" xmlns:mv="urn:schemas-microsoft-com:mac:vml" xmlns:p="http://schemas.openxmlformats.org/presentationml/2006/main" xmlns:c="http://schemas.openxmlformats.org/drawingml/2006/chart" xmlns:dgm="http://schemas.openxmlformats.org/drawingml/2006/diagram" xmlns:o="urn:schemas-microsoft-com:office:office" xmlns:v="urn:schemas-microsoft-com:vml" xmlns:pvml="urn:schemas-microsoft-com:office:powerpoint" xmlns:com="http://schemas.openxmlformats.org/drawingml/2006/compatibility" xmlns:p14="http://schemas.microsoft.com/office/powerpoint/2010/main" showMasterPhAnim="0" showMasterSp="0">
+  <p:cSld>
+    <p:spTree>
+      <p:nvGrpSpPr>
+        <p:cNvPr id="98" name="Shape 98"/>
+        <p:cNvGrpSpPr/>
+        <p:nvPr/>
+      </p:nvGrpSpPr>
+      <p:grpSpPr>
+        <a:xfrm>
+          <a:off x="0" y="0"/>
+          <a:ext cx="0" cy="0"/>
+          <a:chOff x="0" y="0"/>
+          <a:chExt cx="0" cy="0"/>
+        </a:xfrm>
+      </p:grpSpPr>
+      <p:sp>
+        <p:nvSpPr>
+          <p:cNvPr id="99" name="Shape 99"/>
+          <p:cNvSpPr/>
+          <p:nvPr>
+            <p:ph idx="2" type="sldImg"/>
+          </p:nvPr>
+        </p:nvSpPr>
+        <p:spPr>
+          <a:xfrm>
+            <a:off x="381187" y="685800"/>
+            <a:ext cx="6096299" cy="3429000"/>
+          </a:xfrm>
+          <a:custGeom>
+            <a:pathLst>
+              <a:path extrusionOk="0" h="120000" w="120000">
+                <a:moveTo>
+                  <a:pt x="0" y="0"/>
+                </a:moveTo>
+                <a:lnTo>
+                  <a:pt x="120000" y="0"/>
+                </a:lnTo>
+                <a:lnTo>
+                  <a:pt x="120000" y="120000"/>
+                </a:lnTo>
+                <a:lnTo>
+                  <a:pt x="0" y="120000"/>
+                </a:lnTo>
+                <a:close/>
+              </a:path>
+            </a:pathLst>
+          </a:custGeom>
+          <a:noFill/>
+          <a:ln cap="flat" w="9525">
+            <a:solidFill>
+              <a:srgbClr val="000000"/>
+            </a:solidFill>
+            <a:prstDash val="solid"/>
+            <a:round/>
+            <a:headEnd len="med" w="med" type="none"/>
+            <a:tailEnd len="med" w="med" type="none"/>
+          </a:ln>
+        </p:spPr>
+      </p:sp>
+      <p:sp>
+        <p:nvSpPr>
+          <p:cNvPr id="100" name="Shape 100"/>
+          <p:cNvSpPr txBox="1"/>
+          <p:nvPr>
+            <p:ph idx="1" type="body"/>
+          </p:nvPr>
+        </p:nvSpPr>
+        <p:spPr>
+          <a:xfrm>
+            <a:off x="685800" y="4343400"/>
+            <a:ext cx="5486399" cy="4114800"/>
+          </a:xfrm>
+          <a:prstGeom prst="rect">
+            <a:avLst/>
+          </a:prstGeom>
+        </p:spPr>
+        <p:txBody>
+          <a:bodyPr anchorCtr="0" anchor="t" bIns="91425" lIns="91425" rIns="91425" tIns="91425">
+            <a:noAutofit/>
+          </a:bodyPr>
+          <a:lstStyle/>
+          <a:p>
+            <a:pPr lvl="0" rtl="0">
+              <a:spcBef>
+                <a:spcPts val="0"/>
+              </a:spcBef>
+              <a:buNone/>
+            </a:pPr>
+            <a:r>
+              <a:t/>
+            </a:r>
+            <a:endParaRPr/>
+          </a:p>
+        </p:txBody>
+      </p:sp>
+    </p:spTree>
+  </p:cSld>
+  <p:clrMapOvr>
+    <a:masterClrMapping/>
+  </p:clrMapOvr>
+</p:notes>
+</file>
+
+<file path=ppt/notesSlides/notesSlide13.xml><?xml version="1.0" encoding="utf-8"?>
+<p:notes xmlns:a="http://schemas.openxmlformats.org/drawingml/2006/main" xmlns:r="http://schemas.openxmlformats.org/officeDocument/2006/relationships" xmlns:mc="http://schemas.openxmlformats.org/markup-compatibility/2006" xmlns:mv="urn:schemas-microsoft-com:mac:vml" xmlns:p="http://schemas.openxmlformats.org/presentationml/2006/main" xmlns:c="http://schemas.openxmlformats.org/drawingml/2006/chart" xmlns:dgm="http://schemas.openxmlformats.org/drawingml/2006/diagram" xmlns:o="urn:schemas-microsoft-com:office:office" xmlns:v="urn:schemas-microsoft-com:vml" xmlns:pvml="urn:schemas-microsoft-com:office:powerpoint" xmlns:com="http://schemas.openxmlformats.org/drawingml/2006/compatibility" xmlns:p14="http://schemas.microsoft.com/office/powerpoint/2010/main" showMasterPhAnim="0" showMasterSp="0">
+  <p:cSld>
+    <p:spTree>
+      <p:nvGrpSpPr>
+        <p:cNvPr id="104" name="Shape 104"/>
+        <p:cNvGrpSpPr/>
+        <p:nvPr/>
+      </p:nvGrpSpPr>
+      <p:grpSpPr>
+        <a:xfrm>
+          <a:off x="0" y="0"/>
+          <a:ext cx="0" cy="0"/>
+          <a:chOff x="0" y="0"/>
+          <a:chExt cx="0" cy="0"/>
+        </a:xfrm>
+      </p:grpSpPr>
+      <p:sp>
+        <p:nvSpPr>
+          <p:cNvPr id="105" name="Shape 105"/>
+          <p:cNvSpPr/>
+          <p:nvPr>
+            <p:ph idx="2" type="sldImg"/>
+          </p:nvPr>
+        </p:nvSpPr>
+        <p:spPr>
+          <a:xfrm>
+            <a:off x="381187" y="685800"/>
+            <a:ext cx="6096299" cy="3429000"/>
+          </a:xfrm>
+          <a:custGeom>
+            <a:pathLst>
+              <a:path extrusionOk="0" h="120000" w="120000">
+                <a:moveTo>
+                  <a:pt x="0" y="0"/>
+                </a:moveTo>
+                <a:lnTo>
+                  <a:pt x="120000" y="0"/>
+                </a:lnTo>
+                <a:lnTo>
+                  <a:pt x="120000" y="120000"/>
+                </a:lnTo>
+                <a:lnTo>
+                  <a:pt x="0" y="120000"/>
+                </a:lnTo>
+                <a:close/>
+              </a:path>
+            </a:pathLst>
+          </a:custGeom>
+          <a:noFill/>
+          <a:ln cap="flat" w="9525">
+            <a:solidFill>
+              <a:srgbClr val="000000"/>
+            </a:solidFill>
+            <a:prstDash val="solid"/>
+            <a:round/>
+            <a:headEnd len="med" w="med" type="none"/>
+            <a:tailEnd len="med" w="med" type="none"/>
+          </a:ln>
+        </p:spPr>
+      </p:sp>
+      <p:sp>
+        <p:nvSpPr>
+          <p:cNvPr id="106" name="Shape 106"/>
+          <p:cNvSpPr txBox="1"/>
+          <p:nvPr>
+            <p:ph idx="1" type="body"/>
+          </p:nvPr>
+        </p:nvSpPr>
+        <p:spPr>
+          <a:xfrm>
+            <a:off x="685800" y="4343400"/>
+            <a:ext cx="5486399" cy="4114800"/>
+          </a:xfrm>
+          <a:prstGeom prst="rect">
+            <a:avLst/>
+          </a:prstGeom>
+          <a:noFill/>
+          <a:ln>
+            <a:noFill/>
+          </a:ln>
+        </p:spPr>
+        <p:txBody>
+          <a:bodyPr anchorCtr="0" anchor="t" bIns="91425" lIns="91425" rIns="91425" tIns="91425">
+            <a:noAutofit/>
+          </a:bodyPr>
+          <a:lstStyle/>
+          <a:p>
+            <a:pPr indent="0" lvl="0" marL="0" marR="0" rtl="0" algn="l">
+              <a:spcBef>
+                <a:spcPts val="0"/>
+              </a:spcBef>
+              <a:buFont typeface="Arial"/>
+              <a:buNone/>
+            </a:pPr>
+            <a:r>
+              <a:t/>
+            </a:r>
+            <a:endParaRPr b="0" baseline="0" i="0" sz="1100" u="none" cap="none" strike="noStrike"/>
+          </a:p>
+        </p:txBody>
+      </p:sp>
+    </p:spTree>
+  </p:cSld>
+  <p:clrMapOvr>
+    <a:masterClrMapping/>
+  </p:clrMapOvr>
+</p:notes>
+</file>
+
+<file path=ppt/notesSlides/notesSlide14.xml><?xml version="1.0" encoding="utf-8"?>
+<p:notes xmlns:a="http://schemas.openxmlformats.org/drawingml/2006/main" xmlns:r="http://schemas.openxmlformats.org/officeDocument/2006/relationships" xmlns:mc="http://schemas.openxmlformats.org/markup-compatibility/2006" xmlns:mv="urn:schemas-microsoft-com:mac:vml" xmlns:p="http://schemas.openxmlformats.org/presentationml/2006/main" xmlns:c="http://schemas.openxmlformats.org/drawingml/2006/chart" xmlns:dgm="http://schemas.openxmlformats.org/drawingml/2006/diagram" xmlns:o="urn:schemas-microsoft-com:office:office" xmlns:v="urn:schemas-microsoft-com:vml" xmlns:pvml="urn:schemas-microsoft-com:office:powerpoint" xmlns:com="http://schemas.openxmlformats.org/drawingml/2006/compatibility" xmlns:p14="http://schemas.microsoft.com/office/powerpoint/2010/main" showMasterPhAnim="0" showMasterSp="0">
+  <p:cSld>
+    <p:spTree>
+      <p:nvGrpSpPr>
+        <p:cNvPr id="110" name="Shape 110"/>
+        <p:cNvGrpSpPr/>
+        <p:nvPr/>
+      </p:nvGrpSpPr>
+      <p:grpSpPr>
+        <a:xfrm>
+          <a:off x="0" y="0"/>
+          <a:ext cx="0" cy="0"/>
+          <a:chOff x="0" y="0"/>
+          <a:chExt cx="0" cy="0"/>
+        </a:xfrm>
+      </p:grpSpPr>
+      <p:sp>
+        <p:nvSpPr>
+          <p:cNvPr id="111" name="Shape 111"/>
+          <p:cNvSpPr/>
+          <p:nvPr>
+            <p:ph idx="2" type="sldImg"/>
+          </p:nvPr>
+        </p:nvSpPr>
+        <p:spPr>
+          <a:xfrm>
+            <a:off x="381187" y="685800"/>
+            <a:ext cx="6096299" cy="3429000"/>
+          </a:xfrm>
+          <a:custGeom>
+            <a:pathLst>
+              <a:path extrusionOk="0" h="120000" w="120000">
+                <a:moveTo>
+                  <a:pt x="0" y="0"/>
+                </a:moveTo>
+                <a:lnTo>
+                  <a:pt x="120000" y="0"/>
+                </a:lnTo>
+                <a:lnTo>
+                  <a:pt x="120000" y="120000"/>
+                </a:lnTo>
+                <a:lnTo>
+                  <a:pt x="0" y="120000"/>
+                </a:lnTo>
+                <a:close/>
+              </a:path>
+            </a:pathLst>
+          </a:custGeom>
+          <a:noFill/>
+          <a:ln cap="flat" w="9525">
+            <a:solidFill>
+              <a:srgbClr val="000000"/>
+            </a:solidFill>
+            <a:prstDash val="solid"/>
+            <a:round/>
+            <a:headEnd len="med" w="med" type="none"/>
+            <a:tailEnd len="med" w="med" type="none"/>
+          </a:ln>
+        </p:spPr>
+      </p:sp>
+      <p:sp>
+        <p:nvSpPr>
+          <p:cNvPr id="112" name="Shape 112"/>
+          <p:cNvSpPr txBox="1"/>
+          <p:nvPr>
+            <p:ph idx="1" type="body"/>
+          </p:nvPr>
+        </p:nvSpPr>
+        <p:spPr>
+          <a:xfrm>
+            <a:off x="685800" y="4343400"/>
+            <a:ext cx="5486399" cy="4114800"/>
+          </a:xfrm>
+          <a:prstGeom prst="rect">
+            <a:avLst/>
+          </a:prstGeom>
+        </p:spPr>
+        <p:txBody>
+          <a:bodyPr anchorCtr="0" anchor="t" bIns="91425" lIns="91425" rIns="91425" tIns="91425">
+            <a:noAutofit/>
+          </a:bodyPr>
+          <a:lstStyle/>
+          <a:p>
+            <a:pPr lvl="0" rtl="0">
               <a:spcBef>
                 <a:spcPts val="0"/>
               </a:spcBef>
@@ -487,25 +1034,25 @@
 </file>
 
 <file path=ppt/notesSlides/notesSlide2.xml><?xml version="1.0" encoding="utf-8"?>
-<p:notes xmlns:a="http://schemas.openxmlformats.org/drawingml/2006/main" xmlns:r="http://schemas.openxmlformats.org/officeDocument/2006/relationships" xmlns:mc="http://schemas.openxmlformats.org/markup-compatibility/2006" xmlns:mv="urn:schemas-microsoft-com:mac:vml" xmlns:p="http://schemas.openxmlformats.org/presentationml/2006/main" xmlns:c="http://schemas.openxmlformats.org/drawingml/2006/chart" xmlns:dgm="http://schemas.openxmlformats.org/drawingml/2006/diagram" xmlns:o="urn:schemas-microsoft-com:office:office" xmlns:v="urn:schemas-microsoft-com:vml" xmlns:pvml="urn:schemas-microsoft-com:office:powerpoint" xmlns:com="http://schemas.openxmlformats.org/drawingml/2006/compatibility" xmlns:p14="http://schemas.microsoft.com/office/powerpoint/2010/main" showMasterSp="0" showMasterPhAnim="0">
+<p:notes xmlns:a="http://schemas.openxmlformats.org/drawingml/2006/main" xmlns:r="http://schemas.openxmlformats.org/officeDocument/2006/relationships" xmlns:mc="http://schemas.openxmlformats.org/markup-compatibility/2006" xmlns:mv="urn:schemas-microsoft-com:mac:vml" xmlns:p="http://schemas.openxmlformats.org/presentationml/2006/main" xmlns:c="http://schemas.openxmlformats.org/drawingml/2006/chart" xmlns:dgm="http://schemas.openxmlformats.org/drawingml/2006/diagram" xmlns:o="urn:schemas-microsoft-com:office:office" xmlns:v="urn:schemas-microsoft-com:vml" xmlns:pvml="urn:schemas-microsoft-com:office:powerpoint" xmlns:com="http://schemas.openxmlformats.org/drawingml/2006/compatibility" xmlns:p14="http://schemas.microsoft.com/office/powerpoint/2010/main" showMasterPhAnim="0" showMasterSp="0">
   <p:cSld>
     <p:spTree>
       <p:nvGrpSpPr>
-        <p:cNvPr id="39" name="Shape 39"/>
+        <p:cNvPr id="37" name="Shape 37"/>
         <p:cNvGrpSpPr/>
         <p:nvPr/>
       </p:nvGrpSpPr>
       <p:grpSpPr>
         <a:xfrm>
-          <a:off y="0" x="0"/>
-          <a:ext cy="0" cx="0"/>
-          <a:chOff y="0" x="0"/>
-          <a:chExt cy="0" cx="0"/>
+          <a:off x="0" y="0"/>
+          <a:ext cx="0" cy="0"/>
+          <a:chOff x="0" y="0"/>
+          <a:chExt cx="0" cy="0"/>
         </a:xfrm>
       </p:grpSpPr>
       <p:sp>
         <p:nvSpPr>
-          <p:cNvPr id="40" name="Shape 40"/>
+          <p:cNvPr id="38" name="Shape 38"/>
           <p:cNvSpPr/>
           <p:nvPr>
             <p:ph idx="2" type="sldImg"/>
@@ -513,43 +1060,43 @@
         </p:nvSpPr>
         <p:spPr>
           <a:xfrm>
-            <a:off y="685800" x="381187"/>
-            <a:ext cy="3429000" cx="6096299"/>
+            <a:off x="381187" y="685800"/>
+            <a:ext cx="6096299" cy="3429000"/>
           </a:xfrm>
           <a:custGeom>
             <a:pathLst>
-              <a:path w="120000" extrusionOk="0" h="120000">
+              <a:path extrusionOk="0" h="120000" w="120000">
                 <a:moveTo>
-                  <a:pt y="0" x="0"/>
+                  <a:pt x="0" y="0"/>
                 </a:moveTo>
                 <a:lnTo>
-                  <a:pt y="0" x="120000"/>
+                  <a:pt x="120000" y="0"/>
                 </a:lnTo>
                 <a:lnTo>
-                  <a:pt y="120000" x="120000"/>
+                  <a:pt x="120000" y="120000"/>
                 </a:lnTo>
                 <a:lnTo>
-                  <a:pt y="120000" x="0"/>
+                  <a:pt x="0" y="120000"/>
                 </a:lnTo>
                 <a:close/>
               </a:path>
             </a:pathLst>
           </a:custGeom>
           <a:noFill/>
-          <a:ln w="9525" cap="flat">
+          <a:ln cap="flat" w="9525">
             <a:solidFill>
               <a:srgbClr val="000000"/>
             </a:solidFill>
             <a:prstDash val="solid"/>
             <a:round/>
-            <a:headEnd w="med" len="med" type="none"/>
-            <a:tailEnd w="med" len="med" type="none"/>
+            <a:headEnd len="med" w="med" type="none"/>
+            <a:tailEnd len="med" w="med" type="none"/>
           </a:ln>
         </p:spPr>
       </p:sp>
       <p:sp>
         <p:nvSpPr>
-          <p:cNvPr id="41" name="Shape 41"/>
+          <p:cNvPr id="39" name="Shape 39"/>
           <p:cNvSpPr txBox="1"/>
           <p:nvPr>
             <p:ph idx="1" type="body"/>
@@ -557,29 +1104,34 @@
         </p:nvSpPr>
         <p:spPr>
           <a:xfrm>
-            <a:off y="4343400" x="685800"/>
-            <a:ext cy="4114800" cx="5486399"/>
+            <a:off x="685800" y="4343400"/>
+            <a:ext cx="5486399" cy="4114800"/>
           </a:xfrm>
           <a:prstGeom prst="rect">
             <a:avLst/>
           </a:prstGeom>
+          <a:noFill/>
+          <a:ln>
+            <a:noFill/>
+          </a:ln>
         </p:spPr>
         <p:txBody>
-          <a:bodyPr bIns="91425" rIns="91425" lIns="91425" tIns="91425" anchor="t" anchorCtr="0">
+          <a:bodyPr anchorCtr="0" anchor="t" bIns="91425" lIns="91425" rIns="91425" tIns="91425">
             <a:noAutofit/>
           </a:bodyPr>
           <a:lstStyle/>
           <a:p>
-            <a:pPr>
-              <a:spcBef>
-                <a:spcPts val="0"/>
-              </a:spcBef>
+            <a:pPr indent="0" lvl="0" marL="0" marR="0" rtl="0" algn="l">
+              <a:spcBef>
+                <a:spcPts val="0"/>
+              </a:spcBef>
+              <a:buFont typeface="Arial"/>
               <a:buNone/>
             </a:pPr>
             <a:r>
               <a:t/>
             </a:r>
-            <a:endParaRPr/>
+            <a:endParaRPr b="0" baseline="0" i="0" sz="1100" u="none" cap="none" strike="noStrike"/>
           </a:p>
         </p:txBody>
       </p:sp>
@@ -592,25 +1144,25 @@
 </file>
 
 <file path=ppt/notesSlides/notesSlide3.xml><?xml version="1.0" encoding="utf-8"?>
-<p:notes xmlns:a="http://schemas.openxmlformats.org/drawingml/2006/main" xmlns:r="http://schemas.openxmlformats.org/officeDocument/2006/relationships" xmlns:mc="http://schemas.openxmlformats.org/markup-compatibility/2006" xmlns:mv="urn:schemas-microsoft-com:mac:vml" xmlns:p="http://schemas.openxmlformats.org/presentationml/2006/main" xmlns:c="http://schemas.openxmlformats.org/drawingml/2006/chart" xmlns:dgm="http://schemas.openxmlformats.org/drawingml/2006/diagram" xmlns:o="urn:schemas-microsoft-com:office:office" xmlns:v="urn:schemas-microsoft-com:vml" xmlns:pvml="urn:schemas-microsoft-com:office:powerpoint" xmlns:com="http://schemas.openxmlformats.org/drawingml/2006/compatibility" xmlns:p14="http://schemas.microsoft.com/office/powerpoint/2010/main" showMasterSp="0" showMasterPhAnim="0">
+<p:notes xmlns:a="http://schemas.openxmlformats.org/drawingml/2006/main" xmlns:r="http://schemas.openxmlformats.org/officeDocument/2006/relationships" xmlns:mc="http://schemas.openxmlformats.org/markup-compatibility/2006" xmlns:mv="urn:schemas-microsoft-com:mac:vml" xmlns:p="http://schemas.openxmlformats.org/presentationml/2006/main" xmlns:c="http://schemas.openxmlformats.org/drawingml/2006/chart" xmlns:dgm="http://schemas.openxmlformats.org/drawingml/2006/diagram" xmlns:o="urn:schemas-microsoft-com:office:office" xmlns:v="urn:schemas-microsoft-com:vml" xmlns:pvml="urn:schemas-microsoft-com:office:powerpoint" xmlns:com="http://schemas.openxmlformats.org/drawingml/2006/compatibility" xmlns:p14="http://schemas.microsoft.com/office/powerpoint/2010/main" showMasterPhAnim="0" showMasterSp="0">
   <p:cSld>
     <p:spTree>
       <p:nvGrpSpPr>
-        <p:cNvPr id="46" name="Shape 46"/>
+        <p:cNvPr id="43" name="Shape 43"/>
         <p:cNvGrpSpPr/>
         <p:nvPr/>
       </p:nvGrpSpPr>
       <p:grpSpPr>
         <a:xfrm>
-          <a:off y="0" x="0"/>
-          <a:ext cy="0" cx="0"/>
-          <a:chOff y="0" x="0"/>
-          <a:chExt cy="0" cx="0"/>
+          <a:off x="0" y="0"/>
+          <a:ext cx="0" cy="0"/>
+          <a:chOff x="0" y="0"/>
+          <a:chExt cx="0" cy="0"/>
         </a:xfrm>
       </p:grpSpPr>
       <p:sp>
         <p:nvSpPr>
-          <p:cNvPr id="47" name="Shape 47"/>
+          <p:cNvPr id="44" name="Shape 44"/>
           <p:cNvSpPr/>
           <p:nvPr>
             <p:ph idx="2" type="sldImg"/>
@@ -618,43 +1170,43 @@
         </p:nvSpPr>
         <p:spPr>
           <a:xfrm>
-            <a:off y="685800" x="381187"/>
-            <a:ext cy="3429000" cx="6096299"/>
+            <a:off x="381187" y="685800"/>
+            <a:ext cx="6096299" cy="3429000"/>
           </a:xfrm>
           <a:custGeom>
             <a:pathLst>
-              <a:path w="120000" extrusionOk="0" h="120000">
+              <a:path extrusionOk="0" h="120000" w="120000">
                 <a:moveTo>
-                  <a:pt y="0" x="0"/>
+                  <a:pt x="0" y="0"/>
                 </a:moveTo>
                 <a:lnTo>
-                  <a:pt y="0" x="120000"/>
+                  <a:pt x="120000" y="0"/>
                 </a:lnTo>
                 <a:lnTo>
-                  <a:pt y="120000" x="120000"/>
+                  <a:pt x="120000" y="120000"/>
                 </a:lnTo>
                 <a:lnTo>
-                  <a:pt y="120000" x="0"/>
+                  <a:pt x="0" y="120000"/>
                 </a:lnTo>
                 <a:close/>
               </a:path>
             </a:pathLst>
           </a:custGeom>
           <a:noFill/>
-          <a:ln w="9525" cap="flat">
+          <a:ln cap="flat" w="9525">
             <a:solidFill>
               <a:srgbClr val="000000"/>
             </a:solidFill>
             <a:prstDash val="solid"/>
             <a:round/>
-            <a:headEnd w="med" len="med" type="none"/>
-            <a:tailEnd w="med" len="med" type="none"/>
+            <a:headEnd len="med" w="med" type="none"/>
+            <a:tailEnd len="med" w="med" type="none"/>
           </a:ln>
         </p:spPr>
       </p:sp>
       <p:sp>
         <p:nvSpPr>
-          <p:cNvPr id="48" name="Shape 48"/>
+          <p:cNvPr id="45" name="Shape 45"/>
           <p:cNvSpPr txBox="1"/>
           <p:nvPr>
             <p:ph idx="1" type="body"/>
@@ -662,29 +1214,34 @@
         </p:nvSpPr>
         <p:spPr>
           <a:xfrm>
-            <a:off y="4343400" x="685800"/>
-            <a:ext cy="4114800" cx="5486399"/>
+            <a:off x="685800" y="4343400"/>
+            <a:ext cx="5486399" cy="4114800"/>
           </a:xfrm>
           <a:prstGeom prst="rect">
             <a:avLst/>
           </a:prstGeom>
+          <a:noFill/>
+          <a:ln>
+            <a:noFill/>
+          </a:ln>
         </p:spPr>
         <p:txBody>
-          <a:bodyPr bIns="91425" rIns="91425" lIns="91425" tIns="91425" anchor="t" anchorCtr="0">
+          <a:bodyPr anchorCtr="0" anchor="t" bIns="91425" lIns="91425" rIns="91425" tIns="91425">
             <a:noAutofit/>
           </a:bodyPr>
           <a:lstStyle/>
           <a:p>
-            <a:pPr>
-              <a:spcBef>
-                <a:spcPts val="0"/>
-              </a:spcBef>
+            <a:pPr indent="0" lvl="0" marL="0" marR="0" rtl="0" algn="l">
+              <a:spcBef>
+                <a:spcPts val="0"/>
+              </a:spcBef>
+              <a:buFont typeface="Arial"/>
               <a:buNone/>
             </a:pPr>
             <a:r>
               <a:t/>
             </a:r>
-            <a:endParaRPr/>
+            <a:endParaRPr b="0" baseline="0" i="0" sz="1100" u="none" cap="none" strike="noStrike"/>
           </a:p>
         </p:txBody>
       </p:sp>
@@ -697,25 +1254,25 @@
 </file>
 
 <file path=ppt/notesSlides/notesSlide4.xml><?xml version="1.0" encoding="utf-8"?>
-<p:notes xmlns:a="http://schemas.openxmlformats.org/drawingml/2006/main" xmlns:r="http://schemas.openxmlformats.org/officeDocument/2006/relationships" xmlns:mc="http://schemas.openxmlformats.org/markup-compatibility/2006" xmlns:mv="urn:schemas-microsoft-com:mac:vml" xmlns:p="http://schemas.openxmlformats.org/presentationml/2006/main" xmlns:c="http://schemas.openxmlformats.org/drawingml/2006/chart" xmlns:dgm="http://schemas.openxmlformats.org/drawingml/2006/diagram" xmlns:o="urn:schemas-microsoft-com:office:office" xmlns:v="urn:schemas-microsoft-com:vml" xmlns:pvml="urn:schemas-microsoft-com:office:powerpoint" xmlns:com="http://schemas.openxmlformats.org/drawingml/2006/compatibility" xmlns:p14="http://schemas.microsoft.com/office/powerpoint/2010/main" showMasterSp="0" showMasterPhAnim="0">
+<p:notes xmlns:a="http://schemas.openxmlformats.org/drawingml/2006/main" xmlns:r="http://schemas.openxmlformats.org/officeDocument/2006/relationships" xmlns:mc="http://schemas.openxmlformats.org/markup-compatibility/2006" xmlns:mv="urn:schemas-microsoft-com:mac:vml" xmlns:p="http://schemas.openxmlformats.org/presentationml/2006/main" xmlns:c="http://schemas.openxmlformats.org/drawingml/2006/chart" xmlns:dgm="http://schemas.openxmlformats.org/drawingml/2006/diagram" xmlns:o="urn:schemas-microsoft-com:office:office" xmlns:v="urn:schemas-microsoft-com:vml" xmlns:pvml="urn:schemas-microsoft-com:office:powerpoint" xmlns:com="http://schemas.openxmlformats.org/drawingml/2006/compatibility" xmlns:p14="http://schemas.microsoft.com/office/powerpoint/2010/main" showMasterPhAnim="0" showMasterSp="0">
   <p:cSld>
     <p:spTree>
       <p:nvGrpSpPr>
-        <p:cNvPr id="53" name="Shape 53"/>
+        <p:cNvPr id="49" name="Shape 49"/>
         <p:cNvGrpSpPr/>
         <p:nvPr/>
       </p:nvGrpSpPr>
       <p:grpSpPr>
         <a:xfrm>
-          <a:off y="0" x="0"/>
-          <a:ext cy="0" cx="0"/>
-          <a:chOff y="0" x="0"/>
-          <a:chExt cy="0" cx="0"/>
+          <a:off x="0" y="0"/>
+          <a:ext cx="0" cy="0"/>
+          <a:chOff x="0" y="0"/>
+          <a:chExt cx="0" cy="0"/>
         </a:xfrm>
       </p:grpSpPr>
       <p:sp>
         <p:nvSpPr>
-          <p:cNvPr id="54" name="Shape 54"/>
+          <p:cNvPr id="50" name="Shape 50"/>
           <p:cNvSpPr/>
           <p:nvPr>
             <p:ph idx="2" type="sldImg"/>
@@ -723,43 +1280,43 @@
         </p:nvSpPr>
         <p:spPr>
           <a:xfrm>
-            <a:off y="685800" x="381187"/>
-            <a:ext cy="3429000" cx="6096299"/>
+            <a:off x="381187" y="685800"/>
+            <a:ext cx="6096299" cy="3429000"/>
           </a:xfrm>
           <a:custGeom>
             <a:pathLst>
-              <a:path w="120000" extrusionOk="0" h="120000">
+              <a:path extrusionOk="0" h="120000" w="120000">
                 <a:moveTo>
-                  <a:pt y="0" x="0"/>
+                  <a:pt x="0" y="0"/>
                 </a:moveTo>
                 <a:lnTo>
-                  <a:pt y="0" x="120000"/>
+                  <a:pt x="120000" y="0"/>
                 </a:lnTo>
                 <a:lnTo>
-                  <a:pt y="120000" x="120000"/>
+                  <a:pt x="120000" y="120000"/>
                 </a:lnTo>
                 <a:lnTo>
-                  <a:pt y="120000" x="0"/>
+                  <a:pt x="0" y="120000"/>
                 </a:lnTo>
                 <a:close/>
               </a:path>
             </a:pathLst>
           </a:custGeom>
           <a:noFill/>
-          <a:ln w="9525" cap="flat">
+          <a:ln cap="flat" w="9525">
             <a:solidFill>
               <a:srgbClr val="000000"/>
             </a:solidFill>
             <a:prstDash val="solid"/>
             <a:round/>
-            <a:headEnd w="med" len="med" type="none"/>
-            <a:tailEnd w="med" len="med" type="none"/>
+            <a:headEnd len="med" w="med" type="none"/>
+            <a:tailEnd len="med" w="med" type="none"/>
           </a:ln>
         </p:spPr>
       </p:sp>
       <p:sp>
         <p:nvSpPr>
-          <p:cNvPr id="55" name="Shape 55"/>
+          <p:cNvPr id="51" name="Shape 51"/>
           <p:cNvSpPr txBox="1"/>
           <p:nvPr>
             <p:ph idx="1" type="body"/>
@@ -767,15 +1324,15 @@
         </p:nvSpPr>
         <p:spPr>
           <a:xfrm>
-            <a:off y="4343400" x="685800"/>
-            <a:ext cy="4114800" cx="5486399"/>
+            <a:off x="685800" y="4343400"/>
+            <a:ext cx="5486399" cy="4114800"/>
           </a:xfrm>
           <a:prstGeom prst="rect">
             <a:avLst/>
           </a:prstGeom>
         </p:spPr>
         <p:txBody>
-          <a:bodyPr bIns="91425" rIns="91425" lIns="91425" tIns="91425" anchor="t" anchorCtr="0">
+          <a:bodyPr anchorCtr="0" anchor="t" bIns="91425" lIns="91425" rIns="91425" tIns="91425">
             <a:noAutofit/>
           </a:bodyPr>
           <a:lstStyle/>
@@ -802,25 +1359,25 @@
 </file>
 
 <file path=ppt/notesSlides/notesSlide5.xml><?xml version="1.0" encoding="utf-8"?>
-<p:notes xmlns:a="http://schemas.openxmlformats.org/drawingml/2006/main" xmlns:r="http://schemas.openxmlformats.org/officeDocument/2006/relationships" xmlns:mc="http://schemas.openxmlformats.org/markup-compatibility/2006" xmlns:mv="urn:schemas-microsoft-com:mac:vml" xmlns:p="http://schemas.openxmlformats.org/presentationml/2006/main" xmlns:c="http://schemas.openxmlformats.org/drawingml/2006/chart" xmlns:dgm="http://schemas.openxmlformats.org/drawingml/2006/diagram" xmlns:o="urn:schemas-microsoft-com:office:office" xmlns:v="urn:schemas-microsoft-com:vml" xmlns:pvml="urn:schemas-microsoft-com:office:powerpoint" xmlns:com="http://schemas.openxmlformats.org/drawingml/2006/compatibility" xmlns:p14="http://schemas.microsoft.com/office/powerpoint/2010/main" showMasterSp="0" showMasterPhAnim="0">
+<p:notes xmlns:a="http://schemas.openxmlformats.org/drawingml/2006/main" xmlns:r="http://schemas.openxmlformats.org/officeDocument/2006/relationships" xmlns:mc="http://schemas.openxmlformats.org/markup-compatibility/2006" xmlns:mv="urn:schemas-microsoft-com:mac:vml" xmlns:p="http://schemas.openxmlformats.org/presentationml/2006/main" xmlns:c="http://schemas.openxmlformats.org/drawingml/2006/chart" xmlns:dgm="http://schemas.openxmlformats.org/drawingml/2006/diagram" xmlns:o="urn:schemas-microsoft-com:office:office" xmlns:v="urn:schemas-microsoft-com:vml" xmlns:pvml="urn:schemas-microsoft-com:office:powerpoint" xmlns:com="http://schemas.openxmlformats.org/drawingml/2006/compatibility" xmlns:p14="http://schemas.microsoft.com/office/powerpoint/2010/main" showMasterPhAnim="0" showMasterSp="0">
   <p:cSld>
     <p:spTree>
       <p:nvGrpSpPr>
-        <p:cNvPr id="60" name="Shape 60"/>
+        <p:cNvPr id="56" name="Shape 56"/>
         <p:cNvGrpSpPr/>
         <p:nvPr/>
       </p:nvGrpSpPr>
       <p:grpSpPr>
         <a:xfrm>
-          <a:off y="0" x="0"/>
-          <a:ext cy="0" cx="0"/>
-          <a:chOff y="0" x="0"/>
-          <a:chExt cy="0" cx="0"/>
+          <a:off x="0" y="0"/>
+          <a:ext cx="0" cy="0"/>
+          <a:chOff x="0" y="0"/>
+          <a:chExt cx="0" cy="0"/>
         </a:xfrm>
       </p:grpSpPr>
       <p:sp>
         <p:nvSpPr>
-          <p:cNvPr id="61" name="Shape 61"/>
+          <p:cNvPr id="57" name="Shape 57"/>
           <p:cNvSpPr/>
           <p:nvPr>
             <p:ph idx="2" type="sldImg"/>
@@ -828,43 +1385,43 @@
         </p:nvSpPr>
         <p:spPr>
           <a:xfrm>
-            <a:off y="685800" x="381187"/>
-            <a:ext cy="3429000" cx="6096299"/>
+            <a:off x="381187" y="685800"/>
+            <a:ext cx="6096299" cy="3429000"/>
           </a:xfrm>
           <a:custGeom>
             <a:pathLst>
-              <a:path w="120000" extrusionOk="0" h="120000">
+              <a:path extrusionOk="0" h="120000" w="120000">
                 <a:moveTo>
-                  <a:pt y="0" x="0"/>
+                  <a:pt x="0" y="0"/>
                 </a:moveTo>
                 <a:lnTo>
-                  <a:pt y="0" x="120000"/>
+                  <a:pt x="120000" y="0"/>
                 </a:lnTo>
                 <a:lnTo>
-                  <a:pt y="120000" x="120000"/>
+                  <a:pt x="120000" y="120000"/>
                 </a:lnTo>
                 <a:lnTo>
-                  <a:pt y="120000" x="0"/>
+                  <a:pt x="0" y="120000"/>
                 </a:lnTo>
                 <a:close/>
               </a:path>
             </a:pathLst>
           </a:custGeom>
           <a:noFill/>
-          <a:ln w="9525" cap="flat">
+          <a:ln cap="flat" w="9525">
             <a:solidFill>
               <a:srgbClr val="000000"/>
             </a:solidFill>
             <a:prstDash val="solid"/>
             <a:round/>
-            <a:headEnd w="med" len="med" type="none"/>
-            <a:tailEnd w="med" len="med" type="none"/>
+            <a:headEnd len="med" w="med" type="none"/>
+            <a:tailEnd len="med" w="med" type="none"/>
           </a:ln>
         </p:spPr>
       </p:sp>
       <p:sp>
         <p:nvSpPr>
-          <p:cNvPr id="62" name="Shape 62"/>
+          <p:cNvPr id="58" name="Shape 58"/>
           <p:cNvSpPr txBox="1"/>
           <p:nvPr>
             <p:ph idx="1" type="body"/>
@@ -872,29 +1429,34 @@
         </p:nvSpPr>
         <p:spPr>
           <a:xfrm>
-            <a:off y="4343400" x="685800"/>
-            <a:ext cy="4114800" cx="5486399"/>
+            <a:off x="685800" y="4343400"/>
+            <a:ext cx="5486399" cy="4114800"/>
           </a:xfrm>
           <a:prstGeom prst="rect">
             <a:avLst/>
           </a:prstGeom>
+          <a:noFill/>
+          <a:ln>
+            <a:noFill/>
+          </a:ln>
         </p:spPr>
         <p:txBody>
-          <a:bodyPr bIns="91425" rIns="91425" lIns="91425" tIns="91425" anchor="t" anchorCtr="0">
+          <a:bodyPr anchorCtr="0" anchor="t" bIns="91425" lIns="91425" rIns="91425" tIns="91425">
             <a:noAutofit/>
           </a:bodyPr>
           <a:lstStyle/>
           <a:p>
-            <a:pPr>
-              <a:spcBef>
-                <a:spcPts val="0"/>
-              </a:spcBef>
+            <a:pPr indent="0" lvl="0" marL="0" marR="0" rtl="0" algn="l">
+              <a:spcBef>
+                <a:spcPts val="0"/>
+              </a:spcBef>
+              <a:buFont typeface="Arial"/>
               <a:buNone/>
             </a:pPr>
             <a:r>
               <a:t/>
             </a:r>
-            <a:endParaRPr/>
+            <a:endParaRPr b="0" baseline="0" i="0" sz="1100" u="none" cap="none" strike="noStrike"/>
           </a:p>
         </p:txBody>
       </p:sp>
@@ -907,25 +1469,25 @@
 </file>
 
 <file path=ppt/notesSlides/notesSlide6.xml><?xml version="1.0" encoding="utf-8"?>
-<p:notes xmlns:a="http://schemas.openxmlformats.org/drawingml/2006/main" xmlns:r="http://schemas.openxmlformats.org/officeDocument/2006/relationships" xmlns:mc="http://schemas.openxmlformats.org/markup-compatibility/2006" xmlns:mv="urn:schemas-microsoft-com:mac:vml" xmlns:p="http://schemas.openxmlformats.org/presentationml/2006/main" xmlns:c="http://schemas.openxmlformats.org/drawingml/2006/chart" xmlns:dgm="http://schemas.openxmlformats.org/drawingml/2006/diagram" xmlns:o="urn:schemas-microsoft-com:office:office" xmlns:v="urn:schemas-microsoft-com:vml" xmlns:pvml="urn:schemas-microsoft-com:office:powerpoint" xmlns:com="http://schemas.openxmlformats.org/drawingml/2006/compatibility" xmlns:p14="http://schemas.microsoft.com/office/powerpoint/2010/main" showMasterSp="0" showMasterPhAnim="0">
+<p:notes xmlns:a="http://schemas.openxmlformats.org/drawingml/2006/main" xmlns:r="http://schemas.openxmlformats.org/officeDocument/2006/relationships" xmlns:mc="http://schemas.openxmlformats.org/markup-compatibility/2006" xmlns:mv="urn:schemas-microsoft-com:mac:vml" xmlns:p="http://schemas.openxmlformats.org/presentationml/2006/main" xmlns:c="http://schemas.openxmlformats.org/drawingml/2006/chart" xmlns:dgm="http://schemas.openxmlformats.org/drawingml/2006/diagram" xmlns:o="urn:schemas-microsoft-com:office:office" xmlns:v="urn:schemas-microsoft-com:vml" xmlns:pvml="urn:schemas-microsoft-com:office:powerpoint" xmlns:com="http://schemas.openxmlformats.org/drawingml/2006/compatibility" xmlns:p14="http://schemas.microsoft.com/office/powerpoint/2010/main" showMasterPhAnim="0" showMasterSp="0">
   <p:cSld>
     <p:spTree>
       <p:nvGrpSpPr>
-        <p:cNvPr id="67" name="Shape 67"/>
+        <p:cNvPr id="62" name="Shape 62"/>
         <p:cNvGrpSpPr/>
         <p:nvPr/>
       </p:nvGrpSpPr>
       <p:grpSpPr>
         <a:xfrm>
-          <a:off y="0" x="0"/>
-          <a:ext cy="0" cx="0"/>
-          <a:chOff y="0" x="0"/>
-          <a:chExt cy="0" cx="0"/>
+          <a:off x="0" y="0"/>
+          <a:ext cx="0" cy="0"/>
+          <a:chOff x="0" y="0"/>
+          <a:chExt cx="0" cy="0"/>
         </a:xfrm>
       </p:grpSpPr>
       <p:sp>
         <p:nvSpPr>
-          <p:cNvPr id="68" name="Shape 68"/>
+          <p:cNvPr id="63" name="Shape 63"/>
           <p:cNvSpPr/>
           <p:nvPr>
             <p:ph idx="2" type="sldImg"/>
@@ -933,43 +1495,43 @@
         </p:nvSpPr>
         <p:spPr>
           <a:xfrm>
-            <a:off y="685800" x="381187"/>
-            <a:ext cy="3429000" cx="6096299"/>
+            <a:off x="381187" y="685800"/>
+            <a:ext cx="6096299" cy="3429000"/>
           </a:xfrm>
           <a:custGeom>
             <a:pathLst>
-              <a:path w="120000" extrusionOk="0" h="120000">
+              <a:path extrusionOk="0" h="120000" w="120000">
                 <a:moveTo>
-                  <a:pt y="0" x="0"/>
+                  <a:pt x="0" y="0"/>
                 </a:moveTo>
                 <a:lnTo>
-                  <a:pt y="0" x="120000"/>
+                  <a:pt x="120000" y="0"/>
                 </a:lnTo>
                 <a:lnTo>
-                  <a:pt y="120000" x="120000"/>
+                  <a:pt x="120000" y="120000"/>
                 </a:lnTo>
                 <a:lnTo>
-                  <a:pt y="120000" x="0"/>
+                  <a:pt x="0" y="120000"/>
                 </a:lnTo>
                 <a:close/>
               </a:path>
             </a:pathLst>
           </a:custGeom>
           <a:noFill/>
-          <a:ln w="9525" cap="flat">
+          <a:ln cap="flat" w="9525">
             <a:solidFill>
               <a:srgbClr val="000000"/>
             </a:solidFill>
             <a:prstDash val="solid"/>
             <a:round/>
-            <a:headEnd w="med" len="med" type="none"/>
-            <a:tailEnd w="med" len="med" type="none"/>
+            <a:headEnd len="med" w="med" type="none"/>
+            <a:tailEnd len="med" w="med" type="none"/>
           </a:ln>
         </p:spPr>
       </p:sp>
       <p:sp>
         <p:nvSpPr>
-          <p:cNvPr id="69" name="Shape 69"/>
+          <p:cNvPr id="64" name="Shape 64"/>
           <p:cNvSpPr txBox="1"/>
           <p:nvPr>
             <p:ph idx="1" type="body"/>
@@ -977,20 +1539,20 @@
         </p:nvSpPr>
         <p:spPr>
           <a:xfrm>
-            <a:off y="4343400" x="685800"/>
-            <a:ext cy="4114800" cx="5486399"/>
+            <a:off x="685800" y="4343400"/>
+            <a:ext cx="5486399" cy="4114800"/>
           </a:xfrm>
           <a:prstGeom prst="rect">
             <a:avLst/>
           </a:prstGeom>
         </p:spPr>
         <p:txBody>
-          <a:bodyPr bIns="91425" rIns="91425" lIns="91425" tIns="91425" anchor="t" anchorCtr="0">
+          <a:bodyPr anchorCtr="0" anchor="t" bIns="91425" lIns="91425" rIns="91425" tIns="91425">
             <a:noAutofit/>
           </a:bodyPr>
           <a:lstStyle/>
           <a:p>
-            <a:pPr>
+            <a:pPr lvl="0" rtl="0">
               <a:spcBef>
                 <a:spcPts val="0"/>
               </a:spcBef>
@@ -1012,7 +1574,117 @@
 </file>
 
 <file path=ppt/notesSlides/notesSlide7.xml><?xml version="1.0" encoding="utf-8"?>
-<p:notes xmlns:a="http://schemas.openxmlformats.org/drawingml/2006/main" xmlns:r="http://schemas.openxmlformats.org/officeDocument/2006/relationships" xmlns:mc="http://schemas.openxmlformats.org/markup-compatibility/2006" xmlns:mv="urn:schemas-microsoft-com:mac:vml" xmlns:p="http://schemas.openxmlformats.org/presentationml/2006/main" xmlns:c="http://schemas.openxmlformats.org/drawingml/2006/chart" xmlns:dgm="http://schemas.openxmlformats.org/drawingml/2006/diagram" xmlns:o="urn:schemas-microsoft-com:office:office" xmlns:v="urn:schemas-microsoft-com:vml" xmlns:pvml="urn:schemas-microsoft-com:office:powerpoint" xmlns:com="http://schemas.openxmlformats.org/drawingml/2006/compatibility" xmlns:p14="http://schemas.microsoft.com/office/powerpoint/2010/main" showMasterSp="0" showMasterPhAnim="0">
+<p:notes xmlns:a="http://schemas.openxmlformats.org/drawingml/2006/main" xmlns:r="http://schemas.openxmlformats.org/officeDocument/2006/relationships" xmlns:mc="http://schemas.openxmlformats.org/markup-compatibility/2006" xmlns:mv="urn:schemas-microsoft-com:mac:vml" xmlns:p="http://schemas.openxmlformats.org/presentationml/2006/main" xmlns:c="http://schemas.openxmlformats.org/drawingml/2006/chart" xmlns:dgm="http://schemas.openxmlformats.org/drawingml/2006/diagram" xmlns:o="urn:schemas-microsoft-com:office:office" xmlns:v="urn:schemas-microsoft-com:vml" xmlns:pvml="urn:schemas-microsoft-com:office:powerpoint" xmlns:com="http://schemas.openxmlformats.org/drawingml/2006/compatibility" xmlns:p14="http://schemas.microsoft.com/office/powerpoint/2010/main" showMasterPhAnim="0" showMasterSp="0">
+  <p:cSld>
+    <p:spTree>
+      <p:nvGrpSpPr>
+        <p:cNvPr id="68" name="Shape 68"/>
+        <p:cNvGrpSpPr/>
+        <p:nvPr/>
+      </p:nvGrpSpPr>
+      <p:grpSpPr>
+        <a:xfrm>
+          <a:off x="0" y="0"/>
+          <a:ext cx="0" cy="0"/>
+          <a:chOff x="0" y="0"/>
+          <a:chExt cx="0" cy="0"/>
+        </a:xfrm>
+      </p:grpSpPr>
+      <p:sp>
+        <p:nvSpPr>
+          <p:cNvPr id="69" name="Shape 69"/>
+          <p:cNvSpPr/>
+          <p:nvPr>
+            <p:ph idx="2" type="sldImg"/>
+          </p:nvPr>
+        </p:nvSpPr>
+        <p:spPr>
+          <a:xfrm>
+            <a:off x="381187" y="685800"/>
+            <a:ext cx="6096299" cy="3429000"/>
+          </a:xfrm>
+          <a:custGeom>
+            <a:pathLst>
+              <a:path extrusionOk="0" h="120000" w="120000">
+                <a:moveTo>
+                  <a:pt x="0" y="0"/>
+                </a:moveTo>
+                <a:lnTo>
+                  <a:pt x="120000" y="0"/>
+                </a:lnTo>
+                <a:lnTo>
+                  <a:pt x="120000" y="120000"/>
+                </a:lnTo>
+                <a:lnTo>
+                  <a:pt x="0" y="120000"/>
+                </a:lnTo>
+                <a:close/>
+              </a:path>
+            </a:pathLst>
+          </a:custGeom>
+          <a:noFill/>
+          <a:ln cap="flat" w="9525">
+            <a:solidFill>
+              <a:srgbClr val="000000"/>
+            </a:solidFill>
+            <a:prstDash val="solid"/>
+            <a:round/>
+            <a:headEnd len="med" w="med" type="none"/>
+            <a:tailEnd len="med" w="med" type="none"/>
+          </a:ln>
+        </p:spPr>
+      </p:sp>
+      <p:sp>
+        <p:nvSpPr>
+          <p:cNvPr id="70" name="Shape 70"/>
+          <p:cNvSpPr txBox="1"/>
+          <p:nvPr>
+            <p:ph idx="1" type="body"/>
+          </p:nvPr>
+        </p:nvSpPr>
+        <p:spPr>
+          <a:xfrm>
+            <a:off x="685800" y="4343400"/>
+            <a:ext cx="5486399" cy="4114800"/>
+          </a:xfrm>
+          <a:prstGeom prst="rect">
+            <a:avLst/>
+          </a:prstGeom>
+          <a:noFill/>
+          <a:ln>
+            <a:noFill/>
+          </a:ln>
+        </p:spPr>
+        <p:txBody>
+          <a:bodyPr anchorCtr="0" anchor="t" bIns="91425" lIns="91425" rIns="91425" tIns="91425">
+            <a:noAutofit/>
+          </a:bodyPr>
+          <a:lstStyle/>
+          <a:p>
+            <a:pPr indent="0" lvl="0" marL="0" marR="0" rtl="0" algn="l">
+              <a:spcBef>
+                <a:spcPts val="0"/>
+              </a:spcBef>
+              <a:buFont typeface="Arial"/>
+              <a:buNone/>
+            </a:pPr>
+            <a:r>
+              <a:t/>
+            </a:r>
+            <a:endParaRPr b="0" baseline="0" i="0" sz="1100" u="none" cap="none" strike="noStrike"/>
+          </a:p>
+        </p:txBody>
+      </p:sp>
+    </p:spTree>
+  </p:cSld>
+  <p:clrMapOvr>
+    <a:masterClrMapping/>
+  </p:clrMapOvr>
+</p:notes>
+</file>
+
+<file path=ppt/notesSlides/notesSlide8.xml><?xml version="1.0" encoding="utf-8"?>
+<p:notes xmlns:a="http://schemas.openxmlformats.org/drawingml/2006/main" xmlns:r="http://schemas.openxmlformats.org/officeDocument/2006/relationships" xmlns:mc="http://schemas.openxmlformats.org/markup-compatibility/2006" xmlns:mv="urn:schemas-microsoft-com:mac:vml" xmlns:p="http://schemas.openxmlformats.org/presentationml/2006/main" xmlns:c="http://schemas.openxmlformats.org/drawingml/2006/chart" xmlns:dgm="http://schemas.openxmlformats.org/drawingml/2006/diagram" xmlns:o="urn:schemas-microsoft-com:office:office" xmlns:v="urn:schemas-microsoft-com:vml" xmlns:pvml="urn:schemas-microsoft-com:office:powerpoint" xmlns:com="http://schemas.openxmlformats.org/drawingml/2006/compatibility" xmlns:p14="http://schemas.microsoft.com/office/powerpoint/2010/main" showMasterPhAnim="0" showMasterSp="0">
   <p:cSld>
     <p:spTree>
       <p:nvGrpSpPr>
@@ -1022,10 +1694,10 @@
       </p:nvGrpSpPr>
       <p:grpSpPr>
         <a:xfrm>
-          <a:off y="0" x="0"/>
-          <a:ext cy="0" cx="0"/>
-          <a:chOff y="0" x="0"/>
-          <a:chExt cy="0" cx="0"/>
+          <a:off x="0" y="0"/>
+          <a:ext cx="0" cy="0"/>
+          <a:chOff x="0" y="0"/>
+          <a:chExt cx="0" cy="0"/>
         </a:xfrm>
       </p:grpSpPr>
       <p:sp>
@@ -1038,37 +1710,37 @@
         </p:nvSpPr>
         <p:spPr>
           <a:xfrm>
-            <a:off y="685800" x="381187"/>
-            <a:ext cy="3429000" cx="6096299"/>
+            <a:off x="381187" y="685800"/>
+            <a:ext cx="6096299" cy="3429000"/>
           </a:xfrm>
           <a:custGeom>
             <a:pathLst>
-              <a:path w="120000" extrusionOk="0" h="120000">
+              <a:path extrusionOk="0" h="120000" w="120000">
                 <a:moveTo>
-                  <a:pt y="0" x="0"/>
+                  <a:pt x="0" y="0"/>
                 </a:moveTo>
                 <a:lnTo>
-                  <a:pt y="0" x="120000"/>
+                  <a:pt x="120000" y="0"/>
                 </a:lnTo>
                 <a:lnTo>
-                  <a:pt y="120000" x="120000"/>
+                  <a:pt x="120000" y="120000"/>
                 </a:lnTo>
                 <a:lnTo>
-                  <a:pt y="120000" x="0"/>
+                  <a:pt x="0" y="120000"/>
                 </a:lnTo>
                 <a:close/>
               </a:path>
             </a:pathLst>
           </a:custGeom>
           <a:noFill/>
-          <a:ln w="9525" cap="flat">
+          <a:ln cap="flat" w="9525">
             <a:solidFill>
               <a:srgbClr val="000000"/>
             </a:solidFill>
             <a:prstDash val="solid"/>
             <a:round/>
-            <a:headEnd w="med" len="med" type="none"/>
-            <a:tailEnd w="med" len="med" type="none"/>
+            <a:headEnd len="med" w="med" type="none"/>
+            <a:tailEnd len="med" w="med" type="none"/>
           </a:ln>
         </p:spPr>
       </p:sp>
@@ -1082,15 +1754,15 @@
         </p:nvSpPr>
         <p:spPr>
           <a:xfrm>
-            <a:off y="4343400" x="685800"/>
-            <a:ext cy="4114800" cx="5486399"/>
+            <a:off x="685800" y="4343400"/>
+            <a:ext cx="5486399" cy="4114800"/>
           </a:xfrm>
           <a:prstGeom prst="rect">
             <a:avLst/>
           </a:prstGeom>
         </p:spPr>
         <p:txBody>
-          <a:bodyPr bIns="91425" rIns="91425" lIns="91425" tIns="91425" anchor="t" anchorCtr="0">
+          <a:bodyPr anchorCtr="0" anchor="t" bIns="91425" lIns="91425" rIns="91425" tIns="91425">
             <a:noAutofit/>
           </a:bodyPr>
           <a:lstStyle/>
@@ -1105,6 +1777,116 @@
               <a:t/>
             </a:r>
             <a:endParaRPr/>
+          </a:p>
+        </p:txBody>
+      </p:sp>
+    </p:spTree>
+  </p:cSld>
+  <p:clrMapOvr>
+    <a:masterClrMapping/>
+  </p:clrMapOvr>
+</p:notes>
+</file>
+
+<file path=ppt/notesSlides/notesSlide9.xml><?xml version="1.0" encoding="utf-8"?>
+<p:notes xmlns:a="http://schemas.openxmlformats.org/drawingml/2006/main" xmlns:r="http://schemas.openxmlformats.org/officeDocument/2006/relationships" xmlns:mc="http://schemas.openxmlformats.org/markup-compatibility/2006" xmlns:mv="urn:schemas-microsoft-com:mac:vml" xmlns:p="http://schemas.openxmlformats.org/presentationml/2006/main" xmlns:c="http://schemas.openxmlformats.org/drawingml/2006/chart" xmlns:dgm="http://schemas.openxmlformats.org/drawingml/2006/diagram" xmlns:o="urn:schemas-microsoft-com:office:office" xmlns:v="urn:schemas-microsoft-com:vml" xmlns:pvml="urn:schemas-microsoft-com:office:powerpoint" xmlns:com="http://schemas.openxmlformats.org/drawingml/2006/compatibility" xmlns:p14="http://schemas.microsoft.com/office/powerpoint/2010/main" showMasterPhAnim="0" showMasterSp="0">
+  <p:cSld>
+    <p:spTree>
+      <p:nvGrpSpPr>
+        <p:cNvPr id="80" name="Shape 80"/>
+        <p:cNvGrpSpPr/>
+        <p:nvPr/>
+      </p:nvGrpSpPr>
+      <p:grpSpPr>
+        <a:xfrm>
+          <a:off x="0" y="0"/>
+          <a:ext cx="0" cy="0"/>
+          <a:chOff x="0" y="0"/>
+          <a:chExt cx="0" cy="0"/>
+        </a:xfrm>
+      </p:grpSpPr>
+      <p:sp>
+        <p:nvSpPr>
+          <p:cNvPr id="81" name="Shape 81"/>
+          <p:cNvSpPr/>
+          <p:nvPr>
+            <p:ph idx="2" type="sldImg"/>
+          </p:nvPr>
+        </p:nvSpPr>
+        <p:spPr>
+          <a:xfrm>
+            <a:off x="381187" y="685800"/>
+            <a:ext cx="6096299" cy="3429000"/>
+          </a:xfrm>
+          <a:custGeom>
+            <a:pathLst>
+              <a:path extrusionOk="0" h="120000" w="120000">
+                <a:moveTo>
+                  <a:pt x="0" y="0"/>
+                </a:moveTo>
+                <a:lnTo>
+                  <a:pt x="120000" y="0"/>
+                </a:lnTo>
+                <a:lnTo>
+                  <a:pt x="120000" y="120000"/>
+                </a:lnTo>
+                <a:lnTo>
+                  <a:pt x="0" y="120000"/>
+                </a:lnTo>
+                <a:close/>
+              </a:path>
+            </a:pathLst>
+          </a:custGeom>
+          <a:noFill/>
+          <a:ln cap="flat" w="9525">
+            <a:solidFill>
+              <a:srgbClr val="000000"/>
+            </a:solidFill>
+            <a:prstDash val="solid"/>
+            <a:round/>
+            <a:headEnd len="med" w="med" type="none"/>
+            <a:tailEnd len="med" w="med" type="none"/>
+          </a:ln>
+        </p:spPr>
+      </p:sp>
+      <p:sp>
+        <p:nvSpPr>
+          <p:cNvPr id="82" name="Shape 82"/>
+          <p:cNvSpPr txBox="1"/>
+          <p:nvPr>
+            <p:ph idx="1" type="body"/>
+          </p:nvPr>
+        </p:nvSpPr>
+        <p:spPr>
+          <a:xfrm>
+            <a:off x="685800" y="4343400"/>
+            <a:ext cx="5486399" cy="4114800"/>
+          </a:xfrm>
+          <a:prstGeom prst="rect">
+            <a:avLst/>
+          </a:prstGeom>
+          <a:noFill/>
+          <a:ln>
+            <a:noFill/>
+          </a:ln>
+        </p:spPr>
+        <p:txBody>
+          <a:bodyPr anchorCtr="0" anchor="t" bIns="91425" lIns="91425" rIns="91425" tIns="91425">
+            <a:noAutofit/>
+          </a:bodyPr>
+          <a:lstStyle/>
+          <a:p>
+            <a:pPr indent="0" lvl="0" marL="0" marR="0" rtl="0" algn="l">
+              <a:spcBef>
+                <a:spcPts val="0"/>
+              </a:spcBef>
+              <a:buFont typeface="Arial"/>
+              <a:buNone/>
+            </a:pPr>
+            <a:r>
+              <a:t/>
+            </a:r>
+            <a:endParaRPr b="0" baseline="0" i="0" sz="1100" u="none" cap="none" strike="noStrike"/>
           </a:p>
         </p:txBody>
       </p:sp>
@@ -1127,10 +1909,10 @@
       </p:nvGrpSpPr>
       <p:grpSpPr>
         <a:xfrm>
-          <a:off y="0" x="0"/>
-          <a:ext cy="0" cx="0"/>
-          <a:chOff y="0" x="0"/>
-          <a:chExt cy="0" cx="0"/>
+          <a:off x="0" y="0"/>
+          <a:ext cx="0" cy="0"/>
+          <a:chOff x="0" y="0"/>
+          <a:chExt cx="0" cy="0"/>
         </a:xfrm>
       </p:grpSpPr>
       <p:sp>
@@ -1143,78 +1925,130 @@
         </p:nvSpPr>
         <p:spPr>
           <a:xfrm>
-            <a:off y="1583342" x="685800"/>
-            <a:ext cy="1159856" cx="7772400"/>
+            <a:off x="685800" y="1583341"/>
+            <a:ext cx="7772400" cy="1159856"/>
           </a:xfrm>
           <a:prstGeom prst="rect">
             <a:avLst/>
           </a:prstGeom>
+          <a:noFill/>
+          <a:ln>
+            <a:noFill/>
+          </a:ln>
         </p:spPr>
         <p:txBody>
-          <a:bodyPr bIns="91425" rIns="91425" lIns="91425" tIns="91425" anchor="b" anchorCtr="0"/>
+          <a:bodyPr anchorCtr="0" anchor="b" bIns="91425" lIns="91425" rIns="91425" tIns="91425"/>
           <a:lstStyle>
-            <a:lvl1pPr algn="ctr">
-              <a:spcBef>
-                <a:spcPts val="0"/>
-              </a:spcBef>
-              <a:buSzPct val="100000"/>
-              <a:defRPr sz="4800"/>
+            <a:lvl1pPr indent="0" marL="0" marR="0" rtl="0" algn="ctr">
+              <a:lnSpc>
+                <a:spcPct val="100000"/>
+              </a:lnSpc>
+              <a:spcBef>
+                <a:spcPts val="0"/>
+              </a:spcBef>
+              <a:spcAft>
+                <a:spcPts val="0"/>
+              </a:spcAft>
+              <a:buClr>
+                <a:schemeClr val="dk1"/>
+              </a:buClr>
+              <a:buFont typeface="Arial"/>
+              <a:buNone/>
+              <a:defRPr/>
             </a:lvl1pPr>
-            <a:lvl2pPr algn="ctr">
-              <a:spcBef>
-                <a:spcPts val="0"/>
-              </a:spcBef>
-              <a:buSzPct val="100000"/>
-              <a:defRPr sz="4800"/>
+            <a:lvl2pPr indent="0" marL="0" marR="0" rtl="0" algn="ctr">
+              <a:lnSpc>
+                <a:spcPct val="100000"/>
+              </a:lnSpc>
+              <a:spcBef>
+                <a:spcPts val="0"/>
+              </a:spcBef>
+              <a:spcAft>
+                <a:spcPts val="0"/>
+              </a:spcAft>
+              <a:buClr>
+                <a:schemeClr val="dk1"/>
+              </a:buClr>
+              <a:buFont typeface="Arial"/>
+              <a:buNone/>
+              <a:defRPr/>
             </a:lvl2pPr>
-            <a:lvl3pPr algn="ctr">
-              <a:spcBef>
-                <a:spcPts val="0"/>
-              </a:spcBef>
-              <a:buSzPct val="100000"/>
-              <a:defRPr sz="4800"/>
+            <a:lvl3pPr indent="0" marL="0" marR="0" rtl="0" algn="ctr">
+              <a:spcBef>
+                <a:spcPts val="0"/>
+              </a:spcBef>
+              <a:buClr>
+                <a:schemeClr val="dk1"/>
+              </a:buClr>
+              <a:buFont typeface="Arial"/>
+              <a:buNone/>
+              <a:defRPr/>
             </a:lvl3pPr>
-            <a:lvl4pPr algn="ctr">
-              <a:spcBef>
-                <a:spcPts val="0"/>
-              </a:spcBef>
-              <a:buSzPct val="100000"/>
-              <a:defRPr sz="4800"/>
+            <a:lvl4pPr indent="0" marL="0" marR="0" rtl="0" algn="ctr">
+              <a:spcBef>
+                <a:spcPts val="0"/>
+              </a:spcBef>
+              <a:buClr>
+                <a:schemeClr val="dk1"/>
+              </a:buClr>
+              <a:buFont typeface="Arial"/>
+              <a:buNone/>
+              <a:defRPr/>
             </a:lvl4pPr>
-            <a:lvl5pPr algn="ctr">
-              <a:spcBef>
-                <a:spcPts val="0"/>
-              </a:spcBef>
-              <a:buSzPct val="100000"/>
-              <a:defRPr sz="4800"/>
+            <a:lvl5pPr indent="0" marL="0" marR="0" rtl="0" algn="ctr">
+              <a:spcBef>
+                <a:spcPts val="0"/>
+              </a:spcBef>
+              <a:buClr>
+                <a:schemeClr val="dk1"/>
+              </a:buClr>
+              <a:buFont typeface="Arial"/>
+              <a:buNone/>
+              <a:defRPr/>
             </a:lvl5pPr>
-            <a:lvl6pPr algn="ctr">
-              <a:spcBef>
-                <a:spcPts val="0"/>
-              </a:spcBef>
-              <a:buSzPct val="100000"/>
-              <a:defRPr sz="4800"/>
+            <a:lvl6pPr indent="0" marL="0" marR="0" rtl="0" algn="ctr">
+              <a:spcBef>
+                <a:spcPts val="0"/>
+              </a:spcBef>
+              <a:buClr>
+                <a:schemeClr val="dk1"/>
+              </a:buClr>
+              <a:buFont typeface="Arial"/>
+              <a:buNone/>
+              <a:defRPr/>
             </a:lvl6pPr>
-            <a:lvl7pPr algn="ctr">
-              <a:spcBef>
-                <a:spcPts val="0"/>
-              </a:spcBef>
-              <a:buSzPct val="100000"/>
-              <a:defRPr sz="4800"/>
+            <a:lvl7pPr indent="0" marL="0" marR="0" rtl="0" algn="ctr">
+              <a:spcBef>
+                <a:spcPts val="0"/>
+              </a:spcBef>
+              <a:buClr>
+                <a:schemeClr val="dk1"/>
+              </a:buClr>
+              <a:buFont typeface="Arial"/>
+              <a:buNone/>
+              <a:defRPr/>
             </a:lvl7pPr>
-            <a:lvl8pPr algn="ctr">
-              <a:spcBef>
-                <a:spcPts val="0"/>
-              </a:spcBef>
-              <a:buSzPct val="100000"/>
-              <a:defRPr sz="4800"/>
+            <a:lvl8pPr indent="0" marL="0" marR="0" rtl="0" algn="ctr">
+              <a:spcBef>
+                <a:spcPts val="0"/>
+              </a:spcBef>
+              <a:buClr>
+                <a:schemeClr val="dk1"/>
+              </a:buClr>
+              <a:buFont typeface="Arial"/>
+              <a:buNone/>
+              <a:defRPr/>
             </a:lvl8pPr>
-            <a:lvl9pPr algn="ctr">
-              <a:spcBef>
-                <a:spcPts val="0"/>
-              </a:spcBef>
-              <a:buSzPct val="100000"/>
-              <a:defRPr sz="4800"/>
+            <a:lvl9pPr indent="0" marL="0" marR="0" rtl="0" algn="ctr">
+              <a:spcBef>
+                <a:spcPts val="0"/>
+              </a:spcBef>
+              <a:buClr>
+                <a:schemeClr val="dk1"/>
+              </a:buClr>
+              <a:buFont typeface="Arial"/>
+              <a:buNone/>
+              <a:defRPr/>
             </a:lvl9pPr>
           </a:lstStyle>
           <a:p/>
@@ -1230,149 +2064,172 @@
         </p:nvSpPr>
         <p:spPr>
           <a:xfrm>
-            <a:off y="2840053" x="685800"/>
-            <a:ext cy="784737" cx="7772400"/>
+            <a:off x="685800" y="2840052"/>
+            <a:ext cx="7772400" cy="784737"/>
           </a:xfrm>
           <a:prstGeom prst="rect">
             <a:avLst/>
           </a:prstGeom>
+          <a:noFill/>
+          <a:ln>
+            <a:noFill/>
+          </a:ln>
         </p:spPr>
         <p:txBody>
-          <a:bodyPr bIns="91425" rIns="91425" lIns="91425" tIns="91425" anchor="t" anchorCtr="0"/>
+          <a:bodyPr anchorCtr="0" anchor="t" bIns="91425" lIns="91425" rIns="91425" tIns="91425"/>
           <a:lstStyle>
-            <a:lvl1pPr algn="ctr">
-              <a:spcBef>
-                <a:spcPts val="0"/>
-              </a:spcBef>
+            <a:lvl1pPr indent="0" marL="0" marR="0" rtl="0" algn="ctr">
+              <a:lnSpc>
+                <a:spcPct val="100000"/>
+              </a:lnSpc>
+              <a:spcBef>
+                <a:spcPts val="0"/>
+              </a:spcBef>
+              <a:spcAft>
+                <a:spcPts val="0"/>
+              </a:spcAft>
               <a:buClr>
                 <a:schemeClr val="dk2"/>
               </a:buClr>
-              <a:buNone/>
-              <a:defRPr>
-                <a:solidFill>
-                  <a:schemeClr val="dk2"/>
-                </a:solidFill>
-              </a:defRPr>
+              <a:buFont typeface="Arial"/>
+              <a:buNone/>
+              <a:defRPr/>
             </a:lvl1pPr>
-            <a:lvl2pPr algn="ctr">
-              <a:spcBef>
-                <a:spcPts val="0"/>
-              </a:spcBef>
+            <a:lvl2pPr indent="0" marL="0" marR="0" rtl="0" algn="ctr">
+              <a:lnSpc>
+                <a:spcPct val="100000"/>
+              </a:lnSpc>
+              <a:spcBef>
+                <a:spcPts val="0"/>
+              </a:spcBef>
+              <a:spcAft>
+                <a:spcPts val="0"/>
+              </a:spcAft>
               <a:buClr>
                 <a:schemeClr val="dk2"/>
               </a:buClr>
-              <a:buSzPct val="100000"/>
-              <a:buNone/>
-              <a:defRPr sz="3000">
-                <a:solidFill>
-                  <a:schemeClr val="dk2"/>
-                </a:solidFill>
-              </a:defRPr>
+              <a:buFont typeface="Arial"/>
+              <a:buNone/>
+              <a:defRPr/>
             </a:lvl2pPr>
-            <a:lvl3pPr algn="ctr">
-              <a:spcBef>
-                <a:spcPts val="0"/>
-              </a:spcBef>
+            <a:lvl3pPr indent="0" marL="0" marR="0" rtl="0" algn="ctr">
+              <a:lnSpc>
+                <a:spcPct val="100000"/>
+              </a:lnSpc>
+              <a:spcBef>
+                <a:spcPts val="0"/>
+              </a:spcBef>
+              <a:spcAft>
+                <a:spcPts val="0"/>
+              </a:spcAft>
               <a:buClr>
                 <a:schemeClr val="dk2"/>
               </a:buClr>
-              <a:buSzPct val="100000"/>
-              <a:buNone/>
-              <a:defRPr sz="3000">
-                <a:solidFill>
-                  <a:schemeClr val="dk2"/>
-                </a:solidFill>
-              </a:defRPr>
+              <a:buFont typeface="Arial"/>
+              <a:buNone/>
+              <a:defRPr/>
             </a:lvl3pPr>
-            <a:lvl4pPr algn="ctr">
-              <a:spcBef>
-                <a:spcPts val="0"/>
-              </a:spcBef>
+            <a:lvl4pPr indent="0" marL="0" marR="0" rtl="0" algn="ctr">
+              <a:lnSpc>
+                <a:spcPct val="100000"/>
+              </a:lnSpc>
+              <a:spcBef>
+                <a:spcPts val="0"/>
+              </a:spcBef>
+              <a:spcAft>
+                <a:spcPts val="0"/>
+              </a:spcAft>
               <a:buClr>
                 <a:schemeClr val="dk2"/>
               </a:buClr>
-              <a:buSzPct val="100000"/>
-              <a:buNone/>
-              <a:defRPr sz="3000">
-                <a:solidFill>
-                  <a:schemeClr val="dk2"/>
-                </a:solidFill>
-              </a:defRPr>
+              <a:buFont typeface="Arial"/>
+              <a:buNone/>
+              <a:defRPr/>
             </a:lvl4pPr>
-            <a:lvl5pPr algn="ctr">
-              <a:spcBef>
-                <a:spcPts val="0"/>
-              </a:spcBef>
+            <a:lvl5pPr indent="0" marL="0" marR="0" rtl="0" algn="ctr">
+              <a:lnSpc>
+                <a:spcPct val="100000"/>
+              </a:lnSpc>
+              <a:spcBef>
+                <a:spcPts val="0"/>
+              </a:spcBef>
+              <a:spcAft>
+                <a:spcPts val="0"/>
+              </a:spcAft>
               <a:buClr>
                 <a:schemeClr val="dk2"/>
               </a:buClr>
-              <a:buSzPct val="100000"/>
-              <a:buNone/>
-              <a:defRPr sz="3000">
-                <a:solidFill>
-                  <a:schemeClr val="dk2"/>
-                </a:solidFill>
-              </a:defRPr>
+              <a:buFont typeface="Arial"/>
+              <a:buNone/>
+              <a:defRPr/>
             </a:lvl5pPr>
-            <a:lvl6pPr algn="ctr">
-              <a:spcBef>
-                <a:spcPts val="0"/>
-              </a:spcBef>
+            <a:lvl6pPr indent="0" marL="0" marR="0" rtl="0" algn="ctr">
+              <a:lnSpc>
+                <a:spcPct val="100000"/>
+              </a:lnSpc>
+              <a:spcBef>
+                <a:spcPts val="0"/>
+              </a:spcBef>
+              <a:spcAft>
+                <a:spcPts val="0"/>
+              </a:spcAft>
               <a:buClr>
                 <a:schemeClr val="dk2"/>
               </a:buClr>
-              <a:buSzPct val="100000"/>
-              <a:buNone/>
-              <a:defRPr sz="3000">
-                <a:solidFill>
-                  <a:schemeClr val="dk2"/>
-                </a:solidFill>
-              </a:defRPr>
+              <a:buFont typeface="Arial"/>
+              <a:buNone/>
+              <a:defRPr/>
             </a:lvl6pPr>
-            <a:lvl7pPr algn="ctr">
-              <a:spcBef>
-                <a:spcPts val="0"/>
-              </a:spcBef>
+            <a:lvl7pPr indent="0" marL="0" marR="0" rtl="0" algn="ctr">
+              <a:lnSpc>
+                <a:spcPct val="100000"/>
+              </a:lnSpc>
+              <a:spcBef>
+                <a:spcPts val="0"/>
+              </a:spcBef>
+              <a:spcAft>
+                <a:spcPts val="0"/>
+              </a:spcAft>
               <a:buClr>
                 <a:schemeClr val="dk2"/>
               </a:buClr>
-              <a:buSzPct val="100000"/>
-              <a:buNone/>
-              <a:defRPr sz="3000">
-                <a:solidFill>
-                  <a:schemeClr val="dk2"/>
-                </a:solidFill>
-              </a:defRPr>
+              <a:buFont typeface="Arial"/>
+              <a:buNone/>
+              <a:defRPr/>
             </a:lvl7pPr>
-            <a:lvl8pPr algn="ctr">
-              <a:spcBef>
-                <a:spcPts val="0"/>
-              </a:spcBef>
+            <a:lvl8pPr indent="0" marL="0" marR="0" rtl="0" algn="ctr">
+              <a:lnSpc>
+                <a:spcPct val="100000"/>
+              </a:lnSpc>
+              <a:spcBef>
+                <a:spcPts val="0"/>
+              </a:spcBef>
+              <a:spcAft>
+                <a:spcPts val="0"/>
+              </a:spcAft>
               <a:buClr>
                 <a:schemeClr val="dk2"/>
               </a:buClr>
-              <a:buSzPct val="100000"/>
-              <a:buNone/>
-              <a:defRPr sz="3000">
-                <a:solidFill>
-                  <a:schemeClr val="dk2"/>
-                </a:solidFill>
-              </a:defRPr>
+              <a:buFont typeface="Arial"/>
+              <a:buNone/>
+              <a:defRPr/>
             </a:lvl8pPr>
-            <a:lvl9pPr algn="ctr">
-              <a:spcBef>
-                <a:spcPts val="0"/>
-              </a:spcBef>
+            <a:lvl9pPr indent="0" marL="0" marR="0" rtl="0" algn="ctr">
+              <a:lnSpc>
+                <a:spcPct val="100000"/>
+              </a:lnSpc>
+              <a:spcBef>
+                <a:spcPts val="0"/>
+              </a:spcBef>
+              <a:spcAft>
+                <a:spcPts val="0"/>
+              </a:spcAft>
               <a:buClr>
                 <a:schemeClr val="dk2"/>
               </a:buClr>
-              <a:buSzPct val="100000"/>
-              <a:buNone/>
-              <a:defRPr sz="3000">
-                <a:solidFill>
-                  <a:schemeClr val="dk2"/>
-                </a:solidFill>
-              </a:defRPr>
+              <a:buFont typeface="Arial"/>
+              <a:buNone/>
+              <a:defRPr/>
             </a:lvl9pPr>
           </a:lstStyle>
           <a:p/>
@@ -1388,31 +2245,55 @@
         </p:nvSpPr>
         <p:spPr>
           <a:xfrm>
-            <a:off y="4749850" x="8556791"/>
-            <a:ext cy="393524" cx="548699"/>
+            <a:off x="8556790" y="4749850"/>
+            <a:ext cx="548699" cy="393524"/>
           </a:xfrm>
           <a:prstGeom prst="rect">
             <a:avLst/>
           </a:prstGeom>
+          <a:noFill/>
+          <a:ln>
+            <a:noFill/>
+          </a:ln>
         </p:spPr>
         <p:txBody>
-          <a:bodyPr bIns="91425" rIns="91425" lIns="91425" tIns="91425" anchor="ctr" anchorCtr="0">
+          <a:bodyPr anchorCtr="0" anchor="ctr" bIns="91425" lIns="91425" rIns="91425" tIns="91425">
             <a:noAutofit/>
           </a:bodyPr>
           <a:lstStyle>
-            <a:lvl1pPr>
-              <a:spcBef>
-                <a:spcPts val="0"/>
-              </a:spcBef>
-              <a:buNone/>
-              <a:defRPr/>
+            <a:lvl1pPr indent="0" marL="0" marR="0" rtl="0" algn="r">
+              <a:lnSpc>
+                <a:spcPct val="100000"/>
+              </a:lnSpc>
+              <a:spcBef>
+                <a:spcPts val="0"/>
+              </a:spcBef>
+              <a:spcAft>
+                <a:spcPts val="0"/>
+              </a:spcAft>
+              <a:buNone/>
+              <a:defRPr b="0" baseline="0" i="0" sz="1300" u="none" cap="none" strike="noStrike">
+                <a:solidFill>
+                  <a:schemeClr val="dk1"/>
+                </a:solidFill>
+                <a:latin typeface="Arial"/>
+                <a:ea typeface="Arial"/>
+                <a:cs typeface="Arial"/>
+                <a:sym typeface="Arial"/>
+                <a:rtl val="0"/>
+              </a:defRPr>
             </a:lvl1pPr>
           </a:lstStyle>
           <a:p>
-            <a:pPr>
-              <a:spcBef>
-                <a:spcPts val="0"/>
-              </a:spcBef>
+            <a:pPr indent="0" lvl="0" marL="0">
+              <a:spcBef>
+                <a:spcPts val="0"/>
+              </a:spcBef>
+              <a:buClr>
+                <a:schemeClr val="dk1"/>
+              </a:buClr>
+              <a:buSzPct val="25000"/>
+              <a:buFont typeface="Arial"/>
               <a:buNone/>
             </a:pPr>
             <a:fld id="{00000000-1234-1234-1234-123412341234}" type="slidenum">
@@ -1441,10 +2322,10 @@
       </p:nvGrpSpPr>
       <p:grpSpPr>
         <a:xfrm>
-          <a:off y="0" x="0"/>
-          <a:ext cy="0" cx="0"/>
-          <a:chOff y="0" x="0"/>
-          <a:chExt cy="0" cx="0"/>
+          <a:off x="0" y="0"/>
+          <a:ext cx="0" cy="0"/>
+          <a:chOff x="0" y="0"/>
+          <a:chExt cx="0" cy="0"/>
         </a:xfrm>
       </p:grpSpPr>
       <p:sp>
@@ -1457,65 +2338,69 @@
         </p:nvSpPr>
         <p:spPr>
           <a:xfrm>
-            <a:off y="205978" x="457200"/>
-            <a:ext cy="857250" cx="8229600"/>
+            <a:off x="457200" y="205978"/>
+            <a:ext cx="8229600" cy="857250"/>
           </a:xfrm>
           <a:prstGeom prst="rect">
             <a:avLst/>
           </a:prstGeom>
+          <a:noFill/>
+          <a:ln>
+            <a:noFill/>
+          </a:ln>
         </p:spPr>
         <p:txBody>
-          <a:bodyPr bIns="91425" rIns="91425" lIns="91425" tIns="91425" anchor="b" anchorCtr="0"/>
+          <a:bodyPr anchorCtr="0" anchor="b" bIns="91425" lIns="91425" rIns="91425" tIns="91425"/>
           <a:lstStyle>
-            <a:lvl1pPr>
+            <a:lvl1pPr rtl="0">
               <a:spcBef>
                 <a:spcPts val="0"/>
               </a:spcBef>
               <a:defRPr/>
             </a:lvl1pPr>
-            <a:lvl2pPr>
+            <a:lvl2pPr rtl="0">
               <a:spcBef>
                 <a:spcPts val="0"/>
               </a:spcBef>
               <a:defRPr/>
             </a:lvl2pPr>
-            <a:lvl3pPr>
+            <a:lvl3pPr rtl="0">
               <a:spcBef>
                 <a:spcPts val="0"/>
               </a:spcBef>
               <a:defRPr/>
             </a:lvl3pPr>
-            <a:lvl4pPr>
+            <a:lvl4pPr rtl="0">
               <a:spcBef>
                 <a:spcPts val="0"/>
               </a:spcBef>
               <a:defRPr/>
             </a:lvl4pPr>
-            <a:lvl5pPr>
+            <a:lvl5pPr rtl="0">
               <a:spcBef>
                 <a:spcPts val="0"/>
               </a:spcBef>
               <a:defRPr/>
             </a:lvl5pPr>
-            <a:lvl6pPr>
+            <a:lvl6pPr rtl="0">
               <a:spcBef>
                 <a:spcPts val="0"/>
               </a:spcBef>
               <a:defRPr/>
             </a:lvl6pPr>
-            <a:lvl7pPr>
+            <a:lvl7pPr rtl="0">
               <a:spcBef>
                 <a:spcPts val="0"/>
               </a:spcBef>
               <a:defRPr/>
             </a:lvl7pPr>
-            <a:lvl8pPr>
+            <a:lvl8pPr rtl="0">
               <a:spcBef>
                 <a:spcPts val="0"/>
               </a:spcBef>
               <a:defRPr/>
             </a:lvl8pPr>
-            <a:lvl9pPr>
+            <a:lvl9pPr rtl="0">
               <a:spcBef>
                 <a:spcPts val="0"/>
               </a:spcBef>
@@ -1535,65 +2420,69 @@
         </p:nvSpPr>
         <p:spPr>
           <a:xfrm>
-            <a:off y="1200150" x="457200"/>
-            <a:ext cy="3725680" cx="8229600"/>
+            <a:off x="457200" y="1200150"/>
+            <a:ext cx="8229600" cy="3725679"/>
           </a:xfrm>
           <a:prstGeom prst="rect">
             <a:avLst/>
           </a:prstGeom>
+          <a:noFill/>
+          <a:ln>
+            <a:noFill/>
+          </a:ln>
         </p:spPr>
         <p:txBody>
-          <a:bodyPr bIns="91425" rIns="91425" lIns="91425" tIns="91425" anchor="t" anchorCtr="0"/>
+          <a:bodyPr anchorCtr="0" anchor="t" bIns="91425" lIns="91425" rIns="91425" tIns="91425"/>
           <a:lstStyle>
-            <a:lvl1pPr>
+            <a:lvl1pPr rtl="0">
               <a:spcBef>
                 <a:spcPts val="0"/>
               </a:spcBef>
               <a:defRPr/>
             </a:lvl1pPr>
-            <a:lvl2pPr>
+            <a:lvl2pPr rtl="0">
               <a:spcBef>
                 <a:spcPts val="0"/>
               </a:spcBef>
               <a:defRPr/>
             </a:lvl2pPr>
-            <a:lvl3pPr>
+            <a:lvl3pPr rtl="0">
               <a:spcBef>
                 <a:spcPts val="0"/>
               </a:spcBef>
               <a:defRPr/>
             </a:lvl3pPr>
-            <a:lvl4pPr>
+            <a:lvl4pPr rtl="0">
               <a:spcBef>
                 <a:spcPts val="0"/>
               </a:spcBef>
               <a:defRPr/>
             </a:lvl4pPr>
-            <a:lvl5pPr>
+            <a:lvl5pPr rtl="0">
               <a:spcBef>
                 <a:spcPts val="0"/>
               </a:spcBef>
               <a:defRPr/>
             </a:lvl5pPr>
-            <a:lvl6pPr>
+            <a:lvl6pPr rtl="0">
               <a:spcBef>
                 <a:spcPts val="0"/>
               </a:spcBef>
               <a:defRPr/>
             </a:lvl6pPr>
-            <a:lvl7pPr>
+            <a:lvl7pPr rtl="0">
               <a:spcBef>
                 <a:spcPts val="0"/>
               </a:spcBef>
               <a:defRPr/>
             </a:lvl7pPr>
-            <a:lvl8pPr>
+            <a:lvl8pPr rtl="0">
               <a:spcBef>
                 <a:spcPts val="0"/>
               </a:spcBef>
               <a:defRPr/>
             </a:lvl8pPr>
-            <a:lvl9pPr>
+            <a:lvl9pPr rtl="0">
               <a:spcBef>
                 <a:spcPts val="0"/>
               </a:spcBef>
@@ -1613,31 +2502,55 @@
         </p:nvSpPr>
         <p:spPr>
           <a:xfrm>
-            <a:off y="4749850" x="8556791"/>
-            <a:ext cy="393524" cx="548699"/>
+            <a:off x="8556790" y="4749850"/>
+            <a:ext cx="548699" cy="393524"/>
           </a:xfrm>
           <a:prstGeom prst="rect">
             <a:avLst/>
           </a:prstGeom>
+          <a:noFill/>
+          <a:ln>
+            <a:noFill/>
+          </a:ln>
         </p:spPr>
         <p:txBody>
-          <a:bodyPr bIns="91425" rIns="91425" lIns="91425" tIns="91425" anchor="ctr" anchorCtr="0">
+          <a:bodyPr anchorCtr="0" anchor="ctr" bIns="91425" lIns="91425" rIns="91425" tIns="91425">
             <a:noAutofit/>
           </a:bodyPr>
           <a:lstStyle>
-            <a:lvl1pPr>
-              <a:spcBef>
-                <a:spcPts val="0"/>
-              </a:spcBef>
-              <a:buNone/>
-              <a:defRPr/>
+            <a:lvl1pPr indent="0" marL="0" marR="0" rtl="0" algn="r">
+              <a:lnSpc>
+                <a:spcPct val="100000"/>
+              </a:lnSpc>
+              <a:spcBef>
+                <a:spcPts val="0"/>
+              </a:spcBef>
+              <a:spcAft>
+                <a:spcPts val="0"/>
+              </a:spcAft>
+              <a:buNone/>
+              <a:defRPr b="0" baseline="0" i="0" sz="1300" u="none" cap="none" strike="noStrike">
+                <a:solidFill>
+                  <a:schemeClr val="dk1"/>
+                </a:solidFill>
+                <a:latin typeface="Arial"/>
+                <a:ea typeface="Arial"/>
+                <a:cs typeface="Arial"/>
+                <a:sym typeface="Arial"/>
+                <a:rtl val="0"/>
+              </a:defRPr>
             </a:lvl1pPr>
           </a:lstStyle>
           <a:p>
-            <a:pPr>
-              <a:spcBef>
-                <a:spcPts val="0"/>
-              </a:spcBef>
+            <a:pPr indent="0" lvl="0" marL="0">
+              <a:spcBef>
+                <a:spcPts val="0"/>
+              </a:spcBef>
+              <a:buClr>
+                <a:schemeClr val="dk1"/>
+              </a:buClr>
+              <a:buSzPct val="25000"/>
+              <a:buFont typeface="Arial"/>
               <a:buNone/>
             </a:pPr>
             <a:fld id="{00000000-1234-1234-1234-123412341234}" type="slidenum">
@@ -1666,10 +2579,10 @@
       </p:nvGrpSpPr>
       <p:grpSpPr>
         <a:xfrm>
-          <a:off y="0" x="0"/>
-          <a:ext cy="0" cx="0"/>
-          <a:chOff y="0" x="0"/>
-          <a:chExt cy="0" cx="0"/>
+          <a:off x="0" y="0"/>
+          <a:ext cx="0" cy="0"/>
+          <a:chOff x="0" y="0"/>
+          <a:chExt cx="0" cy="0"/>
         </a:xfrm>
       </p:grpSpPr>
       <p:sp>
@@ -1682,65 +2595,69 @@
         </p:nvSpPr>
         <p:spPr>
           <a:xfrm>
-            <a:off y="205978" x="457200"/>
-            <a:ext cy="857250" cx="8229600"/>
+            <a:off x="457200" y="205978"/>
+            <a:ext cx="8229600" cy="857250"/>
           </a:xfrm>
           <a:prstGeom prst="rect">
             <a:avLst/>
           </a:prstGeom>
+          <a:noFill/>
+          <a:ln>
+            <a:noFill/>
+          </a:ln>
         </p:spPr>
         <p:txBody>
-          <a:bodyPr bIns="91425" rIns="91425" lIns="91425" tIns="91425" anchor="b" anchorCtr="0"/>
+          <a:bodyPr anchorCtr="0" anchor="b" bIns="91425" lIns="91425" rIns="91425" tIns="91425"/>
           <a:lstStyle>
-            <a:lvl1pPr>
+            <a:lvl1pPr rtl="0">
               <a:spcBef>
                 <a:spcPts val="0"/>
               </a:spcBef>
               <a:defRPr/>
             </a:lvl1pPr>
-            <a:lvl2pPr>
+            <a:lvl2pPr rtl="0">
               <a:spcBef>
                 <a:spcPts val="0"/>
               </a:spcBef>
               <a:defRPr/>
             </a:lvl2pPr>
-            <a:lvl3pPr>
+            <a:lvl3pPr rtl="0">
               <a:spcBef>
                 <a:spcPts val="0"/>
               </a:spcBef>
               <a:defRPr/>
             </a:lvl3pPr>
-            <a:lvl4pPr>
+            <a:lvl4pPr rtl="0">
               <a:spcBef>
                 <a:spcPts val="0"/>
               </a:spcBef>
               <a:defRPr/>
             </a:lvl4pPr>
-            <a:lvl5pPr>
+            <a:lvl5pPr rtl="0">
               <a:spcBef>
                 <a:spcPts val="0"/>
               </a:spcBef>
               <a:defRPr/>
             </a:lvl5pPr>
-            <a:lvl6pPr>
+            <a:lvl6pPr rtl="0">
               <a:spcBef>
                 <a:spcPts val="0"/>
               </a:spcBef>
               <a:defRPr/>
             </a:lvl6pPr>
-            <a:lvl7pPr>
+            <a:lvl7pPr rtl="0">
               <a:spcBef>
                 <a:spcPts val="0"/>
               </a:spcBef>
               <a:defRPr/>
             </a:lvl7pPr>
-            <a:lvl8pPr>
+            <a:lvl8pPr rtl="0">
               <a:spcBef>
                 <a:spcPts val="0"/>
               </a:spcBef>
               <a:defRPr/>
             </a:lvl8pPr>
-            <a:lvl9pPr>
+            <a:lvl9pPr rtl="0">
               <a:spcBef>
                 <a:spcPts val="0"/>
               </a:spcBef>
@@ -1760,65 +2677,69 @@
         </p:nvSpPr>
         <p:spPr>
           <a:xfrm>
-            <a:off y="1200150" x="457200"/>
-            <a:ext cy="3725680" cx="3994525"/>
+            <a:off x="457200" y="1200150"/>
+            <a:ext cx="3994524" cy="3725679"/>
           </a:xfrm>
           <a:prstGeom prst="rect">
             <a:avLst/>
           </a:prstGeom>
+          <a:noFill/>
+          <a:ln>
+            <a:noFill/>
+          </a:ln>
         </p:spPr>
         <p:txBody>
-          <a:bodyPr bIns="91425" rIns="91425" lIns="91425" tIns="91425" anchor="t" anchorCtr="0"/>
+          <a:bodyPr anchorCtr="0" anchor="t" bIns="91425" lIns="91425" rIns="91425" tIns="91425"/>
           <a:lstStyle>
-            <a:lvl1pPr>
+            <a:lvl1pPr rtl="0">
               <a:spcBef>
                 <a:spcPts val="0"/>
               </a:spcBef>
               <a:defRPr/>
             </a:lvl1pPr>
-            <a:lvl2pPr>
+            <a:lvl2pPr rtl="0">
               <a:spcBef>
                 <a:spcPts val="0"/>
               </a:spcBef>
               <a:defRPr/>
             </a:lvl2pPr>
-            <a:lvl3pPr>
+            <a:lvl3pPr rtl="0">
               <a:spcBef>
                 <a:spcPts val="0"/>
               </a:spcBef>
               <a:defRPr/>
             </a:lvl3pPr>
-            <a:lvl4pPr>
+            <a:lvl4pPr rtl="0">
               <a:spcBef>
                 <a:spcPts val="0"/>
               </a:spcBef>
               <a:defRPr/>
             </a:lvl4pPr>
-            <a:lvl5pPr>
+            <a:lvl5pPr rtl="0">
               <a:spcBef>
                 <a:spcPts val="0"/>
               </a:spcBef>
               <a:defRPr/>
             </a:lvl5pPr>
-            <a:lvl6pPr>
+            <a:lvl6pPr rtl="0">
               <a:spcBef>
                 <a:spcPts val="0"/>
               </a:spcBef>
               <a:defRPr/>
             </a:lvl6pPr>
-            <a:lvl7pPr>
+            <a:lvl7pPr rtl="0">
               <a:spcBef>
                 <a:spcPts val="0"/>
               </a:spcBef>
               <a:defRPr/>
             </a:lvl7pPr>
-            <a:lvl8pPr>
+            <a:lvl8pPr rtl="0">
               <a:spcBef>
                 <a:spcPts val="0"/>
               </a:spcBef>
               <a:defRPr/>
             </a:lvl8pPr>
-            <a:lvl9pPr>
+            <a:lvl9pPr rtl="0">
               <a:spcBef>
                 <a:spcPts val="0"/>
               </a:spcBef>
@@ -1838,65 +2759,69 @@
         </p:nvSpPr>
         <p:spPr>
           <a:xfrm>
-            <a:off y="1200150" x="4692273"/>
-            <a:ext cy="3725680" cx="3994525"/>
+            <a:off x="4692273" y="1200150"/>
+            <a:ext cx="3994524" cy="3725679"/>
           </a:xfrm>
           <a:prstGeom prst="rect">
             <a:avLst/>
           </a:prstGeom>
+          <a:noFill/>
+          <a:ln>
+            <a:noFill/>
+          </a:ln>
         </p:spPr>
         <p:txBody>
-          <a:bodyPr bIns="91425" rIns="91425" lIns="91425" tIns="91425" anchor="t" anchorCtr="0"/>
+          <a:bodyPr anchorCtr="0" anchor="t" bIns="91425" lIns="91425" rIns="91425" tIns="91425"/>
           <a:lstStyle>
-            <a:lvl1pPr>
+            <a:lvl1pPr rtl="0">
               <a:spcBef>
                 <a:spcPts val="0"/>
               </a:spcBef>
               <a:defRPr/>
             </a:lvl1pPr>
-            <a:lvl2pPr>
+            <a:lvl2pPr rtl="0">
               <a:spcBef>
                 <a:spcPts val="0"/>
               </a:spcBef>
               <a:defRPr/>
             </a:lvl2pPr>
-            <a:lvl3pPr>
+            <a:lvl3pPr rtl="0">
               <a:spcBef>
                 <a:spcPts val="0"/>
               </a:spcBef>
               <a:defRPr/>
             </a:lvl3pPr>
-            <a:lvl4pPr>
+            <a:lvl4pPr rtl="0">
               <a:spcBef>
                 <a:spcPts val="0"/>
               </a:spcBef>
               <a:defRPr/>
             </a:lvl4pPr>
-            <a:lvl5pPr>
+            <a:lvl5pPr rtl="0">
               <a:spcBef>
                 <a:spcPts val="0"/>
               </a:spcBef>
               <a:defRPr/>
             </a:lvl5pPr>
-            <a:lvl6pPr>
+            <a:lvl6pPr rtl="0">
               <a:spcBef>
                 <a:spcPts val="0"/>
               </a:spcBef>
               <a:defRPr/>
             </a:lvl6pPr>
-            <a:lvl7pPr>
+            <a:lvl7pPr rtl="0">
               <a:spcBef>
                 <a:spcPts val="0"/>
               </a:spcBef>
               <a:defRPr/>
             </a:lvl7pPr>
-            <a:lvl8pPr>
+            <a:lvl8pPr rtl="0">
               <a:spcBef>
                 <a:spcPts val="0"/>
               </a:spcBef>
               <a:defRPr/>
             </a:lvl8pPr>
-            <a:lvl9pPr>
+            <a:lvl9pPr rtl="0">
               <a:spcBef>
                 <a:spcPts val="0"/>
               </a:spcBef>
@@ -1916,31 +2841,55 @@
         </p:nvSpPr>
         <p:spPr>
           <a:xfrm>
-            <a:off y="4749850" x="8556791"/>
-            <a:ext cy="393524" cx="548699"/>
+            <a:off x="8556790" y="4749850"/>
+            <a:ext cx="548699" cy="393524"/>
           </a:xfrm>
           <a:prstGeom prst="rect">
             <a:avLst/>
           </a:prstGeom>
+          <a:noFill/>
+          <a:ln>
+            <a:noFill/>
+          </a:ln>
         </p:spPr>
         <p:txBody>
-          <a:bodyPr bIns="91425" rIns="91425" lIns="91425" tIns="91425" anchor="ctr" anchorCtr="0">
+          <a:bodyPr anchorCtr="0" anchor="ctr" bIns="91425" lIns="91425" rIns="91425" tIns="91425">
             <a:noAutofit/>
           </a:bodyPr>
           <a:lstStyle>
-            <a:lvl1pPr>
-              <a:spcBef>
-                <a:spcPts val="0"/>
-              </a:spcBef>
-              <a:buNone/>
-              <a:defRPr/>
+            <a:lvl1pPr indent="0" marL="0" marR="0" rtl="0" algn="r">
+              <a:lnSpc>
+                <a:spcPct val="100000"/>
+              </a:lnSpc>
+              <a:spcBef>
+                <a:spcPts val="0"/>
+              </a:spcBef>
+              <a:spcAft>
+                <a:spcPts val="0"/>
+              </a:spcAft>
+              <a:buNone/>
+              <a:defRPr b="0" baseline="0" i="0" sz="1300" u="none" cap="none" strike="noStrike">
+                <a:solidFill>
+                  <a:schemeClr val="dk1"/>
+                </a:solidFill>
+                <a:latin typeface="Arial"/>
+                <a:ea typeface="Arial"/>
+                <a:cs typeface="Arial"/>
+                <a:sym typeface="Arial"/>
+                <a:rtl val="0"/>
+              </a:defRPr>
             </a:lvl1pPr>
           </a:lstStyle>
           <a:p>
-            <a:pPr>
-              <a:spcBef>
-                <a:spcPts val="0"/>
-              </a:spcBef>
+            <a:pPr indent="0" lvl="0" marL="0">
+              <a:spcBef>
+                <a:spcPts val="0"/>
+              </a:spcBef>
+              <a:buClr>
+                <a:schemeClr val="dk1"/>
+              </a:buClr>
+              <a:buSzPct val="25000"/>
+              <a:buFont typeface="Arial"/>
               <a:buNone/>
             </a:pPr>
             <a:fld id="{00000000-1234-1234-1234-123412341234}" type="slidenum">
@@ -1969,10 +2918,10 @@
       </p:nvGrpSpPr>
       <p:grpSpPr>
         <a:xfrm>
-          <a:off y="0" x="0"/>
-          <a:ext cy="0" cx="0"/>
-          <a:chOff y="0" x="0"/>
-          <a:chExt cy="0" cx="0"/>
+          <a:off x="0" y="0"/>
+          <a:ext cx="0" cy="0"/>
+          <a:chOff x="0" y="0"/>
+          <a:chExt cx="0" cy="0"/>
         </a:xfrm>
       </p:grpSpPr>
       <p:sp>
@@ -1985,65 +2934,69 @@
         </p:nvSpPr>
         <p:spPr>
           <a:xfrm>
-            <a:off y="205978" x="457200"/>
-            <a:ext cy="857250" cx="8229600"/>
+            <a:off x="457200" y="205978"/>
+            <a:ext cx="8229600" cy="857250"/>
           </a:xfrm>
           <a:prstGeom prst="rect">
             <a:avLst/>
           </a:prstGeom>
+          <a:noFill/>
+          <a:ln>
+            <a:noFill/>
+          </a:ln>
         </p:spPr>
         <p:txBody>
-          <a:bodyPr bIns="91425" rIns="91425" lIns="91425" tIns="91425" anchor="b" anchorCtr="0"/>
+          <a:bodyPr anchorCtr="0" anchor="b" bIns="91425" lIns="91425" rIns="91425" tIns="91425"/>
           <a:lstStyle>
-            <a:lvl1pPr>
+            <a:lvl1pPr rtl="0">
               <a:spcBef>
                 <a:spcPts val="0"/>
               </a:spcBef>
               <a:defRPr/>
             </a:lvl1pPr>
-            <a:lvl2pPr>
+            <a:lvl2pPr rtl="0">
               <a:spcBef>
                 <a:spcPts val="0"/>
               </a:spcBef>
               <a:defRPr/>
             </a:lvl2pPr>
-            <a:lvl3pPr>
+            <a:lvl3pPr rtl="0">
               <a:spcBef>
                 <a:spcPts val="0"/>
               </a:spcBef>
               <a:defRPr/>
             </a:lvl3pPr>
-            <a:lvl4pPr>
+            <a:lvl4pPr rtl="0">
               <a:spcBef>
                 <a:spcPts val="0"/>
               </a:spcBef>
               <a:defRPr/>
             </a:lvl4pPr>
-            <a:lvl5pPr>
+            <a:lvl5pPr rtl="0">
               <a:spcBef>
                 <a:spcPts val="0"/>
               </a:spcBef>
               <a:defRPr/>
             </a:lvl5pPr>
-            <a:lvl6pPr>
+            <a:lvl6pPr rtl="0">
               <a:spcBef>
                 <a:spcPts val="0"/>
               </a:spcBef>
               <a:defRPr/>
             </a:lvl6pPr>
-            <a:lvl7pPr>
+            <a:lvl7pPr rtl="0">
               <a:spcBef>
                 <a:spcPts val="0"/>
               </a:spcBef>
               <a:defRPr/>
             </a:lvl7pPr>
-            <a:lvl8pPr>
+            <a:lvl8pPr rtl="0">
               <a:spcBef>
                 <a:spcPts val="0"/>
               </a:spcBef>
               <a:defRPr/>
             </a:lvl8pPr>
-            <a:lvl9pPr>
+            <a:lvl9pPr rtl="0">
               <a:spcBef>
                 <a:spcPts val="0"/>
               </a:spcBef>
@@ -2063,31 +3016,55 @@
         </p:nvSpPr>
         <p:spPr>
           <a:xfrm>
-            <a:off y="4749850" x="8556791"/>
-            <a:ext cy="393524" cx="548699"/>
+            <a:off x="8556790" y="4749850"/>
+            <a:ext cx="548699" cy="393524"/>
           </a:xfrm>
           <a:prstGeom prst="rect">
             <a:avLst/>
           </a:prstGeom>
+          <a:noFill/>
+          <a:ln>
+            <a:noFill/>
+          </a:ln>
         </p:spPr>
         <p:txBody>
-          <a:bodyPr bIns="91425" rIns="91425" lIns="91425" tIns="91425" anchor="ctr" anchorCtr="0">
+          <a:bodyPr anchorCtr="0" anchor="ctr" bIns="91425" lIns="91425" rIns="91425" tIns="91425">
             <a:noAutofit/>
           </a:bodyPr>
           <a:lstStyle>
-            <a:lvl1pPr>
-              <a:spcBef>
-                <a:spcPts val="0"/>
-              </a:spcBef>
-              <a:buNone/>
-              <a:defRPr/>
+            <a:lvl1pPr indent="0" marL="0" marR="0" rtl="0" algn="r">
+              <a:lnSpc>
+                <a:spcPct val="100000"/>
+              </a:lnSpc>
+              <a:spcBef>
+                <a:spcPts val="0"/>
+              </a:spcBef>
+              <a:spcAft>
+                <a:spcPts val="0"/>
+              </a:spcAft>
+              <a:buNone/>
+              <a:defRPr b="0" baseline="0" i="0" sz="1300" u="none" cap="none" strike="noStrike">
+                <a:solidFill>
+                  <a:schemeClr val="dk1"/>
+                </a:solidFill>
+                <a:latin typeface="Arial"/>
+                <a:ea typeface="Arial"/>
+                <a:cs typeface="Arial"/>
+                <a:sym typeface="Arial"/>
+                <a:rtl val="0"/>
+              </a:defRPr>
             </a:lvl1pPr>
           </a:lstStyle>
           <a:p>
-            <a:pPr>
-              <a:spcBef>
-                <a:spcPts val="0"/>
-              </a:spcBef>
+            <a:pPr indent="0" lvl="0" marL="0">
+              <a:spcBef>
+                <a:spcPts val="0"/>
+              </a:spcBef>
+              <a:buClr>
+                <a:schemeClr val="dk1"/>
+              </a:buClr>
+              <a:buSzPct val="25000"/>
+              <a:buFont typeface="Arial"/>
               <a:buNone/>
             </a:pPr>
             <a:fld id="{00000000-1234-1234-1234-123412341234}" type="slidenum">
@@ -2116,10 +3093,10 @@
       </p:nvGrpSpPr>
       <p:grpSpPr>
         <a:xfrm>
-          <a:off y="0" x="0"/>
-          <a:ext cy="0" cx="0"/>
-          <a:chOff y="0" x="0"/>
-          <a:chExt cy="0" cx="0"/>
+          <a:off x="0" y="0"/>
+          <a:ext cx="0" cy="0"/>
+          <a:chOff x="0" y="0"/>
+          <a:chExt cx="0" cy="0"/>
         </a:xfrm>
       </p:grpSpPr>
       <p:sp>
@@ -2132,24 +3109,76 @@
         </p:nvSpPr>
         <p:spPr>
           <a:xfrm>
-            <a:off y="4406309" x="457200"/>
-            <a:ext cy="519520" cx="8229600"/>
+            <a:off x="457200" y="4406308"/>
+            <a:ext cx="8229600" cy="519520"/>
           </a:xfrm>
           <a:prstGeom prst="rect">
             <a:avLst/>
           </a:prstGeom>
+          <a:noFill/>
+          <a:ln>
+            <a:noFill/>
+          </a:ln>
         </p:spPr>
         <p:txBody>
-          <a:bodyPr bIns="91425" rIns="91425" lIns="91425" tIns="91425" anchor="t" anchorCtr="0"/>
+          <a:bodyPr anchorCtr="0" anchor="t" bIns="91425" lIns="91425" rIns="91425" tIns="91425"/>
           <a:lstStyle>
-            <a:lvl1pPr algn="ctr">
+            <a:lvl1pPr rtl="0" algn="ctr">
               <a:spcBef>
                 <a:spcPts val="360"/>
               </a:spcBef>
-              <a:buSzPct val="100000"/>
-              <a:buNone/>
-              <a:defRPr sz="1800"/>
+              <a:buFont typeface="Arial"/>
+              <a:buNone/>
+              <a:defRPr/>
             </a:lvl1pPr>
+            <a:lvl2pPr rtl="0">
+              <a:spcBef>
+                <a:spcPts val="0"/>
+              </a:spcBef>
+              <a:defRPr/>
+            </a:lvl2pPr>
+            <a:lvl3pPr rtl="0">
+              <a:spcBef>
+                <a:spcPts val="0"/>
+              </a:spcBef>
+              <a:defRPr/>
+            </a:lvl3pPr>
+            <a:lvl4pPr rtl="0">
+              <a:spcBef>
+                <a:spcPts val="0"/>
+              </a:spcBef>
+              <a:defRPr/>
+            </a:lvl4pPr>
+            <a:lvl5pPr rtl="0">
+              <a:spcBef>
+                <a:spcPts val="0"/>
+              </a:spcBef>
+              <a:defRPr/>
+            </a:lvl5pPr>
+            <a:lvl6pPr rtl="0">
+              <a:spcBef>
+                <a:spcPts val="0"/>
+              </a:spcBef>
+              <a:defRPr/>
+            </a:lvl6pPr>
+            <a:lvl7pPr rtl="0">
+              <a:spcBef>
+                <a:spcPts val="0"/>
+              </a:spcBef>
+              <a:defRPr/>
+            </a:lvl7pPr>
+            <a:lvl8pPr rtl="0">
+              <a:spcBef>
+                <a:spcPts val="0"/>
+              </a:spcBef>
+              <a:defRPr/>
+            </a:lvl8pPr>
+            <a:lvl9pPr rtl="0">
+              <a:spcBef>
+                <a:spcPts val="0"/>
+              </a:spcBef>
+              <a:defRPr/>
+            </a:lvl9pPr>
           </a:lstStyle>
           <a:p/>
         </p:txBody>
@@ -2164,31 +3193,55 @@
         </p:nvSpPr>
         <p:spPr>
           <a:xfrm>
-            <a:off y="4749850" x="8556791"/>
-            <a:ext cy="393524" cx="548699"/>
+            <a:off x="8556790" y="4749850"/>
+            <a:ext cx="548699" cy="393524"/>
           </a:xfrm>
           <a:prstGeom prst="rect">
             <a:avLst/>
           </a:prstGeom>
+          <a:noFill/>
+          <a:ln>
+            <a:noFill/>
+          </a:ln>
         </p:spPr>
         <p:txBody>
-          <a:bodyPr bIns="91425" rIns="91425" lIns="91425" tIns="91425" anchor="ctr" anchorCtr="0">
+          <a:bodyPr anchorCtr="0" anchor="ctr" bIns="91425" lIns="91425" rIns="91425" tIns="91425">
             <a:noAutofit/>
           </a:bodyPr>
           <a:lstStyle>
-            <a:lvl1pPr>
-              <a:spcBef>
-                <a:spcPts val="0"/>
-              </a:spcBef>
-              <a:buNone/>
-              <a:defRPr/>
+            <a:lvl1pPr indent="0" marL="0" marR="0" rtl="0" algn="r">
+              <a:lnSpc>
+                <a:spcPct val="100000"/>
+              </a:lnSpc>
+              <a:spcBef>
+                <a:spcPts val="0"/>
+              </a:spcBef>
+              <a:spcAft>
+                <a:spcPts val="0"/>
+              </a:spcAft>
+              <a:buNone/>
+              <a:defRPr b="0" baseline="0" i="0" sz="1300" u="none" cap="none" strike="noStrike">
+                <a:solidFill>
+                  <a:schemeClr val="dk1"/>
+                </a:solidFill>
+                <a:latin typeface="Arial"/>
+                <a:ea typeface="Arial"/>
+                <a:cs typeface="Arial"/>
+                <a:sym typeface="Arial"/>
+                <a:rtl val="0"/>
+              </a:defRPr>
             </a:lvl1pPr>
           </a:lstStyle>
           <a:p>
-            <a:pPr>
-              <a:spcBef>
-                <a:spcPts val="0"/>
-              </a:spcBef>
+            <a:pPr indent="0" lvl="0" marL="0">
+              <a:spcBef>
+                <a:spcPts val="0"/>
+              </a:spcBef>
+              <a:buClr>
+                <a:schemeClr val="dk1"/>
+              </a:buClr>
+              <a:buSzPct val="25000"/>
+              <a:buFont typeface="Arial"/>
               <a:buNone/>
             </a:pPr>
             <a:fld id="{00000000-1234-1234-1234-123412341234}" type="slidenum">
@@ -2217,10 +3270,10 @@
       </p:nvGrpSpPr>
       <p:grpSpPr>
         <a:xfrm>
-          <a:off y="0" x="0"/>
-          <a:ext cy="0" cx="0"/>
-          <a:chOff y="0" x="0"/>
-          <a:chExt cy="0" cx="0"/>
+          <a:off x="0" y="0"/>
+          <a:ext cx="0" cy="0"/>
+          <a:chOff x="0" y="0"/>
+          <a:chExt cx="0" cy="0"/>
         </a:xfrm>
       </p:grpSpPr>
       <p:sp>
@@ -2233,31 +3286,55 @@
         </p:nvSpPr>
         <p:spPr>
           <a:xfrm>
-            <a:off y="4749850" x="8556791"/>
-            <a:ext cy="393524" cx="548699"/>
+            <a:off x="8556790" y="4749850"/>
+            <a:ext cx="548699" cy="393524"/>
           </a:xfrm>
           <a:prstGeom prst="rect">
             <a:avLst/>
           </a:prstGeom>
+          <a:noFill/>
+          <a:ln>
+            <a:noFill/>
+          </a:ln>
         </p:spPr>
         <p:txBody>
-          <a:bodyPr bIns="91425" rIns="91425" lIns="91425" tIns="91425" anchor="ctr" anchorCtr="0">
+          <a:bodyPr anchorCtr="0" anchor="ctr" bIns="91425" lIns="91425" rIns="91425" tIns="91425">
             <a:noAutofit/>
           </a:bodyPr>
           <a:lstStyle>
-            <a:lvl1pPr>
-              <a:spcBef>
-                <a:spcPts val="0"/>
-              </a:spcBef>
-              <a:buNone/>
-              <a:defRPr/>
+            <a:lvl1pPr indent="0" marL="0" marR="0" rtl="0" algn="r">
+              <a:lnSpc>
+                <a:spcPct val="100000"/>
+              </a:lnSpc>
+              <a:spcBef>
+                <a:spcPts val="0"/>
+              </a:spcBef>
+              <a:spcAft>
+                <a:spcPts val="0"/>
+              </a:spcAft>
+              <a:buNone/>
+              <a:defRPr b="0" baseline="0" i="0" sz="1300" u="none" cap="none" strike="noStrike">
+                <a:solidFill>
+                  <a:schemeClr val="dk1"/>
+                </a:solidFill>
+                <a:latin typeface="Arial"/>
+                <a:ea typeface="Arial"/>
+                <a:cs typeface="Arial"/>
+                <a:sym typeface="Arial"/>
+                <a:rtl val="0"/>
+              </a:defRPr>
             </a:lvl1pPr>
           </a:lstStyle>
           <a:p>
-            <a:pPr>
-              <a:spcBef>
-                <a:spcPts val="0"/>
-              </a:spcBef>
+            <a:pPr indent="0" lvl="0" marL="0">
+              <a:spcBef>
+                <a:spcPts val="0"/>
+              </a:spcBef>
+              <a:buClr>
+                <a:schemeClr val="dk1"/>
+              </a:buClr>
+              <a:buSzPct val="25000"/>
+              <a:buFont typeface="Arial"/>
               <a:buNone/>
             </a:pPr>
             <a:fld id="{00000000-1234-1234-1234-123412341234}" type="slidenum">
@@ -2293,10 +3370,10 @@
       </p:nvGrpSpPr>
       <p:grpSpPr>
         <a:xfrm>
-          <a:off y="0" x="0"/>
-          <a:ext cy="0" cx="0"/>
-          <a:chOff y="0" x="0"/>
-          <a:chExt cy="0" cx="0"/>
+          <a:off x="0" y="0"/>
+          <a:ext cx="0" cy="0"/>
+          <a:chOff x="0" y="0"/>
+          <a:chExt cx="0" cy="0"/>
         </a:xfrm>
       </p:grpSpPr>
       <p:sp>
@@ -2309,8 +3386,8 @@
         </p:nvSpPr>
         <p:spPr>
           <a:xfrm>
-            <a:off y="205978" x="457200"/>
-            <a:ext cy="857250" cx="8229600"/>
+            <a:off x="457200" y="205978"/>
+            <a:ext cx="8229600" cy="857250"/>
           </a:xfrm>
           <a:prstGeom prst="rect">
             <a:avLst/>
@@ -2321,142 +3398,118 @@
           </a:ln>
         </p:spPr>
         <p:txBody>
-          <a:bodyPr bIns="91425" rIns="91425" lIns="91425" tIns="91425" anchor="b" anchorCtr="0"/>
+          <a:bodyPr anchorCtr="0" anchor="b" bIns="91425" lIns="91425" rIns="91425" tIns="91425"/>
           <a:lstStyle>
-            <a:lvl1pPr>
-              <a:spcBef>
-                <a:spcPts val="0"/>
-              </a:spcBef>
+            <a:lvl1pPr indent="0" marL="0" marR="0" rtl="0" algn="l">
+              <a:lnSpc>
+                <a:spcPct val="100000"/>
+              </a:lnSpc>
+              <a:spcBef>
+                <a:spcPts val="0"/>
+              </a:spcBef>
+              <a:spcAft>
+                <a:spcPts val="0"/>
+              </a:spcAft>
               <a:buClr>
                 <a:schemeClr val="dk1"/>
               </a:buClr>
-              <a:buSzPct val="100000"/>
-              <a:buNone/>
-              <a:defRPr b="1" sz="3600">
-                <a:solidFill>
-                  <a:schemeClr val="dk1"/>
-                </a:solidFill>
-              </a:defRPr>
+              <a:buFont typeface="Arial"/>
+              <a:buNone/>
+              <a:defRPr/>
             </a:lvl1pPr>
-            <a:lvl2pPr>
-              <a:spcBef>
-                <a:spcPts val="0"/>
-              </a:spcBef>
+            <a:lvl2pPr indent="0" marL="0" marR="0" rtl="0" algn="l">
+              <a:lnSpc>
+                <a:spcPct val="100000"/>
+              </a:lnSpc>
+              <a:spcBef>
+                <a:spcPts val="0"/>
+              </a:spcBef>
+              <a:spcAft>
+                <a:spcPts val="0"/>
+              </a:spcAft>
               <a:buClr>
                 <a:schemeClr val="dk1"/>
               </a:buClr>
-              <a:buSzPct val="100000"/>
-              <a:buNone/>
-              <a:defRPr b="1" sz="3600">
-                <a:solidFill>
-                  <a:schemeClr val="dk1"/>
-                </a:solidFill>
-              </a:defRPr>
+              <a:buFont typeface="Arial"/>
+              <a:buNone/>
+              <a:defRPr/>
             </a:lvl2pPr>
-            <a:lvl3pPr>
+            <a:lvl3pPr indent="0" marL="0" marR="0" rtl="0" algn="l">
               <a:spcBef>
                 <a:spcPts val="0"/>
               </a:spcBef>
               <a:buClr>
                 <a:schemeClr val="dk1"/>
               </a:buClr>
-              <a:buSzPct val="100000"/>
-              <a:buNone/>
-              <a:defRPr b="1" sz="3600">
-                <a:solidFill>
-                  <a:schemeClr val="dk1"/>
-                </a:solidFill>
-              </a:defRPr>
+              <a:buFont typeface="Arial"/>
+              <a:buNone/>
+              <a:defRPr/>
             </a:lvl3pPr>
-            <a:lvl4pPr>
+            <a:lvl4pPr indent="0" marL="0" marR="0" rtl="0" algn="l">
               <a:spcBef>
                 <a:spcPts val="0"/>
               </a:spcBef>
               <a:buClr>
                 <a:schemeClr val="dk1"/>
               </a:buClr>
-              <a:buSzPct val="100000"/>
-              <a:buNone/>
-              <a:defRPr b="1" sz="3600">
-                <a:solidFill>
-                  <a:schemeClr val="dk1"/>
-                </a:solidFill>
-              </a:defRPr>
+              <a:buFont typeface="Arial"/>
+              <a:buNone/>
+              <a:defRPr/>
             </a:lvl4pPr>
-            <a:lvl5pPr>
+            <a:lvl5pPr indent="0" marL="0" marR="0" rtl="0" algn="l">
               <a:spcBef>
                 <a:spcPts val="0"/>
               </a:spcBef>
               <a:buClr>
                 <a:schemeClr val="dk1"/>
               </a:buClr>
-              <a:buSzPct val="100000"/>
-              <a:buNone/>
-              <a:defRPr b="1" sz="3600">
-                <a:solidFill>
-                  <a:schemeClr val="dk1"/>
-                </a:solidFill>
-              </a:defRPr>
+              <a:buFont typeface="Arial"/>
+              <a:buNone/>
+              <a:defRPr/>
             </a:lvl5pPr>
-            <a:lvl6pPr>
+            <a:lvl6pPr indent="0" marL="0" marR="0" rtl="0" algn="l">
               <a:spcBef>
                 <a:spcPts val="0"/>
               </a:spcBef>
               <a:buClr>
                 <a:schemeClr val="dk1"/>
               </a:buClr>
-              <a:buSzPct val="100000"/>
-              <a:buNone/>
-              <a:defRPr b="1" sz="3600">
-                <a:solidFill>
-                  <a:schemeClr val="dk1"/>
-                </a:solidFill>
-              </a:defRPr>
+              <a:buFont typeface="Arial"/>
+              <a:buNone/>
+              <a:defRPr/>
             </a:lvl6pPr>
-            <a:lvl7pPr>
+            <a:lvl7pPr indent="0" marL="0" marR="0" rtl="0" algn="l">
               <a:spcBef>
                 <a:spcPts val="0"/>
               </a:spcBef>
               <a:buClr>
                 <a:schemeClr val="dk1"/>
               </a:buClr>
-              <a:buSzPct val="100000"/>
-              <a:buNone/>
-              <a:defRPr b="1" sz="3600">
-                <a:solidFill>
-                  <a:schemeClr val="dk1"/>
-                </a:solidFill>
-              </a:defRPr>
+              <a:buFont typeface="Arial"/>
+              <a:buNone/>
+              <a:defRPr/>
             </a:lvl7pPr>
-            <a:lvl8pPr>
+            <a:lvl8pPr indent="0" marL="0" marR="0" rtl="0" algn="l">
               <a:spcBef>
                 <a:spcPts val="0"/>
               </a:spcBef>
               <a:buClr>
                 <a:schemeClr val="dk1"/>
               </a:buClr>
-              <a:buSzPct val="100000"/>
-              <a:buNone/>
-              <a:defRPr b="1" sz="3600">
-                <a:solidFill>
-                  <a:schemeClr val="dk1"/>
-                </a:solidFill>
-              </a:defRPr>
+              <a:buFont typeface="Arial"/>
+              <a:buNone/>
+              <a:defRPr/>
             </a:lvl8pPr>
-            <a:lvl9pPr>
+            <a:lvl9pPr indent="0" marL="0" marR="0" rtl="0" algn="l">
               <a:spcBef>
                 <a:spcPts val="0"/>
               </a:spcBef>
               <a:buClr>
                 <a:schemeClr val="dk1"/>
               </a:buClr>
-              <a:buSzPct val="100000"/>
-              <a:buNone/>
-              <a:defRPr b="1" sz="3600">
-                <a:solidFill>
-                  <a:schemeClr val="dk1"/>
-                </a:solidFill>
-              </a:defRPr>
+              <a:buFont typeface="Arial"/>
+              <a:buNone/>
+              <a:defRPr/>
             </a:lvl9pPr>
           </a:lstStyle>
           <a:p/>
@@ -2472,8 +3525,8 @@
         </p:nvSpPr>
         <p:spPr>
           <a:xfrm>
-            <a:off y="1200150" x="457200"/>
-            <a:ext cy="3725680" cx="8229600"/>
+            <a:off x="457200" y="1200150"/>
+            <a:ext cx="8229600" cy="3725679"/>
           </a:xfrm>
           <a:prstGeom prst="rect">
             <a:avLst/>
@@ -2484,133 +3537,160 @@
           </a:ln>
         </p:spPr>
         <p:txBody>
-          <a:bodyPr bIns="91425" rIns="91425" lIns="91425" tIns="91425" anchor="t" anchorCtr="0"/>
+          <a:bodyPr anchorCtr="0" anchor="t" bIns="91425" lIns="91425" rIns="91425" tIns="91425"/>
           <a:lstStyle>
-            <a:lvl1pPr>
+            <a:lvl1pPr indent="0" marL="0" marR="0" rtl="0" algn="l">
+              <a:lnSpc>
+                <a:spcPct val="100000"/>
+              </a:lnSpc>
               <a:spcBef>
                 <a:spcPts val="600"/>
               </a:spcBef>
+              <a:spcAft>
+                <a:spcPts val="0"/>
+              </a:spcAft>
               <a:buClr>
                 <a:schemeClr val="dk1"/>
               </a:buClr>
-              <a:buSzPct val="100000"/>
-              <a:defRPr sz="3000">
-                <a:solidFill>
-                  <a:schemeClr val="dk1"/>
-                </a:solidFill>
-              </a:defRPr>
+              <a:buFont typeface="Arial"/>
+              <a:buNone/>
+              <a:defRPr/>
             </a:lvl1pPr>
-            <a:lvl2pPr>
+            <a:lvl2pPr indent="0" marL="0" marR="0" rtl="0" algn="l">
+              <a:lnSpc>
+                <a:spcPct val="100000"/>
+              </a:lnSpc>
               <a:spcBef>
                 <a:spcPts val="480"/>
               </a:spcBef>
+              <a:spcAft>
+                <a:spcPts val="0"/>
+              </a:spcAft>
               <a:buClr>
                 <a:schemeClr val="dk1"/>
               </a:buClr>
-              <a:buSzPct val="100000"/>
-              <a:defRPr sz="2400">
-                <a:solidFill>
-                  <a:schemeClr val="dk1"/>
-                </a:solidFill>
-              </a:defRPr>
+              <a:buFont typeface="Arial"/>
+              <a:buNone/>
+              <a:defRPr/>
             </a:lvl2pPr>
-            <a:lvl3pPr>
+            <a:lvl3pPr indent="0" marL="0" marR="0" rtl="0" algn="l">
+              <a:lnSpc>
+                <a:spcPct val="100000"/>
+              </a:lnSpc>
               <a:spcBef>
                 <a:spcPts val="480"/>
               </a:spcBef>
+              <a:spcAft>
+                <a:spcPts val="0"/>
+              </a:spcAft>
               <a:buClr>
                 <a:schemeClr val="dk1"/>
               </a:buClr>
-              <a:buSzPct val="100000"/>
-              <a:defRPr sz="2400">
-                <a:solidFill>
-                  <a:schemeClr val="dk1"/>
-                </a:solidFill>
-              </a:defRPr>
+              <a:buFont typeface="Arial"/>
+              <a:buNone/>
+              <a:defRPr/>
             </a:lvl3pPr>
-            <a:lvl4pPr>
+            <a:lvl4pPr indent="0" marL="0" marR="0" rtl="0" algn="l">
+              <a:lnSpc>
+                <a:spcPct val="100000"/>
+              </a:lnSpc>
               <a:spcBef>
                 <a:spcPts val="360"/>
               </a:spcBef>
+              <a:spcAft>
+                <a:spcPts val="0"/>
+              </a:spcAft>
               <a:buClr>
                 <a:schemeClr val="dk1"/>
               </a:buClr>
-              <a:buSzPct val="100000"/>
-              <a:defRPr sz="1800">
-                <a:solidFill>
-                  <a:schemeClr val="dk1"/>
-                </a:solidFill>
-              </a:defRPr>
+              <a:buFont typeface="Arial"/>
+              <a:buNone/>
+              <a:defRPr/>
             </a:lvl4pPr>
-            <a:lvl5pPr>
+            <a:lvl5pPr indent="0" marL="0" marR="0" rtl="0" algn="l">
+              <a:lnSpc>
+                <a:spcPct val="100000"/>
+              </a:lnSpc>
               <a:spcBef>
                 <a:spcPts val="360"/>
               </a:spcBef>
+              <a:spcAft>
+                <a:spcPts val="0"/>
+              </a:spcAft>
               <a:buClr>
                 <a:schemeClr val="dk1"/>
               </a:buClr>
-              <a:buSzPct val="100000"/>
-              <a:defRPr sz="1800">
-                <a:solidFill>
-                  <a:schemeClr val="dk1"/>
-                </a:solidFill>
-              </a:defRPr>
+              <a:buFont typeface="Arial"/>
+              <a:buNone/>
+              <a:defRPr/>
             </a:lvl5pPr>
-            <a:lvl6pPr>
+            <a:lvl6pPr indent="0" marL="0" marR="0" rtl="0" algn="l">
+              <a:lnSpc>
+                <a:spcPct val="100000"/>
+              </a:lnSpc>
               <a:spcBef>
                 <a:spcPts val="360"/>
               </a:spcBef>
+              <a:spcAft>
+                <a:spcPts val="0"/>
+              </a:spcAft>
               <a:buClr>
                 <a:schemeClr val="dk1"/>
               </a:buClr>
-              <a:buSzPct val="100000"/>
-              <a:defRPr sz="1800">
-                <a:solidFill>
-                  <a:schemeClr val="dk1"/>
-                </a:solidFill>
-              </a:defRPr>
+              <a:buFont typeface="Arial"/>
+              <a:buNone/>
+              <a:defRPr/>
             </a:lvl6pPr>
-            <a:lvl7pPr>
+            <a:lvl7pPr indent="0" marL="0" marR="0" rtl="0" algn="l">
+              <a:lnSpc>
+                <a:spcPct val="100000"/>
+              </a:lnSpc>
               <a:spcBef>
                 <a:spcPts val="360"/>
               </a:spcBef>
+              <a:spcAft>
+                <a:spcPts val="0"/>
+              </a:spcAft>
               <a:buClr>
                 <a:schemeClr val="dk1"/>
               </a:buClr>
-              <a:buSzPct val="100000"/>
-              <a:defRPr sz="1800">
-                <a:solidFill>
-                  <a:schemeClr val="dk1"/>
-                </a:solidFill>
-              </a:defRPr>
+              <a:buFont typeface="Arial"/>
+              <a:buNone/>
+              <a:defRPr/>
             </a:lvl7pPr>
-            <a:lvl8pPr>
+            <a:lvl8pPr indent="0" marL="0" marR="0" rtl="0" algn="l">
+              <a:lnSpc>
+                <a:spcPct val="100000"/>
+              </a:lnSpc>
               <a:spcBef>
                 <a:spcPts val="360"/>
               </a:spcBef>
+              <a:spcAft>
+                <a:spcPts val="0"/>
+              </a:spcAft>
               <a:buClr>
                 <a:schemeClr val="dk1"/>
               </a:buClr>
-              <a:buSzPct val="100000"/>
-              <a:defRPr sz="1800">
-                <a:solidFill>
-                  <a:schemeClr val="dk1"/>
-                </a:solidFill>
-              </a:defRPr>
+              <a:buFont typeface="Arial"/>
+              <a:buNone/>
+              <a:defRPr/>
             </a:lvl8pPr>
-            <a:lvl9pPr>
+            <a:lvl9pPr indent="0" marL="0" marR="0" rtl="0" algn="l">
+              <a:lnSpc>
+                <a:spcPct val="100000"/>
+              </a:lnSpc>
               <a:spcBef>
                 <a:spcPts val="360"/>
               </a:spcBef>
+              <a:spcAft>
+                <a:spcPts val="0"/>
+              </a:spcAft>
               <a:buClr>
                 <a:schemeClr val="dk1"/>
               </a:buClr>
-              <a:buSzPct val="100000"/>
-              <a:defRPr sz="1800">
-                <a:solidFill>
-                  <a:schemeClr val="dk1"/>
-                </a:solidFill>
-              </a:defRPr>
+              <a:buFont typeface="Arial"/>
+              <a:buNone/>
+              <a:defRPr/>
             </a:lvl9pPr>
           </a:lstStyle>
           <a:p/>
@@ -2626,8 +3706,8 @@
         </p:nvSpPr>
         <p:spPr>
           <a:xfrm>
-            <a:off y="4749850" x="8556791"/>
-            <a:ext cy="393524" cx="548699"/>
+            <a:off x="8556790" y="4749850"/>
+            <a:ext cx="548699" cy="393524"/>
           </a:xfrm>
           <a:prstGeom prst="rect">
             <a:avLst/>
@@ -2638,27 +3718,43 @@
           </a:ln>
         </p:spPr>
         <p:txBody>
-          <a:bodyPr bIns="91425" rIns="91425" lIns="91425" tIns="91425" anchor="ctr" anchorCtr="0">
+          <a:bodyPr anchorCtr="0" anchor="ctr" bIns="91425" lIns="91425" rIns="91425" tIns="91425">
             <a:noAutofit/>
           </a:bodyPr>
           <a:lstStyle>
-            <a:lvl1pPr algn="r">
-              <a:spcBef>
-                <a:spcPts val="0"/>
-              </a:spcBef>
-              <a:buNone/>
-              <a:defRPr sz="1300">
+            <a:lvl1pPr indent="0" marL="0" marR="0" rtl="0" algn="r">
+              <a:lnSpc>
+                <a:spcPct val="100000"/>
+              </a:lnSpc>
+              <a:spcBef>
+                <a:spcPts val="0"/>
+              </a:spcBef>
+              <a:spcAft>
+                <a:spcPts val="0"/>
+              </a:spcAft>
+              <a:buNone/>
+              <a:defRPr b="0" baseline="0" i="0" sz="1300" u="none" cap="none" strike="noStrike">
                 <a:solidFill>
                   <a:schemeClr val="dk1"/>
                 </a:solidFill>
+                <a:latin typeface="Arial"/>
+                <a:ea typeface="Arial"/>
+                <a:cs typeface="Arial"/>
+                <a:sym typeface="Arial"/>
+                <a:rtl val="0"/>
               </a:defRPr>
             </a:lvl1pPr>
           </a:lstStyle>
           <a:p>
-            <a:pPr>
-              <a:spcBef>
-                <a:spcPts val="0"/>
-              </a:spcBef>
+            <a:pPr indent="0" lvl="0" marL="0">
+              <a:spcBef>
+                <a:spcPts val="0"/>
+              </a:spcBef>
+              <a:buClr>
+                <a:schemeClr val="dk1"/>
+              </a:buClr>
+              <a:buSzPct val="25000"/>
+              <a:buFont typeface="Arial"/>
               <a:buNone/>
             </a:pPr>
             <a:fld id="{00000000-1234-1234-1234-123412341234}" type="slidenum">
@@ -2670,7 +3766,7 @@
       </p:sp>
     </p:spTree>
   </p:cSld>
-  <p:clrMap accent2="accent2" accent3="accent3" accent4="accent4" accent5="accent5" accent6="accent6" hlink="hlink" tx2="lt2" tx1="dk1" bg2="dk2" bg1="lt1" folHlink="folHlink" accent1="accent1"/>
+  <p:clrMap accent1="accent1" accent2="accent2" accent3="accent3" accent4="accent4" accent5="accent5" accent6="accent6" bg1="lt1" bg2="dk2" tx1="dk1" tx2="lt2" folHlink="folHlink" hlink="hlink"/>
   <p:sldLayoutIdLst>
     <p:sldLayoutId id="2147483648" r:id="rId1"/>
     <p:sldLayoutId id="2147483649" r:id="rId2"/>
@@ -2679,10 +3775,10 @@
     <p:sldLayoutId id="2147483652" r:id="rId5"/>
     <p:sldLayoutId id="2147483653" r:id="rId6"/>
   </p:sldLayoutIdLst>
-  <p:hf dt="0" ftr="0" sldNum="0" hdr="0"/>
+  <p:hf dt="0" ftr="0" hdr="0" sldNum="0"/>
   <p:txStyles>
     <p:titleStyle>
-      <a:defPPr algn="l" rtl="0" marR="0">
+      <a:defPPr marR="0" rtl="0" algn="l">
         <a:lnSpc>
           <a:spcPct val="100000"/>
         </a:lnSpc>
@@ -2693,7 +3789,7 @@
           <a:spcPts val="0"/>
         </a:spcAft>
       </a:defPPr>
-      <a:lvl1pPr algn="l" rtl="0" marR="0">
+      <a:lvl1pPr marR="0" rtl="0" algn="l">
         <a:lnSpc>
           <a:spcPct val="100000"/>
         </a:lnSpc>
@@ -2704,7 +3800,7 @@
           <a:spcPts val="0"/>
         </a:spcAft>
         <a:buNone/>
-        <a:defRPr strike="noStrike" u="none" b="0" cap="none" baseline="0" sz="1400" i="0">
+        <a:defRPr b="0" baseline="0" i="0" sz="1400" u="none" cap="none" strike="noStrike">
           <a:solidFill>
             <a:srgbClr val="000000"/>
           </a:solidFill>
@@ -2715,7 +3811,7 @@
           <a:rtl val="0"/>
         </a:defRPr>
       </a:lvl1pPr>
-      <a:lvl2pPr algn="l" rtl="0" marR="0">
+      <a:lvl2pPr marR="0" rtl="0" algn="l">
         <a:lnSpc>
           <a:spcPct val="100000"/>
         </a:lnSpc>
@@ -2726,7 +3822,7 @@
           <a:spcPts val="0"/>
         </a:spcAft>
         <a:buNone/>
-        <a:defRPr strike="noStrike" u="none" b="0" cap="none" baseline="0" sz="1400" i="0">
+        <a:defRPr b="0" baseline="0" i="0" sz="1400" u="none" cap="none" strike="noStrike">
           <a:solidFill>
             <a:srgbClr val="000000"/>
           </a:solidFill>
@@ -2739,7 +3835,7 @@
       </a:lvl2pPr>
     </p:titleStyle>
     <p:bodyStyle>
-      <a:defPPr algn="l" rtl="0" marR="0">
+      <a:defPPr marR="0" rtl="0" algn="l">
         <a:lnSpc>
           <a:spcPct val="100000"/>
         </a:lnSpc>
@@ -2750,7 +3846,7 @@
           <a:spcPts val="0"/>
         </a:spcAft>
       </a:defPPr>
-      <a:lvl1pPr algn="l" rtl="0" marR="0">
+      <a:lvl1pPr marR="0" rtl="0" algn="l">
         <a:lnSpc>
           <a:spcPct val="100000"/>
         </a:lnSpc>
@@ -2761,7 +3857,7 @@
           <a:spcPts val="0"/>
         </a:spcAft>
         <a:buNone/>
-        <a:defRPr strike="noStrike" u="none" b="0" cap="none" baseline="0" sz="1400" i="0">
+        <a:defRPr b="0" baseline="0" i="0" sz="1400" u="none" cap="none" strike="noStrike">
           <a:solidFill>
             <a:srgbClr val="000000"/>
           </a:solidFill>
@@ -2772,7 +3868,7 @@
           <a:rtl val="0"/>
         </a:defRPr>
       </a:lvl1pPr>
-      <a:lvl2pPr algn="l" rtl="0" marR="0">
+      <a:lvl2pPr marR="0" rtl="0" algn="l">
         <a:lnSpc>
           <a:spcPct val="100000"/>
         </a:lnSpc>
@@ -2783,7 +3879,7 @@
           <a:spcPts val="0"/>
         </a:spcAft>
         <a:buNone/>
-        <a:defRPr strike="noStrike" u="none" b="0" cap="none" baseline="0" sz="1400" i="0">
+        <a:defRPr b="0" baseline="0" i="0" sz="1400" u="none" cap="none" strike="noStrike">
           <a:solidFill>
             <a:srgbClr val="000000"/>
           </a:solidFill>
@@ -2794,7 +3890,7 @@
           <a:rtl val="0"/>
         </a:defRPr>
       </a:lvl2pPr>
-      <a:lvl3pPr algn="l" rtl="0" marR="0">
+      <a:lvl3pPr marR="0" rtl="0" algn="l">
         <a:lnSpc>
           <a:spcPct val="100000"/>
         </a:lnSpc>
@@ -2805,7 +3901,7 @@
           <a:spcPts val="0"/>
         </a:spcAft>
         <a:buNone/>
-        <a:defRPr strike="noStrike" u="none" b="0" cap="none" baseline="0" sz="1400" i="0">
+        <a:defRPr b="0" baseline="0" i="0" sz="1400" u="none" cap="none" strike="noStrike">
           <a:solidFill>
             <a:srgbClr val="000000"/>
           </a:solidFill>
@@ -2816,7 +3912,7 @@
           <a:rtl val="0"/>
         </a:defRPr>
       </a:lvl3pPr>
-      <a:lvl4pPr algn="l" rtl="0" marR="0">
+      <a:lvl4pPr marR="0" rtl="0" algn="l">
         <a:lnSpc>
           <a:spcPct val="100000"/>
         </a:lnSpc>
@@ -2827,7 +3923,7 @@
           <a:spcPts val="0"/>
         </a:spcAft>
         <a:buNone/>
-        <a:defRPr strike="noStrike" u="none" b="0" cap="none" baseline="0" sz="1400" i="0">
+        <a:defRPr b="0" baseline="0" i="0" sz="1400" u="none" cap="none" strike="noStrike">
           <a:solidFill>
             <a:srgbClr val="000000"/>
           </a:solidFill>
@@ -2838,7 +3934,7 @@
           <a:rtl val="0"/>
         </a:defRPr>
       </a:lvl4pPr>
-      <a:lvl5pPr algn="l" rtl="0" marR="0">
+      <a:lvl5pPr marR="0" rtl="0" algn="l">
         <a:lnSpc>
           <a:spcPct val="100000"/>
         </a:lnSpc>
@@ -2849,7 +3945,7 @@
           <a:spcPts val="0"/>
         </a:spcAft>
         <a:buNone/>
-        <a:defRPr strike="noStrike" u="none" b="0" cap="none" baseline="0" sz="1400" i="0">
+        <a:defRPr b="0" baseline="0" i="0" sz="1400" u="none" cap="none" strike="noStrike">
           <a:solidFill>
             <a:srgbClr val="000000"/>
           </a:solidFill>
@@ -2860,7 +3956,7 @@
           <a:rtl val="0"/>
         </a:defRPr>
       </a:lvl5pPr>
-      <a:lvl6pPr algn="l" rtl="0" marR="0">
+      <a:lvl6pPr marR="0" rtl="0" algn="l">
         <a:lnSpc>
           <a:spcPct val="100000"/>
         </a:lnSpc>
@@ -2871,7 +3967,7 @@
           <a:spcPts val="0"/>
         </a:spcAft>
         <a:buNone/>
-        <a:defRPr strike="noStrike" u="none" b="0" cap="none" baseline="0" sz="1400" i="0">
+        <a:defRPr b="0" baseline="0" i="0" sz="1400" u="none" cap="none" strike="noStrike">
           <a:solidFill>
             <a:srgbClr val="000000"/>
           </a:solidFill>
@@ -2882,7 +3978,7 @@
           <a:rtl val="0"/>
         </a:defRPr>
       </a:lvl6pPr>
-      <a:lvl7pPr algn="l" rtl="0" marR="0">
+      <a:lvl7pPr marR="0" rtl="0" algn="l">
         <a:lnSpc>
           <a:spcPct val="100000"/>
         </a:lnSpc>
@@ -2893,7 +3989,7 @@
           <a:spcPts val="0"/>
         </a:spcAft>
         <a:buNone/>
-        <a:defRPr strike="noStrike" u="none" b="0" cap="none" baseline="0" sz="1400" i="0">
+        <a:defRPr b="0" baseline="0" i="0" sz="1400" u="none" cap="none" strike="noStrike">
           <a:solidFill>
             <a:srgbClr val="000000"/>
           </a:solidFill>
@@ -2904,7 +4000,7 @@
           <a:rtl val="0"/>
         </a:defRPr>
       </a:lvl7pPr>
-      <a:lvl8pPr algn="l" rtl="0" marR="0">
+      <a:lvl8pPr marR="0" rtl="0" algn="l">
         <a:lnSpc>
           <a:spcPct val="100000"/>
         </a:lnSpc>
@@ -2915,7 +4011,7 @@
           <a:spcPts val="0"/>
         </a:spcAft>
         <a:buNone/>
-        <a:defRPr strike="noStrike" u="none" b="0" cap="none" baseline="0" sz="1400" i="0">
+        <a:defRPr b="0" baseline="0" i="0" sz="1400" u="none" cap="none" strike="noStrike">
           <a:solidFill>
             <a:srgbClr val="000000"/>
           </a:solidFill>
@@ -2926,7 +4022,7 @@
           <a:rtl val="0"/>
         </a:defRPr>
       </a:lvl8pPr>
-      <a:lvl9pPr algn="l" rtl="0" marR="0">
+      <a:lvl9pPr marR="0" rtl="0" algn="l">
         <a:lnSpc>
           <a:spcPct val="100000"/>
         </a:lnSpc>
@@ -2937,7 +4033,7 @@
           <a:spcPts val="0"/>
         </a:spcAft>
         <a:buNone/>
-        <a:defRPr strike="noStrike" u="none" b="0" cap="none" baseline="0" sz="1400" i="0">
+        <a:defRPr b="0" baseline="0" i="0" sz="1400" u="none" cap="none" strike="noStrike">
           <a:solidFill>
             <a:srgbClr val="000000"/>
           </a:solidFill>
@@ -2950,7 +4046,7 @@
       </a:lvl9pPr>
     </p:bodyStyle>
     <p:otherStyle>
-      <a:defPPr algn="l" rtl="0" marR="0">
+      <a:defPPr marR="0" rtl="0" algn="l">
         <a:lnSpc>
           <a:spcPct val="100000"/>
         </a:lnSpc>
@@ -2961,7 +4057,7 @@
           <a:spcPts val="0"/>
         </a:spcAft>
       </a:defPPr>
-      <a:lvl1pPr algn="l" rtl="0" marR="0">
+      <a:lvl1pPr marR="0" rtl="0" algn="l">
         <a:lnSpc>
           <a:spcPct val="100000"/>
         </a:lnSpc>
@@ -2972,7 +4068,7 @@
           <a:spcPts val="0"/>
         </a:spcAft>
         <a:buNone/>
-        <a:defRPr strike="noStrike" u="none" b="0" cap="none" baseline="0" sz="1400" i="0">
+        <a:defRPr b="0" baseline="0" i="0" sz="1400" u="none" cap="none" strike="noStrike">
           <a:solidFill>
             <a:srgbClr val="000000"/>
           </a:solidFill>
@@ -2983,7 +4079,7 @@
           <a:rtl val="0"/>
         </a:defRPr>
       </a:lvl1pPr>
-      <a:lvl2pPr algn="l" rtl="0" marR="0">
+      <a:lvl2pPr marR="0" rtl="0" algn="l">
         <a:lnSpc>
           <a:spcPct val="100000"/>
         </a:lnSpc>
@@ -2994,7 +4090,7 @@
           <a:spcPts val="0"/>
         </a:spcAft>
         <a:buNone/>
-        <a:defRPr strike="noStrike" u="none" b="0" cap="none" baseline="0" sz="1400" i="0">
+        <a:defRPr b="0" baseline="0" i="0" sz="1400" u="none" cap="none" strike="noStrike">
           <a:solidFill>
             <a:srgbClr val="000000"/>
           </a:solidFill>
@@ -3005,7 +4101,7 @@
           <a:rtl val="0"/>
         </a:defRPr>
       </a:lvl2pPr>
-      <a:lvl3pPr algn="l" rtl="0" marR="0">
+      <a:lvl3pPr marR="0" rtl="0" algn="l">
         <a:lnSpc>
           <a:spcPct val="100000"/>
         </a:lnSpc>
@@ -3016,7 +4112,7 @@
           <a:spcPts val="0"/>
         </a:spcAft>
         <a:buNone/>
-        <a:defRPr strike="noStrike" u="none" b="0" cap="none" baseline="0" sz="1400" i="0">
+        <a:defRPr b="0" baseline="0" i="0" sz="1400" u="none" cap="none" strike="noStrike">
           <a:solidFill>
             <a:srgbClr val="000000"/>
           </a:solidFill>
@@ -3027,7 +4123,7 @@
           <a:rtl val="0"/>
         </a:defRPr>
       </a:lvl3pPr>
-      <a:lvl4pPr algn="l" rtl="0" marR="0">
+      <a:lvl4pPr marR="0" rtl="0" algn="l">
         <a:lnSpc>
           <a:spcPct val="100000"/>
         </a:lnSpc>
@@ -3038,7 +4134,7 @@
           <a:spcPts val="0"/>
         </a:spcAft>
         <a:buNone/>
-        <a:defRPr strike="noStrike" u="none" b="0" cap="none" baseline="0" sz="1400" i="0">
+        <a:defRPr b="0" baseline="0" i="0" sz="1400" u="none" cap="none" strike="noStrike">
           <a:solidFill>
             <a:srgbClr val="000000"/>
           </a:solidFill>
@@ -3049,7 +4145,7 @@
           <a:rtl val="0"/>
         </a:defRPr>
       </a:lvl4pPr>
-      <a:lvl5pPr algn="l" rtl="0" marR="0">
+      <a:lvl5pPr marR="0" rtl="0" algn="l">
         <a:lnSpc>
           <a:spcPct val="100000"/>
         </a:lnSpc>
@@ -3060,7 +4156,7 @@
           <a:spcPts val="0"/>
         </a:spcAft>
         <a:buNone/>
-        <a:defRPr strike="noStrike" u="none" b="0" cap="none" baseline="0" sz="1400" i="0">
+        <a:defRPr b="0" baseline="0" i="0" sz="1400" u="none" cap="none" strike="noStrike">
           <a:solidFill>
             <a:srgbClr val="000000"/>
           </a:solidFill>
@@ -3071,7 +4167,7 @@
           <a:rtl val="0"/>
         </a:defRPr>
       </a:lvl5pPr>
-      <a:lvl6pPr algn="l" rtl="0" marR="0">
+      <a:lvl6pPr marR="0" rtl="0" algn="l">
         <a:lnSpc>
           <a:spcPct val="100000"/>
         </a:lnSpc>
@@ -3082,7 +4178,7 @@
           <a:spcPts val="0"/>
         </a:spcAft>
         <a:buNone/>
-        <a:defRPr strike="noStrike" u="none" b="0" cap="none" baseline="0" sz="1400" i="0">
+        <a:defRPr b="0" baseline="0" i="0" sz="1400" u="none" cap="none" strike="noStrike">
           <a:solidFill>
             <a:srgbClr val="000000"/>
           </a:solidFill>
@@ -3093,7 +4189,7 @@
           <a:rtl val="0"/>
         </a:defRPr>
       </a:lvl6pPr>
-      <a:lvl7pPr algn="l" rtl="0" marR="0">
+      <a:lvl7pPr marR="0" rtl="0" algn="l">
         <a:lnSpc>
           <a:spcPct val="100000"/>
         </a:lnSpc>
@@ -3104,7 +4200,7 @@
           <a:spcPts val="0"/>
         </a:spcAft>
         <a:buNone/>
-        <a:defRPr strike="noStrike" u="none" b="0" cap="none" baseline="0" sz="1400" i="0">
+        <a:defRPr b="0" baseline="0" i="0" sz="1400" u="none" cap="none" strike="noStrike">
           <a:solidFill>
             <a:srgbClr val="000000"/>
           </a:solidFill>
@@ -3115,7 +4211,7 @@
           <a:rtl val="0"/>
         </a:defRPr>
       </a:lvl7pPr>
-      <a:lvl8pPr algn="l" rtl="0" marR="0">
+      <a:lvl8pPr marR="0" rtl="0" algn="l">
         <a:lnSpc>
           <a:spcPct val="100000"/>
         </a:lnSpc>
@@ -3126,7 +4222,7 @@
           <a:spcPts val="0"/>
         </a:spcAft>
         <a:buNone/>
-        <a:defRPr strike="noStrike" u="none" b="0" cap="none" baseline="0" sz="1400" i="0">
+        <a:defRPr b="0" baseline="0" i="0" sz="1400" u="none" cap="none" strike="noStrike">
           <a:solidFill>
             <a:srgbClr val="000000"/>
           </a:solidFill>
@@ -3137,7 +4233,7 @@
           <a:rtl val="0"/>
         </a:defRPr>
       </a:lvl8pPr>
-      <a:lvl9pPr algn="l" rtl="0" marR="0">
+      <a:lvl9pPr marR="0" rtl="0" algn="l">
         <a:lnSpc>
           <a:spcPct val="100000"/>
         </a:lnSpc>
@@ -3148,7 +4244,7 @@
           <a:spcPts val="0"/>
         </a:spcAft>
         <a:buNone/>
-        <a:defRPr strike="noStrike" u="none" b="0" cap="none" baseline="0" sz="1400" i="0">
+        <a:defRPr b="0" baseline="0" i="0" sz="1400" u="none" cap="none" strike="noStrike">
           <a:solidFill>
             <a:srgbClr val="000000"/>
           </a:solidFill>
@@ -3167,6 +4263,13 @@
 <file path=ppt/slides/slide1.xml><?xml version="1.0" encoding="utf-8"?>
 <p:sld xmlns:a="http://schemas.openxmlformats.org/drawingml/2006/main" xmlns:r="http://schemas.openxmlformats.org/officeDocument/2006/relationships" xmlns:mc="http://schemas.openxmlformats.org/markup-compatibility/2006" xmlns:mv="urn:schemas-microsoft-com:mac:vml" xmlns:p="http://schemas.openxmlformats.org/presentationml/2006/main" xmlns:c="http://schemas.openxmlformats.org/drawingml/2006/chart" xmlns:dgm="http://schemas.openxmlformats.org/drawingml/2006/diagram" xmlns:o="urn:schemas-microsoft-com:office:office" xmlns:v="urn:schemas-microsoft-com:vml" xmlns:pvml="urn:schemas-microsoft-com:office:powerpoint" xmlns:com="http://schemas.openxmlformats.org/drawingml/2006/compatibility" xmlns:p14="http://schemas.microsoft.com/office/powerpoint/2010/main">
   <p:cSld>
+    <p:bg>
+      <p:bgPr>
+        <a:solidFill>
+          <a:srgbClr val="134F5C"/>
+        </a:solidFill>
+      </p:bgPr>
+    </p:bg>
     <p:spTree>
       <p:nvGrpSpPr>
         <p:cNvPr id="29" name="Shape 29"/>
@@ -3175,10 +4278,10 @@
       </p:nvGrpSpPr>
       <p:grpSpPr>
         <a:xfrm>
-          <a:off y="0" x="0"/>
-          <a:ext cy="0" cx="0"/>
-          <a:chOff y="0" x="0"/>
-          <a:chExt cy="0" cx="0"/>
+          <a:off x="0" y="0"/>
+          <a:ext cx="0" cy="0"/>
+          <a:chOff x="0" y="0"/>
+          <a:chExt cx="0" cy="0"/>
         </a:xfrm>
       </p:grpSpPr>
       <p:sp>
@@ -3191,65 +4294,66 @@
         </p:nvSpPr>
         <p:spPr>
           <a:xfrm>
-            <a:off y="1583342" x="685800"/>
-            <a:ext cy="1159856" cx="7772400"/>
+            <a:off x="838200" y="1983141"/>
+            <a:ext cx="7772400" cy="1159799"/>
           </a:xfrm>
           <a:prstGeom prst="rect">
             <a:avLst/>
           </a:prstGeom>
+          <a:noFill/>
+          <a:ln>
+            <a:noFill/>
+          </a:ln>
         </p:spPr>
         <p:txBody>
-          <a:bodyPr bIns="91425" rIns="91425" lIns="91425" tIns="91425" anchor="b" anchorCtr="0">
+          <a:bodyPr anchorCtr="0" anchor="b" bIns="91425" lIns="91425" rIns="91425" tIns="91425">
             <a:noAutofit/>
           </a:bodyPr>
           <a:lstStyle/>
           <a:p>
-            <a:pPr>
-              <a:spcBef>
-                <a:spcPts val="0"/>
-              </a:spcBef>
-              <a:buNone/>
-            </a:pPr>
-            <a:r>
-              <a:rPr lang="es"/>
-              <a:t>COLORES		</a:t>
-            </a:r>
-          </a:p>
-        </p:txBody>
-      </p:sp>
-      <p:sp>
-        <p:nvSpPr>
-          <p:cNvPr id="31" name="Shape 31"/>
-          <p:cNvSpPr txBox="1"/>
-          <p:nvPr>
-            <p:ph idx="1" type="subTitle"/>
-          </p:nvPr>
-        </p:nvSpPr>
-        <p:spPr>
-          <a:xfrm>
-            <a:off y="2840053" x="685800"/>
-            <a:ext cy="784737" cx="7772400"/>
-          </a:xfrm>
-          <a:prstGeom prst="rect">
-            <a:avLst/>
-          </a:prstGeom>
-        </p:spPr>
-        <p:txBody>
-          <a:bodyPr bIns="91425" rIns="91425" lIns="91425" tIns="91425" anchor="t" anchorCtr="0">
-            <a:noAutofit/>
-          </a:bodyPr>
-          <a:lstStyle/>
-          <a:p>
-            <a:pPr>
-              <a:spcBef>
-                <a:spcPts val="0"/>
-              </a:spcBef>
-              <a:buNone/>
-            </a:pPr>
-            <a:r>
-              <a:t/>
-            </a:r>
-            <a:endParaRPr/>
+            <a:pPr indent="0" lvl="0" marL="0" marR="0" rtl="0">
+              <a:lnSpc>
+                <a:spcPct val="100000"/>
+              </a:lnSpc>
+              <a:spcBef>
+                <a:spcPts val="0"/>
+              </a:spcBef>
+              <a:spcAft>
+                <a:spcPts val="0"/>
+              </a:spcAft>
+              <a:buClr>
+                <a:schemeClr val="dk1"/>
+              </a:buClr>
+              <a:buSzPct val="25000"/>
+              <a:buFont typeface="Arial"/>
+              <a:buNone/>
+            </a:pPr>
+            <a:r>
+              <a:rPr baseline="0" lang="es" sz="6000" u="none" cap="none" strike="noStrike">
+                <a:solidFill>
+                  <a:srgbClr val="FFFFFF"/>
+                </a:solidFill>
+                <a:latin typeface="Syncopate"/>
+                <a:ea typeface="Syncopate"/>
+                <a:cs typeface="Syncopate"/>
+                <a:sym typeface="Syncopate"/>
+                <a:rtl val="0"/>
+              </a:rPr>
+              <a:t>COLORES	</a:t>
+            </a:r>
+            <a:r>
+              <a:rPr b="1" baseline="0" i="0" lang="es" sz="6000" u="none" cap="none" strike="noStrike">
+                <a:solidFill>
+                  <a:srgbClr val="FFFFFF"/>
+                </a:solidFill>
+                <a:latin typeface="Syncopate"/>
+                <a:ea typeface="Syncopate"/>
+                <a:cs typeface="Syncopate"/>
+                <a:sym typeface="Syncopate"/>
+                <a:rtl val="0"/>
+              </a:rPr>
+              <a:t>	</a:t>
+            </a:r>
           </a:p>
         </p:txBody>
       </p:sp>
@@ -3264,26 +4368,26 @@
 </p:sld>
 </file>
 
-<file path=ppt/slides/slide2.xml><?xml version="1.0" encoding="utf-8"?>
+<file path=ppt/slides/slide10.xml><?xml version="1.0" encoding="utf-8"?>
 <p:sld xmlns:a="http://schemas.openxmlformats.org/drawingml/2006/main" xmlns:r="http://schemas.openxmlformats.org/officeDocument/2006/relationships" xmlns:mc="http://schemas.openxmlformats.org/markup-compatibility/2006" xmlns:mv="urn:schemas-microsoft-com:mac:vml" xmlns:p="http://schemas.openxmlformats.org/presentationml/2006/main" xmlns:c="http://schemas.openxmlformats.org/drawingml/2006/chart" xmlns:dgm="http://schemas.openxmlformats.org/drawingml/2006/diagram" xmlns:o="urn:schemas-microsoft-com:office:office" xmlns:v="urn:schemas-microsoft-com:vml" xmlns:pvml="urn:schemas-microsoft-com:office:powerpoint" xmlns:com="http://schemas.openxmlformats.org/drawingml/2006/compatibility" xmlns:p14="http://schemas.microsoft.com/office/powerpoint/2010/main">
   <p:cSld>
     <p:spTree>
       <p:nvGrpSpPr>
-        <p:cNvPr id="35" name="Shape 35"/>
+        <p:cNvPr id="83" name="Shape 83"/>
         <p:cNvGrpSpPr/>
         <p:nvPr/>
       </p:nvGrpSpPr>
       <p:grpSpPr>
         <a:xfrm>
-          <a:off y="0" x="0"/>
-          <a:ext cy="0" cx="0"/>
-          <a:chOff y="0" x="0"/>
-          <a:chExt cy="0" cx="0"/>
+          <a:off x="0" y="0"/>
+          <a:ext cx="0" cy="0"/>
+          <a:chOff x="0" y="0"/>
+          <a:chExt cx="0" cy="0"/>
         </a:xfrm>
       </p:grpSpPr>
       <p:sp>
         <p:nvSpPr>
-          <p:cNvPr id="36" name="Shape 36"/>
+          <p:cNvPr id="84" name="Shape 84"/>
           <p:cNvSpPr txBox="1"/>
           <p:nvPr>
             <p:ph type="title"/>
@@ -3291,175 +4395,72 @@
         </p:nvSpPr>
         <p:spPr>
           <a:xfrm>
-            <a:off y="205978" x="457200"/>
-            <a:ext cy="857400" cx="8229600"/>
+            <a:off x="3135575" y="441900"/>
+            <a:ext cx="2861400" cy="758399"/>
           </a:xfrm>
           <a:prstGeom prst="rect">
             <a:avLst/>
           </a:prstGeom>
+          <a:noFill/>
+          <a:ln>
+            <a:noFill/>
+          </a:ln>
         </p:spPr>
         <p:txBody>
-          <a:bodyPr bIns="91425" rIns="91425" lIns="91425" tIns="91425" anchor="b" anchorCtr="0">
+          <a:bodyPr anchorCtr="0" anchor="b" bIns="91425" lIns="91425" rIns="91425" tIns="91425">
             <a:noAutofit/>
           </a:bodyPr>
           <a:lstStyle/>
           <a:p>
-            <a:pPr>
-              <a:spcBef>
-                <a:spcPts val="0"/>
-              </a:spcBef>
-              <a:buNone/>
-            </a:pPr>
-            <a:r>
-              <a:rPr lang="es"/>
-              <a:t>Nombres</a:t>
-            </a:r>
-          </a:p>
-        </p:txBody>
-      </p:sp>
-      <p:sp>
-        <p:nvSpPr>
-          <p:cNvPr id="37" name="Shape 37"/>
-          <p:cNvSpPr txBox="1"/>
-          <p:nvPr>
-            <p:ph idx="1" type="body"/>
-          </p:nvPr>
-        </p:nvSpPr>
-        <p:spPr>
-          <a:xfrm>
-            <a:off y="807350" x="457200"/>
-            <a:ext cy="3725699" cx="8229600"/>
-          </a:xfrm>
-          <a:prstGeom prst="rect">
-            <a:avLst/>
-          </a:prstGeom>
-        </p:spPr>
-        <p:txBody>
-          <a:bodyPr bIns="91425" rIns="91425" lIns="91425" tIns="91425" anchor="t" anchorCtr="0">
-            <a:noAutofit/>
-          </a:bodyPr>
-          <a:lstStyle/>
-          <a:p>
-            <a:pPr rtl="0" lvl="0">
-              <a:lnSpc>
-                <a:spcPct val="110000"/>
-              </a:lnSpc>
-              <a:spcBef>
-                <a:spcPts val="1500"/>
+            <a:pPr indent="0" lvl="0" marL="0" marR="0" rtl="0" algn="l">
+              <a:lnSpc>
+                <a:spcPct val="100000"/>
+              </a:lnSpc>
+              <a:spcBef>
+                <a:spcPts val="0"/>
               </a:spcBef>
               <a:spcAft>
-                <a:spcPts val="800"/>
+                <a:spcPts val="0"/>
               </a:spcAft>
               <a:buClr>
                 <a:schemeClr val="dk1"/>
               </a:buClr>
-              <a:buSzPct val="47826"/>
+              <a:buSzPct val="25000"/>
               <a:buFont typeface="Arial"/>
               <a:buNone/>
             </a:pPr>
             <a:r>
-              <a:rPr b="1" sz="2300" lang="es">
+              <a:rPr lang="es" sz="3000">
                 <a:solidFill>
-                  <a:srgbClr val="333333"/>
+                  <a:srgbClr val="134F5C"/>
                 </a:solidFill>
+                <a:latin typeface="Syncopate"/>
+                <a:ea typeface="Syncopate"/>
+                <a:cs typeface="Syncopate"/>
+                <a:sym typeface="Syncopate"/>
               </a:rPr>
-              <a:t>140 Color de nombres son compatibles con todos los navegadores</a:t>
-            </a:r>
-          </a:p>
-          <a:p>
-            <a:pPr rtl="0" lvl="0">
-              <a:lnSpc>
-                <a:spcPct val="146103"/>
-              </a:lnSpc>
-              <a:spcBef>
-                <a:spcPts val="0"/>
-              </a:spcBef>
-              <a:spcAft>
-                <a:spcPts val="800"/>
-              </a:spcAft>
-              <a:buClr>
-                <a:schemeClr val="dk1"/>
-              </a:buClr>
-              <a:buSzPct val="100000"/>
-              <a:buFont typeface="Arial"/>
-              <a:buNone/>
-            </a:pPr>
-            <a:r>
-              <a:rPr sz="1100" lang="es">
-                <a:solidFill>
-                  <a:srgbClr val="333333"/>
-                </a:solidFill>
-                <a:latin typeface="Verdana"/>
-                <a:ea typeface="Verdana"/>
-                <a:cs typeface="Verdana"/>
-                <a:sym typeface="Verdana"/>
-              </a:rPr>
-              <a:t>140 nombres de colores se definen en las especificaciones de color de HTML5 y CSS3.</a:t>
-            </a:r>
-          </a:p>
-          <a:p>
-            <a:pPr rtl="0" lvl="0">
-              <a:lnSpc>
-                <a:spcPct val="146103"/>
-              </a:lnSpc>
-              <a:spcBef>
-                <a:spcPts val="0"/>
-              </a:spcBef>
-              <a:spcAft>
-                <a:spcPts val="800"/>
-              </a:spcAft>
-              <a:buClr>
-                <a:schemeClr val="dk1"/>
-              </a:buClr>
-              <a:buSzPct val="100000"/>
-              <a:buFont typeface="Arial"/>
-              <a:buNone/>
-            </a:pPr>
-            <a:r>
-              <a:rPr sz="1100" lang="es">
-                <a:solidFill>
-                  <a:srgbClr val="333333"/>
-                </a:solidFill>
-                <a:latin typeface="Verdana"/>
-                <a:ea typeface="Verdana"/>
-                <a:cs typeface="Verdana"/>
-                <a:sym typeface="Verdana"/>
-              </a:rPr>
-              <a:t>17 colores son de la especificación HTML, 123 colores son de la especificación CSS.</a:t>
-            </a:r>
-          </a:p>
-          <a:p>
-            <a:pPr>
-              <a:spcBef>
-                <a:spcPts val="0"/>
-              </a:spcBef>
-              <a:buNone/>
-            </a:pPr>
-            <a:r>
-              <a:rPr lang="es"/>
-              <a:t>Ejemplo</a:t>
+              <a:t>EJEMPLO</a:t>
             </a:r>
           </a:p>
         </p:txBody>
       </p:sp>
       <p:pic>
         <p:nvPicPr>
-          <p:cNvPr id="38" name="Shape 38"/>
+          <p:cNvPr id="85" name="Shape 85"/>
           <p:cNvPicPr preferRelativeResize="0"/>
           <p:nvPr/>
         </p:nvPicPr>
-        <p:blipFill>
+        <p:blipFill rotWithShape="1">
           <a:blip r:embed="rId3">
             <a:alphaModFix/>
           </a:blip>
-          <a:stretch>
-            <a:fillRect/>
-          </a:stretch>
+          <a:srcRect b="0" l="0" r="0" t="24778"/>
+          <a:stretch/>
         </p:blipFill>
         <p:spPr>
           <a:xfrm>
-            <a:off y="2557225" x="3454875"/>
-            <a:ext cy="2407600" cx="4248775"/>
+            <a:off x="285025" y="1857900"/>
+            <a:ext cx="9345000" cy="1427699"/>
           </a:xfrm>
           <a:prstGeom prst="rect">
             <a:avLst/>
@@ -3481,26 +4482,26 @@
 </p:sld>
 </file>
 
-<file path=ppt/slides/slide3.xml><?xml version="1.0" encoding="utf-8"?>
+<file path=ppt/slides/slide11.xml><?xml version="1.0" encoding="utf-8"?>
 <p:sld xmlns:a="http://schemas.openxmlformats.org/drawingml/2006/main" xmlns:r="http://schemas.openxmlformats.org/officeDocument/2006/relationships" xmlns:mc="http://schemas.openxmlformats.org/markup-compatibility/2006" xmlns:mv="urn:schemas-microsoft-com:mac:vml" xmlns:p="http://schemas.openxmlformats.org/presentationml/2006/main" xmlns:c="http://schemas.openxmlformats.org/drawingml/2006/chart" xmlns:dgm="http://schemas.openxmlformats.org/drawingml/2006/diagram" xmlns:o="urn:schemas-microsoft-com:office:office" xmlns:v="urn:schemas-microsoft-com:vml" xmlns:pvml="urn:schemas-microsoft-com:office:powerpoint" xmlns:com="http://schemas.openxmlformats.org/drawingml/2006/compatibility" xmlns:p14="http://schemas.microsoft.com/office/powerpoint/2010/main">
   <p:cSld>
     <p:spTree>
       <p:nvGrpSpPr>
-        <p:cNvPr id="42" name="Shape 42"/>
+        <p:cNvPr id="89" name="Shape 89"/>
         <p:cNvGrpSpPr/>
         <p:nvPr/>
       </p:nvGrpSpPr>
       <p:grpSpPr>
         <a:xfrm>
-          <a:off y="0" x="0"/>
-          <a:ext cy="0" cx="0"/>
-          <a:chOff y="0" x="0"/>
-          <a:chExt cy="0" cx="0"/>
+          <a:off x="0" y="0"/>
+          <a:ext cx="0" cy="0"/>
+          <a:chOff x="0" y="0"/>
+          <a:chExt cx="0" cy="0"/>
         </a:xfrm>
       </p:grpSpPr>
       <p:sp>
         <p:nvSpPr>
-          <p:cNvPr id="43" name="Shape 43"/>
+          <p:cNvPr id="90" name="Shape 90"/>
           <p:cNvSpPr txBox="1"/>
           <p:nvPr>
             <p:ph type="title"/>
@@ -3508,35 +4509,106 @@
         </p:nvSpPr>
         <p:spPr>
           <a:xfrm>
-            <a:off y="205978" x="457200"/>
-            <a:ext cy="857400" cx="8229600"/>
+            <a:off x="457200" y="510775"/>
+            <a:ext cx="7440000" cy="857400"/>
           </a:xfrm>
           <a:prstGeom prst="rect">
             <a:avLst/>
           </a:prstGeom>
+          <a:noFill/>
+          <a:ln>
+            <a:noFill/>
+          </a:ln>
         </p:spPr>
         <p:txBody>
-          <a:bodyPr bIns="91425" rIns="91425" lIns="91425" tIns="91425" anchor="b" anchorCtr="0">
+          <a:bodyPr anchorCtr="0" anchor="b" bIns="91425" lIns="91425" rIns="91425" tIns="91425">
             <a:noAutofit/>
           </a:bodyPr>
           <a:lstStyle/>
           <a:p>
-            <a:pPr>
-              <a:spcBef>
-                <a:spcPts val="0"/>
-              </a:spcBef>
-              <a:buNone/>
-            </a:pPr>
-            <a:r>
-              <a:rPr lang="es"/>
-              <a:t>HEX</a:t>
+            <a:pPr lvl="0" marR="0" rtl="0" algn="l">
+              <a:lnSpc>
+                <a:spcPct val="100000"/>
+              </a:lnSpc>
+              <a:spcBef>
+                <a:spcPts val="0"/>
+              </a:spcBef>
+              <a:spcAft>
+                <a:spcPts val="0"/>
+              </a:spcAft>
+              <a:buNone/>
+            </a:pPr>
+            <a:r>
+              <a:t/>
+            </a:r>
+            <a:endParaRPr b="1" sz="3600">
+              <a:solidFill>
+                <a:srgbClr val="134F5C"/>
+              </a:solidFill>
+            </a:endParaRPr>
+          </a:p>
+          <a:p>
+            <a:pPr indent="-419100" lvl="0" marL="457200" marR="0" rtl="0" algn="l">
+              <a:lnSpc>
+                <a:spcPct val="100000"/>
+              </a:lnSpc>
+              <a:spcBef>
+                <a:spcPts val="0"/>
+              </a:spcBef>
+              <a:spcAft>
+                <a:spcPts val="0"/>
+              </a:spcAft>
+              <a:buClr>
+                <a:srgbClr val="FFFFFF"/>
+              </a:buClr>
+              <a:buFont typeface="Syncopate"/>
+              <a:buAutoNum type="arabicPeriod"/>
+            </a:pPr>
+            <a:r>
+              <a:t/>
+            </a:r>
+            <a:endParaRPr b="1" sz="3600">
+              <a:solidFill>
+                <a:srgbClr val="134F5C"/>
+              </a:solidFill>
+            </a:endParaRPr>
+          </a:p>
+          <a:p>
+            <a:pPr indent="-419100" lvl="0" marL="457200" marR="0" rtl="0" algn="l">
+              <a:lnSpc>
+                <a:spcPct val="100000"/>
+              </a:lnSpc>
+              <a:spcBef>
+                <a:spcPts val="0"/>
+              </a:spcBef>
+              <a:spcAft>
+                <a:spcPts val="0"/>
+              </a:spcAft>
+              <a:buClr>
+                <a:srgbClr val="134F5C"/>
+              </a:buClr>
+              <a:buSzPct val="83333"/>
+              <a:buFont typeface="Syncopate"/>
+              <a:buAutoNum type="arabicPeriod"/>
+            </a:pPr>
+            <a:r>
+              <a:rPr lang="es" sz="3600">
+                <a:solidFill>
+                  <a:srgbClr val="134F5C"/>
+                </a:solidFill>
+                <a:latin typeface="Syncopate"/>
+                <a:ea typeface="Syncopate"/>
+                <a:cs typeface="Syncopate"/>
+                <a:sym typeface="Syncopate"/>
+              </a:rPr>
+              <a:t>HSL</a:t>
             </a:r>
           </a:p>
         </p:txBody>
       </p:sp>
       <p:sp>
         <p:nvSpPr>
-          <p:cNvPr id="44" name="Shape 44"/>
+          <p:cNvPr id="91" name="Shape 91"/>
           <p:cNvSpPr txBox="1"/>
           <p:nvPr>
             <p:ph idx="1" type="body"/>
@@ -3544,170 +4616,258 @@
         </p:nvSpPr>
         <p:spPr>
           <a:xfrm>
-            <a:off y="938275" x="457200"/>
-            <a:ext cy="3725699" cx="8229600"/>
+            <a:off x="457200" y="1645550"/>
+            <a:ext cx="8472900" cy="3992400"/>
           </a:xfrm>
           <a:prstGeom prst="rect">
             <a:avLst/>
           </a:prstGeom>
+          <a:noFill/>
+          <a:ln>
+            <a:noFill/>
+          </a:ln>
         </p:spPr>
         <p:txBody>
-          <a:bodyPr bIns="91425" rIns="91425" lIns="91425" tIns="91425" anchor="t" anchorCtr="0">
+          <a:bodyPr anchorCtr="0" anchor="t" bIns="91425" lIns="91425" rIns="91425" tIns="91425">
             <a:noAutofit/>
           </a:bodyPr>
           <a:lstStyle/>
           <a:p>
-            <a:pPr rtl="0" lvl="0">
-              <a:lnSpc>
-                <a:spcPct val="110000"/>
-              </a:lnSpc>
-              <a:spcBef>
-                <a:spcPts val="1500"/>
-              </a:spcBef>
-              <a:spcAft>
+            <a:pPr indent="-317500" lvl="0" marL="457200" rtl="0">
+              <a:lnSpc>
+                <a:spcPct val="146103"/>
+              </a:lnSpc>
+              <a:spcBef>
                 <a:spcPts val="800"/>
-              </a:spcAft>
-              <a:buClr>
-                <a:schemeClr val="dk1"/>
-              </a:buClr>
-              <a:buSzPct val="47826"/>
-              <a:buFont typeface="Arial"/>
-              <a:buNone/>
-            </a:pPr>
-            <a:r>
-              <a:rPr b="1" sz="2300" lang="es">
+              </a:spcBef>
+              <a:buClr>
+                <a:srgbClr val="134F5C"/>
+              </a:buClr>
+              <a:buSzPct val="100000"/>
+              <a:buFont typeface="Verdana"/>
+              <a:buChar char="➔"/>
+            </a:pPr>
+            <a:r>
+              <a:rPr lang="es">
                 <a:solidFill>
-                  <a:srgbClr val="333333"/>
-                </a:solidFill>
-              </a:rPr>
-              <a:t>Colores hexadecimales</a:t>
-            </a:r>
-          </a:p>
-          <a:p>
-            <a:pPr rtl="0" lvl="0">
-              <a:lnSpc>
-                <a:spcPct val="146103"/>
-              </a:lnSpc>
-              <a:spcBef>
-                <a:spcPts val="0"/>
-              </a:spcBef>
-              <a:spcAft>
-                <a:spcPts val="800"/>
-              </a:spcAft>
-              <a:buClr>
-                <a:schemeClr val="dk1"/>
-              </a:buClr>
-              <a:buSzPct val="100000"/>
-              <a:buFont typeface="Arial"/>
-              <a:buNone/>
-            </a:pPr>
-            <a:r>
-              <a:rPr sz="1100" lang="es">
-                <a:solidFill>
-                  <a:srgbClr val="333333"/>
+                  <a:srgbClr val="134F5C"/>
                 </a:solidFill>
                 <a:latin typeface="Verdana"/>
                 <a:ea typeface="Verdana"/>
                 <a:cs typeface="Verdana"/>
                 <a:sym typeface="Verdana"/>
               </a:rPr>
-              <a:t>Valores de color hexadecimales son compatibles con todos los principales navegadores.</a:t>
-            </a:r>
-          </a:p>
-          <a:p>
-            <a:pPr rtl="0" lvl="0">
+              <a:t>HSL significa matiz, saturación y luminosidad - y representa una representación cilíndrica coordenada de colores. Un valor de color HSL se especifica con: HSL (tono, saturación, luminosidad).</a:t>
+            </a:r>
+          </a:p>
+          <a:p>
+            <a:pPr lvl="0" rtl="0">
               <a:lnSpc>
                 <a:spcPct val="146103"/>
               </a:lnSpc>
               <a:spcBef>
-                <a:spcPts val="0"/>
-              </a:spcBef>
-              <a:spcAft>
                 <a:spcPts val="800"/>
-              </a:spcAft>
-              <a:buClr>
-                <a:schemeClr val="dk1"/>
+              </a:spcBef>
+              <a:buNone/>
+            </a:pPr>
+            <a:r>
+              <a:t/>
+            </a:r>
+            <a:endParaRPr sz="600">
+              <a:solidFill>
+                <a:srgbClr val="134F5C"/>
+              </a:solidFill>
+              <a:latin typeface="Verdana"/>
+              <a:ea typeface="Verdana"/>
+              <a:cs typeface="Verdana"/>
+              <a:sym typeface="Verdana"/>
+            </a:endParaRPr>
+          </a:p>
+          <a:p>
+            <a:pPr indent="-317500" lvl="0" marL="457200" rtl="0">
+              <a:lnSpc>
+                <a:spcPct val="146103"/>
+              </a:lnSpc>
+              <a:spcBef>
+                <a:spcPts val="800"/>
+              </a:spcBef>
+              <a:buClr>
+                <a:srgbClr val="134F5C"/>
               </a:buClr>
               <a:buSzPct val="100000"/>
-              <a:buFont typeface="Arial"/>
-              <a:buNone/>
-            </a:pPr>
-            <a:r>
-              <a:rPr sz="1100" lang="es">
+              <a:buFont typeface="Verdana"/>
+              <a:buChar char="➔"/>
+            </a:pPr>
+            <a:r>
+              <a:rPr lang="es">
                 <a:solidFill>
-                  <a:srgbClr val="333333"/>
+                  <a:srgbClr val="134F5C"/>
                 </a:solidFill>
                 <a:latin typeface="Verdana"/>
                 <a:ea typeface="Verdana"/>
                 <a:cs typeface="Verdana"/>
                 <a:sym typeface="Verdana"/>
               </a:rPr>
-              <a:t>Un color hexadecimal se especifica con: #RRGGBB, donde el RR (rojo), GG (verde) y BB (azul) enteros hexadecimales especificar los componentes del color. Todos los valores deben estar entre 0 y FF.</a:t>
-            </a:r>
-          </a:p>
-          <a:p>
-            <a:pPr rtl="0" lvl="0">
+              <a:t>Que es una medida de la rueda de color (de 0 a 360) - 0 (o 360) es de color rojo, 120 es de color verde, 240 es de color azul. La saturación es un valor porcentual; 0% significa un tono de gris y el 100% es el color. La ligereza es también un porcentaje; 0% es negro, 100% es de color blanco.</a:t>
+            </a:r>
+          </a:p>
+          <a:p>
+            <a:pPr lvl="0" rtl="0">
               <a:lnSpc>
                 <a:spcPct val="146103"/>
               </a:lnSpc>
               <a:spcBef>
-                <a:spcPts val="0"/>
-              </a:spcBef>
-              <a:spcAft>
                 <a:spcPts val="800"/>
-              </a:spcAft>
-              <a:buClr>
-                <a:schemeClr val="dk1"/>
+              </a:spcBef>
+              <a:buNone/>
+            </a:pPr>
+            <a:r>
+              <a:t/>
+            </a:r>
+            <a:endParaRPr sz="600">
+              <a:solidFill>
+                <a:srgbClr val="134F5C"/>
+              </a:solidFill>
+              <a:latin typeface="Verdana"/>
+              <a:ea typeface="Verdana"/>
+              <a:cs typeface="Verdana"/>
+              <a:sym typeface="Verdana"/>
+            </a:endParaRPr>
+          </a:p>
+          <a:p>
+            <a:pPr indent="-317500" lvl="0" marL="457200" rtl="0">
+              <a:lnSpc>
+                <a:spcPct val="146103"/>
+              </a:lnSpc>
+              <a:spcBef>
+                <a:spcPts val="800"/>
+              </a:spcBef>
+              <a:buClr>
+                <a:srgbClr val="134F5C"/>
               </a:buClr>
               <a:buSzPct val="100000"/>
-              <a:buFont typeface="Arial"/>
-              <a:buNone/>
-            </a:pPr>
-            <a:r>
-              <a:rPr sz="1100" lang="es">
+              <a:buFont typeface="Verdana"/>
+              <a:buChar char="➔"/>
+            </a:pPr>
+            <a:r>
+              <a:rPr lang="es">
                 <a:solidFill>
-                  <a:srgbClr val="333333"/>
+                  <a:srgbClr val="134F5C"/>
                 </a:solidFill>
                 <a:latin typeface="Verdana"/>
                 <a:ea typeface="Verdana"/>
                 <a:cs typeface="Verdana"/>
                 <a:sym typeface="Verdana"/>
               </a:rPr>
-              <a:t>Por ejemplo, el valor # 0000ff se representa como azul, debido a que el componente azul se establece en su valor más alto (FF) y los otros se establece en 0.</a:t>
-            </a:r>
-          </a:p>
-          <a:p>
-            <a:pPr>
-              <a:spcBef>
-                <a:spcPts val="0"/>
-              </a:spcBef>
-              <a:buNone/>
-            </a:pPr>
-            <a:r>
-              <a:t/>
-            </a:r>
-            <a:endParaRPr/>
+              <a:t>Valores de color HSL se admiten en IE9 +, Firefox, Chrome, Safari y Opera en 10+.</a:t>
+            </a:r>
+          </a:p>
+        </p:txBody>
+      </p:sp>
+    </p:spTree>
+  </p:cSld>
+  <p:clrMapOvr>
+    <a:masterClrMapping/>
+  </p:clrMapOvr>
+  <p:transition spd="slow">
+    <p:cut/>
+  </p:transition>
+</p:sld>
+</file>
+
+<file path=ppt/slides/slide12.xml><?xml version="1.0" encoding="utf-8"?>
+<p:sld xmlns:a="http://schemas.openxmlformats.org/drawingml/2006/main" xmlns:r="http://schemas.openxmlformats.org/officeDocument/2006/relationships" xmlns:mc="http://schemas.openxmlformats.org/markup-compatibility/2006" xmlns:mv="urn:schemas-microsoft-com:mac:vml" xmlns:p="http://schemas.openxmlformats.org/presentationml/2006/main" xmlns:c="http://schemas.openxmlformats.org/drawingml/2006/chart" xmlns:dgm="http://schemas.openxmlformats.org/drawingml/2006/diagram" xmlns:o="urn:schemas-microsoft-com:office:office" xmlns:v="urn:schemas-microsoft-com:vml" xmlns:pvml="urn:schemas-microsoft-com:office:powerpoint" xmlns:com="http://schemas.openxmlformats.org/drawingml/2006/compatibility" xmlns:p14="http://schemas.microsoft.com/office/powerpoint/2010/main">
+  <p:cSld>
+    <p:spTree>
+      <p:nvGrpSpPr>
+        <p:cNvPr id="95" name="Shape 95"/>
+        <p:cNvGrpSpPr/>
+        <p:nvPr/>
+      </p:nvGrpSpPr>
+      <p:grpSpPr>
+        <a:xfrm>
+          <a:off x="0" y="0"/>
+          <a:ext cx="0" cy="0"/>
+          <a:chOff x="0" y="0"/>
+          <a:chExt cx="0" cy="0"/>
+        </a:xfrm>
+      </p:grpSpPr>
+      <p:sp>
+        <p:nvSpPr>
+          <p:cNvPr id="96" name="Shape 96"/>
+          <p:cNvSpPr txBox="1"/>
+          <p:nvPr>
+            <p:ph type="title"/>
+          </p:nvPr>
+        </p:nvSpPr>
+        <p:spPr>
+          <a:xfrm>
+            <a:off x="3135575" y="441900"/>
+            <a:ext cx="2861400" cy="758399"/>
+          </a:xfrm>
+          <a:prstGeom prst="rect">
+            <a:avLst/>
+          </a:prstGeom>
+          <a:noFill/>
+          <a:ln>
+            <a:noFill/>
+          </a:ln>
+        </p:spPr>
+        <p:txBody>
+          <a:bodyPr anchorCtr="0" anchor="b" bIns="91425" lIns="91425" rIns="91425" tIns="91425">
+            <a:noAutofit/>
+          </a:bodyPr>
+          <a:lstStyle/>
+          <a:p>
+            <a:pPr indent="0" lvl="0" marL="0" marR="0" rtl="0" algn="l">
+              <a:lnSpc>
+                <a:spcPct val="100000"/>
+              </a:lnSpc>
+              <a:spcBef>
+                <a:spcPts val="0"/>
+              </a:spcBef>
+              <a:spcAft>
+                <a:spcPts val="0"/>
+              </a:spcAft>
+              <a:buClr>
+                <a:schemeClr val="dk1"/>
+              </a:buClr>
+              <a:buSzPct val="25000"/>
+              <a:buFont typeface="Arial"/>
+              <a:buNone/>
+            </a:pPr>
+            <a:r>
+              <a:rPr lang="es" sz="3000">
+                <a:solidFill>
+                  <a:srgbClr val="134F5C"/>
+                </a:solidFill>
+                <a:latin typeface="Syncopate"/>
+                <a:ea typeface="Syncopate"/>
+                <a:cs typeface="Syncopate"/>
+                <a:sym typeface="Syncopate"/>
+              </a:rPr>
+              <a:t>EJEMPLO</a:t>
+            </a:r>
           </a:p>
         </p:txBody>
       </p:sp>
       <p:pic>
         <p:nvPicPr>
-          <p:cNvPr id="45" name="Shape 45"/>
+          <p:cNvPr id="97" name="Shape 97"/>
           <p:cNvPicPr preferRelativeResize="0"/>
           <p:nvPr/>
         </p:nvPicPr>
-        <p:blipFill>
+        <p:blipFill rotWithShape="1">
           <a:blip r:embed="rId3">
             <a:alphaModFix/>
           </a:blip>
-          <a:stretch>
-            <a:fillRect/>
-          </a:stretch>
+          <a:srcRect b="0" l="0" r="0" t="19439"/>
+          <a:stretch/>
         </p:blipFill>
         <p:spPr>
           <a:xfrm>
-            <a:off y="3441600" x="985287"/>
-            <a:ext cy="1409700" cx="6715125"/>
+            <a:off x="405507" y="1642800"/>
+            <a:ext cx="9795000" cy="1857900"/>
           </a:xfrm>
           <a:prstGeom prst="rect">
             <a:avLst/>
@@ -3729,26 +4889,26 @@
 </p:sld>
 </file>
 
-<file path=ppt/slides/slide4.xml><?xml version="1.0" encoding="utf-8"?>
+<file path=ppt/slides/slide13.xml><?xml version="1.0" encoding="utf-8"?>
 <p:sld xmlns:a="http://schemas.openxmlformats.org/drawingml/2006/main" xmlns:r="http://schemas.openxmlformats.org/officeDocument/2006/relationships" xmlns:mc="http://schemas.openxmlformats.org/markup-compatibility/2006" xmlns:mv="urn:schemas-microsoft-com:mac:vml" xmlns:p="http://schemas.openxmlformats.org/presentationml/2006/main" xmlns:c="http://schemas.openxmlformats.org/drawingml/2006/chart" xmlns:dgm="http://schemas.openxmlformats.org/drawingml/2006/diagram" xmlns:o="urn:schemas-microsoft-com:office:office" xmlns:v="urn:schemas-microsoft-com:vml" xmlns:pvml="urn:schemas-microsoft-com:office:powerpoint" xmlns:com="http://schemas.openxmlformats.org/drawingml/2006/compatibility" xmlns:p14="http://schemas.microsoft.com/office/powerpoint/2010/main">
   <p:cSld>
     <p:spTree>
       <p:nvGrpSpPr>
-        <p:cNvPr id="49" name="Shape 49"/>
+        <p:cNvPr id="101" name="Shape 101"/>
         <p:cNvGrpSpPr/>
         <p:nvPr/>
       </p:nvGrpSpPr>
       <p:grpSpPr>
         <a:xfrm>
-          <a:off y="0" x="0"/>
-          <a:ext cy="0" cx="0"/>
-          <a:chOff y="0" x="0"/>
-          <a:chExt cy="0" cx="0"/>
+          <a:off x="0" y="0"/>
+          <a:ext cx="0" cy="0"/>
+          <a:chOff x="0" y="0"/>
+          <a:chExt cx="0" cy="0"/>
         </a:xfrm>
       </p:grpSpPr>
       <p:sp>
         <p:nvSpPr>
-          <p:cNvPr id="50" name="Shape 50"/>
+          <p:cNvPr id="102" name="Shape 102"/>
           <p:cNvSpPr txBox="1"/>
           <p:nvPr>
             <p:ph type="title"/>
@@ -3756,35 +4916,106 @@
         </p:nvSpPr>
         <p:spPr>
           <a:xfrm>
-            <a:off y="205978" x="457200"/>
-            <a:ext cy="857400" cx="8229600"/>
+            <a:off x="457200" y="510775"/>
+            <a:ext cx="7440000" cy="857400"/>
           </a:xfrm>
           <a:prstGeom prst="rect">
             <a:avLst/>
           </a:prstGeom>
+          <a:noFill/>
+          <a:ln>
+            <a:noFill/>
+          </a:ln>
         </p:spPr>
         <p:txBody>
-          <a:bodyPr bIns="91425" rIns="91425" lIns="91425" tIns="91425" anchor="b" anchorCtr="0">
+          <a:bodyPr anchorCtr="0" anchor="b" bIns="91425" lIns="91425" rIns="91425" tIns="91425">
             <a:noAutofit/>
           </a:bodyPr>
           <a:lstStyle/>
           <a:p>
-            <a:pPr>
-              <a:spcBef>
-                <a:spcPts val="0"/>
-              </a:spcBef>
-              <a:buNone/>
-            </a:pPr>
-            <a:r>
-              <a:rPr lang="es"/>
-              <a:t>RGB</a:t>
+            <a:pPr lvl="0" marR="0" rtl="0" algn="l">
+              <a:lnSpc>
+                <a:spcPct val="100000"/>
+              </a:lnSpc>
+              <a:spcBef>
+                <a:spcPts val="0"/>
+              </a:spcBef>
+              <a:spcAft>
+                <a:spcPts val="0"/>
+              </a:spcAft>
+              <a:buNone/>
+            </a:pPr>
+            <a:r>
+              <a:t/>
+            </a:r>
+            <a:endParaRPr b="1" sz="3600">
+              <a:solidFill>
+                <a:srgbClr val="134F5C"/>
+              </a:solidFill>
+            </a:endParaRPr>
+          </a:p>
+          <a:p>
+            <a:pPr indent="-419100" lvl="0" marL="457200" marR="0" rtl="0" algn="l">
+              <a:lnSpc>
+                <a:spcPct val="100000"/>
+              </a:lnSpc>
+              <a:spcBef>
+                <a:spcPts val="0"/>
+              </a:spcBef>
+              <a:spcAft>
+                <a:spcPts val="0"/>
+              </a:spcAft>
+              <a:buClr>
+                <a:srgbClr val="FFFFFF"/>
+              </a:buClr>
+              <a:buFont typeface="Syncopate"/>
+              <a:buAutoNum type="arabicPeriod"/>
+            </a:pPr>
+            <a:r>
+              <a:t/>
+            </a:r>
+            <a:endParaRPr b="1" sz="3600">
+              <a:solidFill>
+                <a:srgbClr val="134F5C"/>
+              </a:solidFill>
+            </a:endParaRPr>
+          </a:p>
+          <a:p>
+            <a:pPr indent="-419100" lvl="0" marL="457200" marR="0" rtl="0" algn="l">
+              <a:lnSpc>
+                <a:spcPct val="100000"/>
+              </a:lnSpc>
+              <a:spcBef>
+                <a:spcPts val="0"/>
+              </a:spcBef>
+              <a:spcAft>
+                <a:spcPts val="0"/>
+              </a:spcAft>
+              <a:buClr>
+                <a:srgbClr val="134F5C"/>
+              </a:buClr>
+              <a:buSzPct val="83333"/>
+              <a:buFont typeface="Syncopate"/>
+              <a:buAutoNum type="arabicPeriod"/>
+            </a:pPr>
+            <a:r>
+              <a:rPr lang="es" sz="3600">
+                <a:solidFill>
+                  <a:srgbClr val="134F5C"/>
+                </a:solidFill>
+                <a:latin typeface="Syncopate"/>
+                <a:ea typeface="Syncopate"/>
+                <a:cs typeface="Syncopate"/>
+                <a:sym typeface="Syncopate"/>
+              </a:rPr>
+              <a:t>HSLA</a:t>
             </a:r>
           </a:p>
         </p:txBody>
       </p:sp>
       <p:sp>
         <p:nvSpPr>
-          <p:cNvPr id="51" name="Shape 51"/>
+          <p:cNvPr id="103" name="Shape 103"/>
           <p:cNvSpPr txBox="1"/>
           <p:nvPr>
             <p:ph idx="1" type="body"/>
@@ -3792,65 +5023,821 @@
         </p:nvSpPr>
         <p:spPr>
           <a:xfrm>
-            <a:off y="960100" x="380800"/>
-            <a:ext cy="3725699" cx="8229600"/>
+            <a:off x="457200" y="1645550"/>
+            <a:ext cx="8472900" cy="3992400"/>
           </a:xfrm>
           <a:prstGeom prst="rect">
             <a:avLst/>
           </a:prstGeom>
+          <a:noFill/>
+          <a:ln>
+            <a:noFill/>
+          </a:ln>
         </p:spPr>
         <p:txBody>
-          <a:bodyPr bIns="91425" rIns="91425" lIns="91425" tIns="91425" anchor="t" anchorCtr="0">
+          <a:bodyPr anchorCtr="0" anchor="t" bIns="91425" lIns="91425" rIns="91425" tIns="91425">
             <a:noAutofit/>
           </a:bodyPr>
           <a:lstStyle/>
           <a:p>
-            <a:pPr rtl="0" lvl="0">
+            <a:pPr indent="-317500" lvl="0" marL="457200" rtl="0">
+              <a:lnSpc>
+                <a:spcPct val="146103"/>
+              </a:lnSpc>
+              <a:spcBef>
+                <a:spcPts val="800"/>
+              </a:spcBef>
+              <a:buClr>
+                <a:srgbClr val="134F5C"/>
+              </a:buClr>
+              <a:buSzPct val="100000"/>
+              <a:buFont typeface="Verdana"/>
+              <a:buChar char="➔"/>
+            </a:pPr>
+            <a:r>
+              <a:rPr lang="es">
+                <a:solidFill>
+                  <a:srgbClr val="134F5C"/>
+                </a:solidFill>
+                <a:latin typeface="Verdana"/>
+                <a:ea typeface="Verdana"/>
+                <a:cs typeface="Verdana"/>
+                <a:sym typeface="Verdana"/>
+              </a:rPr>
+              <a:t>Valores de color HSLA son una extensión de los valores de color HSL con un canal alfa - que especifica la opacidad del objeto.</a:t>
+            </a:r>
+          </a:p>
+          <a:p>
+            <a:pPr lvl="0" rtl="0">
+              <a:lnSpc>
+                <a:spcPct val="146103"/>
+              </a:lnSpc>
+              <a:spcBef>
+                <a:spcPts val="800"/>
+              </a:spcBef>
+              <a:buNone/>
+            </a:pPr>
+            <a:r>
+              <a:t/>
+            </a:r>
+            <a:endParaRPr sz="600">
+              <a:solidFill>
+                <a:srgbClr val="134F5C"/>
+              </a:solidFill>
+              <a:latin typeface="Verdana"/>
+              <a:ea typeface="Verdana"/>
+              <a:cs typeface="Verdana"/>
+              <a:sym typeface="Verdana"/>
+            </a:endParaRPr>
+          </a:p>
+          <a:p>
+            <a:pPr indent="-317500" lvl="0" marL="457200" rtl="0">
+              <a:lnSpc>
+                <a:spcPct val="146103"/>
+              </a:lnSpc>
+              <a:spcBef>
+                <a:spcPts val="800"/>
+              </a:spcBef>
+              <a:buClr>
+                <a:srgbClr val="134F5C"/>
+              </a:buClr>
+              <a:buSzPct val="100000"/>
+              <a:buFont typeface="Verdana"/>
+              <a:buChar char="➔"/>
+            </a:pPr>
+            <a:r>
+              <a:rPr lang="es">
+                <a:solidFill>
+                  <a:srgbClr val="134F5C"/>
+                </a:solidFill>
+                <a:latin typeface="Verdana"/>
+                <a:ea typeface="Verdana"/>
+                <a:cs typeface="Verdana"/>
+                <a:sym typeface="Verdana"/>
+              </a:rPr>
+              <a:t>Un valor de color HSLA se especifica con: HSLA (tono, saturación, luminosidad, alfa), donde el parámetro alfa define la opacidad. El parámetro alfa es un número entre 0.0 (totalmente transparente) y 1.0 (totalmente opaco).</a:t>
+            </a:r>
+          </a:p>
+          <a:p>
+            <a:pPr lvl="0" rtl="0">
+              <a:lnSpc>
+                <a:spcPct val="146103"/>
+              </a:lnSpc>
+              <a:spcBef>
+                <a:spcPts val="800"/>
+              </a:spcBef>
+              <a:buNone/>
+            </a:pPr>
+            <a:r>
+              <a:t/>
+            </a:r>
+            <a:endParaRPr sz="600">
+              <a:solidFill>
+                <a:srgbClr val="134F5C"/>
+              </a:solidFill>
+              <a:latin typeface="Verdana"/>
+              <a:ea typeface="Verdana"/>
+              <a:cs typeface="Verdana"/>
+              <a:sym typeface="Verdana"/>
+            </a:endParaRPr>
+          </a:p>
+          <a:p>
+            <a:pPr indent="-317500" lvl="0" marL="457200" rtl="0">
+              <a:lnSpc>
+                <a:spcPct val="146103"/>
+              </a:lnSpc>
+              <a:spcBef>
+                <a:spcPts val="800"/>
+              </a:spcBef>
+              <a:buClr>
+                <a:srgbClr val="134F5C"/>
+              </a:buClr>
+              <a:buSzPct val="100000"/>
+              <a:buFont typeface="Verdana"/>
+              <a:buChar char="➔"/>
+            </a:pPr>
+            <a:r>
+              <a:rPr lang="es">
+                <a:solidFill>
+                  <a:srgbClr val="134F5C"/>
+                </a:solidFill>
+                <a:latin typeface="Verdana"/>
+                <a:ea typeface="Verdana"/>
+                <a:cs typeface="Verdana"/>
+                <a:sym typeface="Verdana"/>
+              </a:rPr>
+              <a:t>Valores de color HSLA se admiten en IE9 +, Firefox 3+, Chrome, Safari y Opera en 10+.</a:t>
+            </a:r>
+          </a:p>
+        </p:txBody>
+      </p:sp>
+    </p:spTree>
+  </p:cSld>
+  <p:clrMapOvr>
+    <a:masterClrMapping/>
+  </p:clrMapOvr>
+  <p:transition spd="slow">
+    <p:cut/>
+  </p:transition>
+</p:sld>
+</file>
+
+<file path=ppt/slides/slide14.xml><?xml version="1.0" encoding="utf-8"?>
+<p:sld xmlns:a="http://schemas.openxmlformats.org/drawingml/2006/main" xmlns:r="http://schemas.openxmlformats.org/officeDocument/2006/relationships" xmlns:mc="http://schemas.openxmlformats.org/markup-compatibility/2006" xmlns:mv="urn:schemas-microsoft-com:mac:vml" xmlns:p="http://schemas.openxmlformats.org/presentationml/2006/main" xmlns:c="http://schemas.openxmlformats.org/drawingml/2006/chart" xmlns:dgm="http://schemas.openxmlformats.org/drawingml/2006/diagram" xmlns:o="urn:schemas-microsoft-com:office:office" xmlns:v="urn:schemas-microsoft-com:vml" xmlns:pvml="urn:schemas-microsoft-com:office:powerpoint" xmlns:com="http://schemas.openxmlformats.org/drawingml/2006/compatibility" xmlns:p14="http://schemas.microsoft.com/office/powerpoint/2010/main">
+  <p:cSld>
+    <p:spTree>
+      <p:nvGrpSpPr>
+        <p:cNvPr id="107" name="Shape 107"/>
+        <p:cNvGrpSpPr/>
+        <p:nvPr/>
+      </p:nvGrpSpPr>
+      <p:grpSpPr>
+        <a:xfrm>
+          <a:off x="0" y="0"/>
+          <a:ext cx="0" cy="0"/>
+          <a:chOff x="0" y="0"/>
+          <a:chExt cx="0" cy="0"/>
+        </a:xfrm>
+      </p:grpSpPr>
+      <p:sp>
+        <p:nvSpPr>
+          <p:cNvPr id="108" name="Shape 108"/>
+          <p:cNvSpPr txBox="1"/>
+          <p:nvPr>
+            <p:ph type="title"/>
+          </p:nvPr>
+        </p:nvSpPr>
+        <p:spPr>
+          <a:xfrm>
+            <a:off x="3135575" y="441900"/>
+            <a:ext cx="2861400" cy="758399"/>
+          </a:xfrm>
+          <a:prstGeom prst="rect">
+            <a:avLst/>
+          </a:prstGeom>
+          <a:noFill/>
+          <a:ln>
+            <a:noFill/>
+          </a:ln>
+        </p:spPr>
+        <p:txBody>
+          <a:bodyPr anchorCtr="0" anchor="b" bIns="91425" lIns="91425" rIns="91425" tIns="91425">
+            <a:noAutofit/>
+          </a:bodyPr>
+          <a:lstStyle/>
+          <a:p>
+            <a:pPr indent="0" lvl="0" marL="0" marR="0" rtl="0" algn="l">
+              <a:lnSpc>
+                <a:spcPct val="100000"/>
+              </a:lnSpc>
+              <a:spcBef>
+                <a:spcPts val="0"/>
+              </a:spcBef>
+              <a:spcAft>
+                <a:spcPts val="0"/>
+              </a:spcAft>
+              <a:buClr>
+                <a:schemeClr val="dk1"/>
+              </a:buClr>
+              <a:buSzPct val="25000"/>
+              <a:buFont typeface="Arial"/>
+              <a:buNone/>
+            </a:pPr>
+            <a:r>
+              <a:rPr lang="es" sz="3000">
+                <a:solidFill>
+                  <a:srgbClr val="134F5C"/>
+                </a:solidFill>
+                <a:latin typeface="Syncopate"/>
+                <a:ea typeface="Syncopate"/>
+                <a:cs typeface="Syncopate"/>
+                <a:sym typeface="Syncopate"/>
+              </a:rPr>
+              <a:t>EJEMPLO</a:t>
+            </a:r>
+          </a:p>
+        </p:txBody>
+      </p:sp>
+      <p:pic>
+        <p:nvPicPr>
+          <p:cNvPr id="109" name="Shape 109"/>
+          <p:cNvPicPr preferRelativeResize="0"/>
+          <p:nvPr/>
+        </p:nvPicPr>
+        <p:blipFill rotWithShape="1">
+          <a:blip r:embed="rId3">
+            <a:alphaModFix/>
+          </a:blip>
+          <a:srcRect b="0" l="0" r="0" t="11691"/>
+          <a:stretch/>
+        </p:blipFill>
+        <p:spPr>
+          <a:xfrm>
+            <a:off x="542850" y="1733800"/>
+            <a:ext cx="8058300" cy="2232599"/>
+          </a:xfrm>
+          <a:prstGeom prst="rect">
+            <a:avLst/>
+          </a:prstGeom>
+          <a:noFill/>
+          <a:ln>
+            <a:noFill/>
+          </a:ln>
+        </p:spPr>
+      </p:pic>
+    </p:spTree>
+  </p:cSld>
+  <p:clrMapOvr>
+    <a:masterClrMapping/>
+  </p:clrMapOvr>
+  <p:transition spd="slow">
+    <p:cut/>
+  </p:transition>
+</p:sld>
+</file>
+
+<file path=ppt/slides/slide2.xml><?xml version="1.0" encoding="utf-8"?>
+<p:sld xmlns:a="http://schemas.openxmlformats.org/drawingml/2006/main" xmlns:r="http://schemas.openxmlformats.org/officeDocument/2006/relationships" xmlns:mc="http://schemas.openxmlformats.org/markup-compatibility/2006" xmlns:mv="urn:schemas-microsoft-com:mac:vml" xmlns:p="http://schemas.openxmlformats.org/presentationml/2006/main" xmlns:c="http://schemas.openxmlformats.org/drawingml/2006/chart" xmlns:dgm="http://schemas.openxmlformats.org/drawingml/2006/diagram" xmlns:o="urn:schemas-microsoft-com:office:office" xmlns:v="urn:schemas-microsoft-com:vml" xmlns:pvml="urn:schemas-microsoft-com:office:powerpoint" xmlns:com="http://schemas.openxmlformats.org/drawingml/2006/compatibility" xmlns:p14="http://schemas.microsoft.com/office/powerpoint/2010/main">
+  <p:cSld>
+    <p:bg>
+      <p:bgPr>
+        <a:solidFill>
+          <a:srgbClr val="134F5C"/>
+        </a:solidFill>
+      </p:bgPr>
+    </p:bg>
+    <p:spTree>
+      <p:nvGrpSpPr>
+        <p:cNvPr id="34" name="Shape 34"/>
+        <p:cNvGrpSpPr/>
+        <p:nvPr/>
+      </p:nvGrpSpPr>
+      <p:grpSpPr>
+        <a:xfrm>
+          <a:off x="0" y="0"/>
+          <a:ext cx="0" cy="0"/>
+          <a:chOff x="0" y="0"/>
+          <a:chExt cx="0" cy="0"/>
+        </a:xfrm>
+      </p:grpSpPr>
+      <p:sp>
+        <p:nvSpPr>
+          <p:cNvPr id="35" name="Shape 35"/>
+          <p:cNvSpPr txBox="1"/>
+          <p:nvPr>
+            <p:ph type="ctrTitle"/>
+          </p:nvPr>
+        </p:nvSpPr>
+        <p:spPr>
+          <a:xfrm>
+            <a:off x="1325100" y="1184300"/>
+            <a:ext cx="2724300" cy="3392400"/>
+          </a:xfrm>
+          <a:prstGeom prst="rect">
+            <a:avLst/>
+          </a:prstGeom>
+          <a:noFill/>
+          <a:ln>
+            <a:noFill/>
+          </a:ln>
+        </p:spPr>
+        <p:txBody>
+          <a:bodyPr anchorCtr="0" anchor="b" bIns="91425" lIns="91425" rIns="91425" tIns="91425">
+            <a:noAutofit/>
+          </a:bodyPr>
+          <a:lstStyle/>
+          <a:p>
+            <a:pPr indent="-355600" lvl="0" marL="457200" marR="0" rtl="0" algn="l">
+              <a:lnSpc>
+                <a:spcPct val="100000"/>
+              </a:lnSpc>
+              <a:spcBef>
+                <a:spcPts val="0"/>
+              </a:spcBef>
+              <a:spcAft>
+                <a:spcPts val="0"/>
+              </a:spcAft>
+              <a:buClr>
+                <a:srgbClr val="FFFFFF"/>
+              </a:buClr>
+              <a:buSzPct val="100000"/>
+              <a:buFont typeface="Syncopate"/>
+              <a:buAutoNum type="arabicPeriod"/>
+            </a:pPr>
+            <a:r>
+              <a:rPr lang="es" sz="2000">
+                <a:solidFill>
+                  <a:srgbClr val="FFFFFF"/>
+                </a:solidFill>
+                <a:latin typeface="Syncopate"/>
+                <a:ea typeface="Syncopate"/>
+                <a:cs typeface="Syncopate"/>
+                <a:sym typeface="Syncopate"/>
+              </a:rPr>
+              <a:t>Nombre.</a:t>
+            </a:r>
+          </a:p>
+          <a:p>
+            <a:pPr lvl="0" marR="0" rtl="0" algn="l">
+              <a:lnSpc>
+                <a:spcPct val="100000"/>
+              </a:lnSpc>
+              <a:spcBef>
+                <a:spcPts val="0"/>
+              </a:spcBef>
+              <a:spcAft>
+                <a:spcPts val="0"/>
+              </a:spcAft>
+              <a:buNone/>
+            </a:pPr>
+            <a:r>
+              <a:t/>
+            </a:r>
+            <a:endParaRPr sz="2000">
+              <a:solidFill>
+                <a:srgbClr val="FFFFFF"/>
+              </a:solidFill>
+              <a:latin typeface="Syncopate"/>
+              <a:ea typeface="Syncopate"/>
+              <a:cs typeface="Syncopate"/>
+              <a:sym typeface="Syncopate"/>
+            </a:endParaRPr>
+          </a:p>
+          <a:p>
+            <a:pPr indent="-355600" lvl="0" marL="457200" marR="0" rtl="0" algn="l">
+              <a:lnSpc>
+                <a:spcPct val="100000"/>
+              </a:lnSpc>
+              <a:spcBef>
+                <a:spcPts val="0"/>
+              </a:spcBef>
+              <a:spcAft>
+                <a:spcPts val="0"/>
+              </a:spcAft>
+              <a:buClr>
+                <a:srgbClr val="FFFFFF"/>
+              </a:buClr>
+              <a:buSzPct val="100000"/>
+              <a:buFont typeface="Syncopate"/>
+              <a:buAutoNum type="arabicPeriod"/>
+            </a:pPr>
+            <a:r>
+              <a:rPr lang="es" sz="2000">
+                <a:solidFill>
+                  <a:srgbClr val="FFFFFF"/>
+                </a:solidFill>
+                <a:latin typeface="Syncopate"/>
+                <a:ea typeface="Syncopate"/>
+                <a:cs typeface="Syncopate"/>
+                <a:sym typeface="Syncopate"/>
+              </a:rPr>
+              <a:t>HEX.</a:t>
+            </a:r>
+          </a:p>
+          <a:p>
+            <a:pPr lvl="0" marR="0" rtl="0" algn="l">
+              <a:lnSpc>
+                <a:spcPct val="100000"/>
+              </a:lnSpc>
+              <a:spcBef>
+                <a:spcPts val="0"/>
+              </a:spcBef>
+              <a:spcAft>
+                <a:spcPts val="0"/>
+              </a:spcAft>
+              <a:buNone/>
+            </a:pPr>
+            <a:r>
+              <a:t/>
+            </a:r>
+            <a:endParaRPr sz="2000">
+              <a:solidFill>
+                <a:srgbClr val="FFFFFF"/>
+              </a:solidFill>
+              <a:latin typeface="Syncopate"/>
+              <a:ea typeface="Syncopate"/>
+              <a:cs typeface="Syncopate"/>
+              <a:sym typeface="Syncopate"/>
+            </a:endParaRPr>
+          </a:p>
+          <a:p>
+            <a:pPr indent="-355600" lvl="0" marL="457200" marR="0" rtl="0" algn="l">
+              <a:lnSpc>
+                <a:spcPct val="100000"/>
+              </a:lnSpc>
+              <a:spcBef>
+                <a:spcPts val="0"/>
+              </a:spcBef>
+              <a:spcAft>
+                <a:spcPts val="0"/>
+              </a:spcAft>
+              <a:buClr>
+                <a:srgbClr val="FFFFFF"/>
+              </a:buClr>
+              <a:buSzPct val="100000"/>
+              <a:buFont typeface="Syncopate"/>
+              <a:buAutoNum type="arabicPeriod"/>
+            </a:pPr>
+            <a:r>
+              <a:rPr lang="es" sz="2000">
+                <a:solidFill>
+                  <a:srgbClr val="FFFFFF"/>
+                </a:solidFill>
+                <a:latin typeface="Syncopate"/>
+                <a:ea typeface="Syncopate"/>
+                <a:cs typeface="Syncopate"/>
+                <a:sym typeface="Syncopate"/>
+              </a:rPr>
+              <a:t>RGB.</a:t>
+            </a:r>
+          </a:p>
+          <a:p>
+            <a:pPr lvl="0" marR="0" rtl="0" algn="l">
+              <a:lnSpc>
+                <a:spcPct val="100000"/>
+              </a:lnSpc>
+              <a:spcBef>
+                <a:spcPts val="0"/>
+              </a:spcBef>
+              <a:spcAft>
+                <a:spcPts val="0"/>
+              </a:spcAft>
+              <a:buNone/>
+            </a:pPr>
+            <a:r>
+              <a:t/>
+            </a:r>
+            <a:endParaRPr sz="2000">
+              <a:solidFill>
+                <a:srgbClr val="FFFFFF"/>
+              </a:solidFill>
+              <a:latin typeface="Syncopate"/>
+              <a:ea typeface="Syncopate"/>
+              <a:cs typeface="Syncopate"/>
+              <a:sym typeface="Syncopate"/>
+            </a:endParaRPr>
+          </a:p>
+          <a:p>
+            <a:pPr indent="-355600" lvl="0" marL="457200" marR="0" rtl="0" algn="l">
+              <a:lnSpc>
+                <a:spcPct val="100000"/>
+              </a:lnSpc>
+              <a:spcBef>
+                <a:spcPts val="0"/>
+              </a:spcBef>
+              <a:spcAft>
+                <a:spcPts val="0"/>
+              </a:spcAft>
+              <a:buClr>
+                <a:srgbClr val="FFFFFF"/>
+              </a:buClr>
+              <a:buSzPct val="100000"/>
+              <a:buFont typeface="Syncopate"/>
+              <a:buAutoNum type="arabicPeriod"/>
+            </a:pPr>
+            <a:r>
+              <a:rPr lang="es" sz="2000">
+                <a:solidFill>
+                  <a:srgbClr val="FFFFFF"/>
+                </a:solidFill>
+                <a:latin typeface="Syncopate"/>
+                <a:ea typeface="Syncopate"/>
+                <a:cs typeface="Syncopate"/>
+                <a:sym typeface="Syncopate"/>
+              </a:rPr>
+              <a:t>RGBA.</a:t>
+            </a:r>
+          </a:p>
+          <a:p>
+            <a:pPr lvl="0" marR="0" rtl="0" algn="l">
+              <a:lnSpc>
+                <a:spcPct val="100000"/>
+              </a:lnSpc>
+              <a:spcBef>
+                <a:spcPts val="0"/>
+              </a:spcBef>
+              <a:spcAft>
+                <a:spcPts val="0"/>
+              </a:spcAft>
+              <a:buNone/>
+            </a:pPr>
+            <a:r>
+              <a:t/>
+            </a:r>
+            <a:endParaRPr sz="2000">
+              <a:solidFill>
+                <a:srgbClr val="FFFFFF"/>
+              </a:solidFill>
+              <a:latin typeface="Syncopate"/>
+              <a:ea typeface="Syncopate"/>
+              <a:cs typeface="Syncopate"/>
+              <a:sym typeface="Syncopate"/>
+            </a:endParaRPr>
+          </a:p>
+          <a:p>
+            <a:pPr indent="-355600" lvl="0" marL="457200" marR="0" rtl="0" algn="l">
+              <a:lnSpc>
+                <a:spcPct val="100000"/>
+              </a:lnSpc>
+              <a:spcBef>
+                <a:spcPts val="0"/>
+              </a:spcBef>
+              <a:spcAft>
+                <a:spcPts val="0"/>
+              </a:spcAft>
+              <a:buClr>
+                <a:srgbClr val="FFFFFF"/>
+              </a:buClr>
+              <a:buSzPct val="100000"/>
+              <a:buFont typeface="Syncopate"/>
+              <a:buAutoNum type="arabicPeriod"/>
+            </a:pPr>
+            <a:r>
+              <a:rPr lang="es" sz="2000">
+                <a:solidFill>
+                  <a:srgbClr val="FFFFFF"/>
+                </a:solidFill>
+                <a:latin typeface="Syncopate"/>
+                <a:ea typeface="Syncopate"/>
+                <a:cs typeface="Syncopate"/>
+                <a:sym typeface="Syncopate"/>
+              </a:rPr>
+              <a:t>HSL.</a:t>
+            </a:r>
+          </a:p>
+        </p:txBody>
+      </p:sp>
+      <p:sp>
+        <p:nvSpPr>
+          <p:cNvPr id="36" name="Shape 36"/>
+          <p:cNvSpPr txBox="1"/>
+          <p:nvPr/>
+        </p:nvSpPr>
+        <p:spPr>
+          <a:xfrm>
+            <a:off x="1163775" y="451250"/>
+            <a:ext cx="4548300" cy="733199"/>
+          </a:xfrm>
+          <a:prstGeom prst="rect">
+            <a:avLst/>
+          </a:prstGeom>
+          <a:noFill/>
+          <a:ln>
+            <a:noFill/>
+          </a:ln>
+        </p:spPr>
+        <p:txBody>
+          <a:bodyPr anchorCtr="0" anchor="t" bIns="91425" lIns="91425" rIns="91425" tIns="91425">
+            <a:noAutofit/>
+          </a:bodyPr>
+          <a:lstStyle/>
+          <a:p>
+            <a:pPr>
+              <a:spcBef>
+                <a:spcPts val="0"/>
+              </a:spcBef>
+              <a:buNone/>
+            </a:pPr>
+            <a:r>
+              <a:rPr lang="es" sz="3000">
+                <a:solidFill>
+                  <a:srgbClr val="FFFFFF"/>
+                </a:solidFill>
+                <a:latin typeface="Syncopate"/>
+                <a:ea typeface="Syncopate"/>
+                <a:cs typeface="Syncopate"/>
+                <a:sym typeface="Syncopate"/>
+              </a:rPr>
+              <a:t>S</a:t>
+            </a:r>
+            <a:r>
+              <a:rPr lang="es" sz="2400">
+                <a:solidFill>
+                  <a:srgbClr val="FFFFFF"/>
+                </a:solidFill>
+                <a:latin typeface="Syncopate"/>
+                <a:ea typeface="Syncopate"/>
+                <a:cs typeface="Syncopate"/>
+                <a:sym typeface="Syncopate"/>
+              </a:rPr>
+              <a:t>e clasifican en:</a:t>
+            </a:r>
+          </a:p>
+        </p:txBody>
+      </p:sp>
+    </p:spTree>
+  </p:cSld>
+  <p:clrMapOvr>
+    <a:masterClrMapping/>
+  </p:clrMapOvr>
+  <p:transition spd="slow">
+    <p:cut/>
+  </p:transition>
+</p:sld>
+</file>
+
+<file path=ppt/slides/slide3.xml><?xml version="1.0" encoding="utf-8"?>
+<p:sld xmlns:a="http://schemas.openxmlformats.org/drawingml/2006/main" xmlns:r="http://schemas.openxmlformats.org/officeDocument/2006/relationships" xmlns:mc="http://schemas.openxmlformats.org/markup-compatibility/2006" xmlns:mv="urn:schemas-microsoft-com:mac:vml" xmlns:p="http://schemas.openxmlformats.org/presentationml/2006/main" xmlns:c="http://schemas.openxmlformats.org/drawingml/2006/chart" xmlns:dgm="http://schemas.openxmlformats.org/drawingml/2006/diagram" xmlns:o="urn:schemas-microsoft-com:office:office" xmlns:v="urn:schemas-microsoft-com:vml" xmlns:pvml="urn:schemas-microsoft-com:office:powerpoint" xmlns:com="http://schemas.openxmlformats.org/drawingml/2006/compatibility" xmlns:p14="http://schemas.microsoft.com/office/powerpoint/2010/main">
+  <p:cSld>
+    <p:spTree>
+      <p:nvGrpSpPr>
+        <p:cNvPr id="40" name="Shape 40"/>
+        <p:cNvGrpSpPr/>
+        <p:nvPr/>
+      </p:nvGrpSpPr>
+      <p:grpSpPr>
+        <a:xfrm>
+          <a:off x="0" y="0"/>
+          <a:ext cx="0" cy="0"/>
+          <a:chOff x="0" y="0"/>
+          <a:chExt cx="0" cy="0"/>
+        </a:xfrm>
+      </p:grpSpPr>
+      <p:sp>
+        <p:nvSpPr>
+          <p:cNvPr id="41" name="Shape 41"/>
+          <p:cNvSpPr txBox="1"/>
+          <p:nvPr>
+            <p:ph type="title"/>
+          </p:nvPr>
+        </p:nvSpPr>
+        <p:spPr>
+          <a:xfrm>
+            <a:off x="457200" y="510775"/>
+            <a:ext cx="3568499" cy="857400"/>
+          </a:xfrm>
+          <a:prstGeom prst="rect">
+            <a:avLst/>
+          </a:prstGeom>
+          <a:noFill/>
+          <a:ln>
+            <a:noFill/>
+          </a:ln>
+        </p:spPr>
+        <p:txBody>
+          <a:bodyPr anchorCtr="0" anchor="b" bIns="91425" lIns="91425" rIns="91425" tIns="91425">
+            <a:noAutofit/>
+          </a:bodyPr>
+          <a:lstStyle/>
+          <a:p>
+            <a:pPr indent="-419100" lvl="0" marL="457200" marR="0" rtl="0" algn="l">
+              <a:lnSpc>
+                <a:spcPct val="100000"/>
+              </a:lnSpc>
+              <a:spcBef>
+                <a:spcPts val="0"/>
+              </a:spcBef>
+              <a:spcAft>
+                <a:spcPts val="0"/>
+              </a:spcAft>
+              <a:buClr>
+                <a:srgbClr val="134F5C"/>
+              </a:buClr>
+              <a:buSzPct val="62500"/>
+              <a:buFont typeface="Syncopate"/>
+              <a:buAutoNum type="arabicPeriod"/>
+            </a:pPr>
+            <a:r>
+              <a:rPr baseline="0" i="0" lang="es" sz="4800" u="none" cap="none" strike="noStrike">
+                <a:solidFill>
+                  <a:srgbClr val="134F5C"/>
+                </a:solidFill>
+                <a:latin typeface="Syncopate"/>
+                <a:ea typeface="Syncopate"/>
+                <a:cs typeface="Syncopate"/>
+                <a:sym typeface="Syncopate"/>
+                <a:rtl val="0"/>
+              </a:rPr>
+              <a:t>N</a:t>
+            </a:r>
+            <a:r>
+              <a:rPr baseline="0" i="0" lang="es" sz="3600" u="none" cap="none" strike="noStrike">
+                <a:solidFill>
+                  <a:srgbClr val="134F5C"/>
+                </a:solidFill>
+                <a:latin typeface="Syncopate"/>
+                <a:ea typeface="Syncopate"/>
+                <a:cs typeface="Syncopate"/>
+                <a:sym typeface="Syncopate"/>
+                <a:rtl val="0"/>
+              </a:rPr>
+              <a:t>ombre</a:t>
+            </a:r>
+          </a:p>
+        </p:txBody>
+      </p:sp>
+      <p:sp>
+        <p:nvSpPr>
+          <p:cNvPr id="42" name="Shape 42"/>
+          <p:cNvSpPr txBox="1"/>
+          <p:nvPr>
+            <p:ph idx="1" type="body"/>
+          </p:nvPr>
+        </p:nvSpPr>
+        <p:spPr>
+          <a:xfrm>
+            <a:off x="457200" y="1416950"/>
+            <a:ext cx="8271300" cy="3345600"/>
+          </a:xfrm>
+          <a:prstGeom prst="rect">
+            <a:avLst/>
+          </a:prstGeom>
+          <a:noFill/>
+          <a:ln>
+            <a:noFill/>
+          </a:ln>
+        </p:spPr>
+        <p:txBody>
+          <a:bodyPr anchorCtr="0" anchor="t" bIns="91425" lIns="91425" rIns="91425" tIns="91425">
+            <a:noAutofit/>
+          </a:bodyPr>
+          <a:lstStyle/>
+          <a:p>
+            <a:pPr indent="-330200" lvl="0" marL="457200" marR="0" rtl="0" algn="l">
               <a:lnSpc>
                 <a:spcPct val="110000"/>
               </a:lnSpc>
               <a:spcBef>
-                <a:spcPts val="1500"/>
+                <a:spcPts val="0"/>
               </a:spcBef>
               <a:spcAft>
-                <a:spcPts val="800"/>
+                <a:spcPts val="0"/>
               </a:spcAft>
               <a:buClr>
-                <a:schemeClr val="dk1"/>
-              </a:buClr>
-              <a:buSzPct val="47826"/>
-              <a:buFont typeface="Arial"/>
-              <a:buNone/>
-            </a:pPr>
-            <a:r>
-              <a:rPr b="1" sz="2300" lang="es">
+                <a:srgbClr val="333333"/>
+              </a:buClr>
+              <a:buSzPct val="100000"/>
+              <a:buFont typeface="Verdana"/>
+              <a:buChar char="➔"/>
+            </a:pPr>
+            <a:r>
+              <a:rPr baseline="0" i="0" lang="es" sz="1600" u="none" cap="none" strike="noStrike">
                 <a:solidFill>
-                  <a:srgbClr val="333333"/>
+                  <a:srgbClr val="45818E"/>
                 </a:solidFill>
+                <a:latin typeface="Verdana"/>
+                <a:ea typeface="Verdana"/>
+                <a:cs typeface="Verdana"/>
+                <a:sym typeface="Verdana"/>
+                <a:rtl val="0"/>
               </a:rPr>
-              <a:t>Colores RGB</a:t>
-            </a:r>
-          </a:p>
-          <a:p>
-            <a:pPr rtl="0" lvl="0">
-              <a:lnSpc>
-                <a:spcPct val="146103"/>
-              </a:lnSpc>
-              <a:spcBef>
-                <a:spcPts val="0"/>
-              </a:spcBef>
-              <a:spcAft>
-                <a:spcPts val="800"/>
-              </a:spcAft>
-              <a:buClr>
-                <a:schemeClr val="dk1"/>
-              </a:buClr>
-              <a:buSzPct val="100000"/>
-              <a:buFont typeface="Arial"/>
-              <a:buNone/>
-            </a:pPr>
-            <a:r>
-              <a:rPr sz="1100" lang="es">
+              <a:t>140</a:t>
+            </a:r>
+            <a:r>
+              <a:rPr baseline="0" i="0" lang="es" sz="1600" u="none" cap="none" strike="noStrike">
+                <a:solidFill>
+                  <a:srgbClr val="CC4125"/>
+                </a:solidFill>
+                <a:latin typeface="Verdana"/>
+                <a:ea typeface="Verdana"/>
+                <a:cs typeface="Verdana"/>
+                <a:sym typeface="Verdana"/>
+                <a:rtl val="0"/>
+              </a:rPr>
+              <a:t> </a:t>
+            </a:r>
+            <a:r>
+              <a:rPr lang="es" sz="1600">
                 <a:solidFill>
                   <a:srgbClr val="333333"/>
                 </a:solidFill>
@@ -3858,30 +5845,12 @@
                 <a:ea typeface="Verdana"/>
                 <a:cs typeface="Verdana"/>
                 <a:sym typeface="Verdana"/>
+                <a:rtl val="0"/>
               </a:rPr>
-              <a:t>Valores de color RGB son compatibles con todos los principales navegadores.</a:t>
-            </a:r>
-          </a:p>
-          <a:p>
-            <a:pPr rtl="0" lvl="0">
-              <a:lnSpc>
-                <a:spcPct val="146103"/>
-              </a:lnSpc>
-              <a:spcBef>
-                <a:spcPts val="0"/>
-              </a:spcBef>
-              <a:spcAft>
-                <a:spcPts val="800"/>
-              </a:spcAft>
-              <a:buClr>
-                <a:schemeClr val="dk1"/>
-              </a:buClr>
-              <a:buSzPct val="100000"/>
-              <a:buFont typeface="Arial"/>
-              <a:buNone/>
-            </a:pPr>
-            <a:r>
-              <a:rPr sz="1100" lang="es">
+              <a:t>nombres de colores</a:t>
+            </a:r>
+            <a:r>
+              <a:rPr baseline="0" i="0" lang="es" sz="1600" u="none" cap="none" strike="noStrike">
                 <a:solidFill>
                   <a:srgbClr val="333333"/>
                 </a:solidFill>
@@ -3889,30 +5858,25 @@
                 <a:ea typeface="Verdana"/>
                 <a:cs typeface="Verdana"/>
                 <a:sym typeface="Verdana"/>
+                <a:rtl val="0"/>
               </a:rPr>
-              <a:t>Un valor de color RGB se especifica con: RGB (rojo, verde, azul). Cada parámetro (rojo, verde, y azul) define la intensidad del color y puede ser un número entero entre 0 y 255 o un valor de porcentaje (de 0% a 100%).</a:t>
-            </a:r>
-          </a:p>
-          <a:p>
-            <a:pPr rtl="0" lvl="0">
-              <a:lnSpc>
-                <a:spcPct val="146103"/>
-              </a:lnSpc>
-              <a:spcBef>
-                <a:spcPts val="0"/>
-              </a:spcBef>
-              <a:spcAft>
-                <a:spcPts val="800"/>
-              </a:spcAft>
-              <a:buClr>
-                <a:schemeClr val="dk1"/>
-              </a:buClr>
-              <a:buSzPct val="100000"/>
-              <a:buFont typeface="Arial"/>
-              <a:buNone/>
-            </a:pPr>
-            <a:r>
-              <a:rPr sz="1100" lang="es">
+              <a:t> son </a:t>
+            </a:r>
+            <a:r>
+              <a:rPr baseline="0" i="0" lang="es" sz="1600" u="none" cap="none" strike="noStrike">
+                <a:solidFill>
+                  <a:srgbClr val="93C47D"/>
+                </a:solidFill>
+                <a:latin typeface="Verdana"/>
+                <a:ea typeface="Verdana"/>
+                <a:cs typeface="Verdana"/>
+                <a:sym typeface="Verdana"/>
+                <a:rtl val="0"/>
+              </a:rPr>
+              <a:t>compatibles </a:t>
+            </a:r>
+            <a:r>
+              <a:rPr baseline="0" i="0" lang="es" sz="1600" u="none" cap="none" strike="noStrike">
                 <a:solidFill>
                   <a:srgbClr val="333333"/>
                 </a:solidFill>
@@ -3920,30 +5884,25 @@
                 <a:ea typeface="Verdana"/>
                 <a:cs typeface="Verdana"/>
                 <a:sym typeface="Verdana"/>
+                <a:rtl val="0"/>
               </a:rPr>
-              <a:t>Por ejemplo, el rgb (0,0,255) valor se representa como azul, porque el parámetro azul se establece en su valor más alto (255) y los otros se establece en 0.</a:t>
-            </a:r>
-          </a:p>
-          <a:p>
-            <a:pPr rtl="0" lvl="0">
-              <a:lnSpc>
-                <a:spcPct val="146103"/>
-              </a:lnSpc>
-              <a:spcBef>
-                <a:spcPts val="0"/>
-              </a:spcBef>
-              <a:spcAft>
-                <a:spcPts val="800"/>
-              </a:spcAft>
-              <a:buClr>
-                <a:schemeClr val="dk1"/>
-              </a:buClr>
-              <a:buSzPct val="100000"/>
-              <a:buFont typeface="Arial"/>
-              <a:buNone/>
-            </a:pPr>
-            <a:r>
-              <a:rPr sz="1100" lang="es">
+              <a:t>con </a:t>
+            </a:r>
+            <a:r>
+              <a:rPr baseline="0" i="0" lang="es" sz="1600" u="none" cap="none" strike="noStrike">
+                <a:solidFill>
+                  <a:srgbClr val="6FA8DC"/>
+                </a:solidFill>
+                <a:latin typeface="Verdana"/>
+                <a:ea typeface="Verdana"/>
+                <a:cs typeface="Verdana"/>
+                <a:sym typeface="Verdana"/>
+                <a:rtl val="0"/>
+              </a:rPr>
+              <a:t>todos </a:t>
+            </a:r>
+            <a:r>
+              <a:rPr baseline="0" i="0" lang="es" sz="1600" u="none" cap="none" strike="noStrike">
                 <a:solidFill>
                   <a:srgbClr val="333333"/>
                 </a:solidFill>
@@ -3951,42 +5910,380 @@
                 <a:ea typeface="Verdana"/>
                 <a:cs typeface="Verdana"/>
                 <a:sym typeface="Verdana"/>
+                <a:rtl val="0"/>
               </a:rPr>
-              <a:t>Además, los siguientes valores definen igual de color: rgb (0,0,255) y RGB (0%, 0%, 100%).</a:t>
-            </a:r>
-          </a:p>
-          <a:p>
-            <a:pPr>
-              <a:spcBef>
-                <a:spcPts val="0"/>
-              </a:spcBef>
+              <a:t>los navegadores.</a:t>
+            </a:r>
+          </a:p>
+          <a:p>
+            <a:pPr lvl="0" marR="0" rtl="0" algn="l">
+              <a:lnSpc>
+                <a:spcPct val="110000"/>
+              </a:lnSpc>
+              <a:spcBef>
+                <a:spcPts val="0"/>
+              </a:spcBef>
+              <a:spcAft>
+                <a:spcPts val="0"/>
+              </a:spcAft>
               <a:buNone/>
             </a:pPr>
             <a:r>
               <a:t/>
             </a:r>
-            <a:endParaRPr/>
+            <a:endParaRPr sz="1600">
+              <a:solidFill>
+                <a:srgbClr val="333333"/>
+              </a:solidFill>
+              <a:latin typeface="Verdana"/>
+              <a:ea typeface="Verdana"/>
+              <a:cs typeface="Verdana"/>
+              <a:sym typeface="Verdana"/>
+            </a:endParaRPr>
+          </a:p>
+          <a:p>
+            <a:pPr indent="-330200" lvl="0" marL="457200" marR="0" rtl="0" algn="l">
+              <a:lnSpc>
+                <a:spcPct val="146103"/>
+              </a:lnSpc>
+              <a:spcBef>
+                <a:spcPts val="800"/>
+              </a:spcBef>
+              <a:spcAft>
+                <a:spcPts val="0"/>
+              </a:spcAft>
+              <a:buClr>
+                <a:srgbClr val="333333"/>
+              </a:buClr>
+              <a:buSzPct val="100000"/>
+              <a:buFont typeface="Verdana"/>
+              <a:buChar char="➔"/>
+            </a:pPr>
+            <a:r>
+              <a:rPr baseline="0" i="0" lang="es" sz="1600" u="none" cap="none" strike="noStrike">
+                <a:solidFill>
+                  <a:srgbClr val="45818E"/>
+                </a:solidFill>
+                <a:latin typeface="Verdana"/>
+                <a:ea typeface="Verdana"/>
+                <a:cs typeface="Verdana"/>
+                <a:sym typeface="Verdana"/>
+                <a:rtl val="0"/>
+              </a:rPr>
+              <a:t>140 </a:t>
+            </a:r>
+            <a:r>
+              <a:rPr baseline="0" i="0" lang="es" sz="1600" u="none" cap="none" strike="noStrike">
+                <a:solidFill>
+                  <a:srgbClr val="333333"/>
+                </a:solidFill>
+                <a:latin typeface="Verdana"/>
+                <a:ea typeface="Verdana"/>
+                <a:cs typeface="Verdana"/>
+                <a:sym typeface="Verdana"/>
+                <a:rtl val="0"/>
+              </a:rPr>
+              <a:t>nombres de colores se definen en las especificaciones de color de </a:t>
+            </a:r>
+            <a:r>
+              <a:rPr baseline="0" i="0" lang="es" sz="1600" u="none" cap="none" strike="noStrike">
+                <a:solidFill>
+                  <a:srgbClr val="674EA7"/>
+                </a:solidFill>
+                <a:latin typeface="Verdana"/>
+                <a:ea typeface="Verdana"/>
+                <a:cs typeface="Verdana"/>
+                <a:sym typeface="Verdana"/>
+                <a:rtl val="0"/>
+              </a:rPr>
+              <a:t>HTML5 y CS</a:t>
+            </a:r>
+            <a:r>
+              <a:rPr b="0" baseline="0" i="0" lang="es" sz="1600" u="none" cap="none" strike="noStrike">
+                <a:solidFill>
+                  <a:srgbClr val="674EA7"/>
+                </a:solidFill>
+                <a:latin typeface="Verdana"/>
+                <a:ea typeface="Verdana"/>
+                <a:cs typeface="Verdana"/>
+                <a:sym typeface="Verdana"/>
+                <a:rtl val="0"/>
+              </a:rPr>
+              <a:t>S3</a:t>
+            </a:r>
+            <a:r>
+              <a:rPr b="0" baseline="0" i="0" lang="es" sz="1600" u="none" cap="none" strike="noStrike">
+                <a:solidFill>
+                  <a:srgbClr val="333333"/>
+                </a:solidFill>
+                <a:latin typeface="Verdana"/>
+                <a:ea typeface="Verdana"/>
+                <a:cs typeface="Verdana"/>
+                <a:sym typeface="Verdana"/>
+                <a:rtl val="0"/>
+              </a:rPr>
+              <a:t>.</a:t>
+            </a:r>
+          </a:p>
+          <a:p>
+            <a:pPr indent="-330200" lvl="0" marL="457200" marR="0" rtl="0" algn="l">
+              <a:lnSpc>
+                <a:spcPct val="146103"/>
+              </a:lnSpc>
+              <a:spcBef>
+                <a:spcPts val="800"/>
+              </a:spcBef>
+              <a:spcAft>
+                <a:spcPts val="0"/>
+              </a:spcAft>
+              <a:buClr>
+                <a:srgbClr val="333333"/>
+              </a:buClr>
+              <a:buFont typeface="Verdana"/>
+              <a:buChar char="➔"/>
+            </a:pPr>
+            <a:r>
+              <a:t/>
+            </a:r>
+            <a:endParaRPr sz="1600">
+              <a:solidFill>
+                <a:srgbClr val="45818E"/>
+              </a:solidFill>
+              <a:latin typeface="Verdana"/>
+              <a:ea typeface="Verdana"/>
+              <a:cs typeface="Verdana"/>
+              <a:sym typeface="Verdana"/>
+            </a:endParaRPr>
+          </a:p>
+          <a:p>
+            <a:pPr indent="-330200" lvl="0" marL="457200" marR="0" rtl="0" algn="l">
+              <a:lnSpc>
+                <a:spcPct val="146103"/>
+              </a:lnSpc>
+              <a:spcBef>
+                <a:spcPts val="800"/>
+              </a:spcBef>
+              <a:spcAft>
+                <a:spcPts val="0"/>
+              </a:spcAft>
+              <a:buClr>
+                <a:srgbClr val="333333"/>
+              </a:buClr>
+              <a:buSzPct val="100000"/>
+              <a:buFont typeface="Verdana"/>
+              <a:buChar char="➔"/>
+            </a:pPr>
+            <a:r>
+              <a:rPr b="0" baseline="0" i="0" lang="es" sz="1600" u="none" cap="none" strike="noStrike">
+                <a:solidFill>
+                  <a:srgbClr val="45818E"/>
+                </a:solidFill>
+                <a:latin typeface="Verdana"/>
+                <a:ea typeface="Verdana"/>
+                <a:cs typeface="Verdana"/>
+                <a:sym typeface="Verdana"/>
+                <a:rtl val="0"/>
+              </a:rPr>
+              <a:t>17 </a:t>
+            </a:r>
+            <a:r>
+              <a:rPr b="0" baseline="0" i="0" lang="es" sz="1600" u="none" cap="none" strike="noStrike">
+                <a:solidFill>
+                  <a:srgbClr val="333333"/>
+                </a:solidFill>
+                <a:latin typeface="Verdana"/>
+                <a:ea typeface="Verdana"/>
+                <a:cs typeface="Verdana"/>
+                <a:sym typeface="Verdana"/>
+                <a:rtl val="0"/>
+              </a:rPr>
+              <a:t>colores son de la especificación </a:t>
+            </a:r>
+            <a:r>
+              <a:rPr b="0" baseline="0" i="0" lang="es" sz="1600" u="none" cap="none" strike="noStrike">
+                <a:solidFill>
+                  <a:srgbClr val="674EA7"/>
+                </a:solidFill>
+                <a:latin typeface="Verdana"/>
+                <a:ea typeface="Verdana"/>
+                <a:cs typeface="Verdana"/>
+                <a:sym typeface="Verdana"/>
+                <a:rtl val="0"/>
+              </a:rPr>
+              <a:t>HTML</a:t>
+            </a:r>
+            <a:r>
+              <a:rPr b="0" baseline="0" i="0" lang="es" sz="1600" u="none" cap="none" strike="noStrike">
+                <a:solidFill>
+                  <a:srgbClr val="333333"/>
+                </a:solidFill>
+                <a:latin typeface="Verdana"/>
+                <a:ea typeface="Verdana"/>
+                <a:cs typeface="Verdana"/>
+                <a:sym typeface="Verdana"/>
+                <a:rtl val="0"/>
+              </a:rPr>
+              <a:t>, </a:t>
+            </a:r>
+            <a:r>
+              <a:rPr b="0" baseline="0" i="0" lang="es" sz="1600" u="none" cap="none" strike="noStrike">
+                <a:solidFill>
+                  <a:srgbClr val="45818E"/>
+                </a:solidFill>
+                <a:latin typeface="Verdana"/>
+                <a:ea typeface="Verdana"/>
+                <a:cs typeface="Verdana"/>
+                <a:sym typeface="Verdana"/>
+                <a:rtl val="0"/>
+              </a:rPr>
+              <a:t>123 </a:t>
+            </a:r>
+            <a:r>
+              <a:rPr b="0" baseline="0" i="0" lang="es" sz="1600" u="none" cap="none" strike="noStrike">
+                <a:solidFill>
+                  <a:srgbClr val="333333"/>
+                </a:solidFill>
+                <a:latin typeface="Verdana"/>
+                <a:ea typeface="Verdana"/>
+                <a:cs typeface="Verdana"/>
+                <a:sym typeface="Verdana"/>
+                <a:rtl val="0"/>
+              </a:rPr>
+              <a:t>colores son de la especificación </a:t>
+            </a:r>
+            <a:r>
+              <a:rPr b="0" baseline="0" i="0" lang="es" sz="1600" u="none" cap="none" strike="noStrike">
+                <a:solidFill>
+                  <a:srgbClr val="674EA7"/>
+                </a:solidFill>
+                <a:latin typeface="Verdana"/>
+                <a:ea typeface="Verdana"/>
+                <a:cs typeface="Verdana"/>
+                <a:sym typeface="Verdana"/>
+                <a:rtl val="0"/>
+              </a:rPr>
+              <a:t>CSS</a:t>
+            </a:r>
+            <a:r>
+              <a:rPr b="0" baseline="0" i="0" lang="es" sz="1600" u="none" cap="none" strike="noStrike">
+                <a:solidFill>
+                  <a:srgbClr val="333333"/>
+                </a:solidFill>
+                <a:latin typeface="Verdana"/>
+                <a:ea typeface="Verdana"/>
+                <a:cs typeface="Verdana"/>
+                <a:sym typeface="Verdana"/>
+                <a:rtl val="0"/>
+              </a:rPr>
+              <a:t>.</a:t>
+            </a:r>
+          </a:p>
+        </p:txBody>
+      </p:sp>
+    </p:spTree>
+  </p:cSld>
+  <p:clrMapOvr>
+    <a:masterClrMapping/>
+  </p:clrMapOvr>
+  <p:transition spd="slow">
+    <p:cut/>
+  </p:transition>
+</p:sld>
+</file>
+
+<file path=ppt/slides/slide4.xml><?xml version="1.0" encoding="utf-8"?>
+<p:sld xmlns:a="http://schemas.openxmlformats.org/drawingml/2006/main" xmlns:r="http://schemas.openxmlformats.org/officeDocument/2006/relationships" xmlns:mc="http://schemas.openxmlformats.org/markup-compatibility/2006" xmlns:mv="urn:schemas-microsoft-com:mac:vml" xmlns:p="http://schemas.openxmlformats.org/presentationml/2006/main" xmlns:c="http://schemas.openxmlformats.org/drawingml/2006/chart" xmlns:dgm="http://schemas.openxmlformats.org/drawingml/2006/diagram" xmlns:o="urn:schemas-microsoft-com:office:office" xmlns:v="urn:schemas-microsoft-com:vml" xmlns:pvml="urn:schemas-microsoft-com:office:powerpoint" xmlns:com="http://schemas.openxmlformats.org/drawingml/2006/compatibility" xmlns:p14="http://schemas.microsoft.com/office/powerpoint/2010/main">
+  <p:cSld>
+    <p:spTree>
+      <p:nvGrpSpPr>
+        <p:cNvPr id="46" name="Shape 46"/>
+        <p:cNvGrpSpPr/>
+        <p:nvPr/>
+      </p:nvGrpSpPr>
+      <p:grpSpPr>
+        <a:xfrm>
+          <a:off x="0" y="0"/>
+          <a:ext cx="0" cy="0"/>
+          <a:chOff x="0" y="0"/>
+          <a:chExt cx="0" cy="0"/>
+        </a:xfrm>
+      </p:grpSpPr>
+      <p:sp>
+        <p:nvSpPr>
+          <p:cNvPr id="47" name="Shape 47"/>
+          <p:cNvSpPr txBox="1"/>
+          <p:nvPr>
+            <p:ph type="title"/>
+          </p:nvPr>
+        </p:nvSpPr>
+        <p:spPr>
+          <a:xfrm>
+            <a:off x="3135575" y="441900"/>
+            <a:ext cx="2861400" cy="758399"/>
+          </a:xfrm>
+          <a:prstGeom prst="rect">
+            <a:avLst/>
+          </a:prstGeom>
+          <a:noFill/>
+          <a:ln>
+            <a:noFill/>
+          </a:ln>
+        </p:spPr>
+        <p:txBody>
+          <a:bodyPr anchorCtr="0" anchor="b" bIns="91425" lIns="91425" rIns="91425" tIns="91425">
+            <a:noAutofit/>
+          </a:bodyPr>
+          <a:lstStyle/>
+          <a:p>
+            <a:pPr indent="0" lvl="0" marL="0" marR="0" rtl="0" algn="l">
+              <a:lnSpc>
+                <a:spcPct val="100000"/>
+              </a:lnSpc>
+              <a:spcBef>
+                <a:spcPts val="0"/>
+              </a:spcBef>
+              <a:spcAft>
+                <a:spcPts val="0"/>
+              </a:spcAft>
+              <a:buClr>
+                <a:schemeClr val="dk1"/>
+              </a:buClr>
+              <a:buSzPct val="25000"/>
+              <a:buFont typeface="Arial"/>
+              <a:buNone/>
+            </a:pPr>
+            <a:r>
+              <a:rPr lang="es" sz="3000">
+                <a:solidFill>
+                  <a:srgbClr val="134F5C"/>
+                </a:solidFill>
+                <a:latin typeface="Syncopate"/>
+                <a:ea typeface="Syncopate"/>
+                <a:cs typeface="Syncopate"/>
+                <a:sym typeface="Syncopate"/>
+              </a:rPr>
+              <a:t>EJEMPLO</a:t>
+            </a:r>
           </a:p>
         </p:txBody>
       </p:sp>
       <p:pic>
         <p:nvPicPr>
-          <p:cNvPr id="52" name="Shape 52"/>
+          <p:cNvPr id="48" name="Shape 48"/>
           <p:cNvPicPr preferRelativeResize="0"/>
           <p:nvPr/>
         </p:nvPicPr>
-        <p:blipFill>
+        <p:blipFill rotWithShape="1">
           <a:blip r:embed="rId3">
             <a:alphaModFix/>
           </a:blip>
-          <a:stretch>
-            <a:fillRect/>
-          </a:stretch>
+          <a:srcRect b="0" l="0" r="0" t="0"/>
+          <a:stretch/>
         </p:blipFill>
         <p:spPr>
           <a:xfrm>
-            <a:off y="3674112" x="1233475"/>
-            <a:ext cy="1381125" cx="6677025"/>
+            <a:off x="1472849" y="1487425"/>
+            <a:ext cx="6198299" cy="3512099"/>
           </a:xfrm>
           <a:prstGeom prst="rect">
             <a:avLst/>
@@ -4013,21 +6310,21 @@
   <p:cSld>
     <p:spTree>
       <p:nvGrpSpPr>
-        <p:cNvPr id="56" name="Shape 56"/>
+        <p:cNvPr id="52" name="Shape 52"/>
         <p:cNvGrpSpPr/>
         <p:nvPr/>
       </p:nvGrpSpPr>
       <p:grpSpPr>
         <a:xfrm>
-          <a:off y="0" x="0"/>
-          <a:ext cy="0" cx="0"/>
-          <a:chOff y="0" x="0"/>
-          <a:chExt cy="0" cx="0"/>
+          <a:off x="0" y="0"/>
+          <a:ext cx="0" cy="0"/>
+          <a:chOff x="0" y="0"/>
+          <a:chExt cx="0" cy="0"/>
         </a:xfrm>
       </p:grpSpPr>
       <p:sp>
         <p:nvSpPr>
-          <p:cNvPr id="57" name="Shape 57"/>
+          <p:cNvPr id="53" name="Shape 53"/>
           <p:cNvSpPr txBox="1"/>
           <p:nvPr>
             <p:ph type="title"/>
@@ -4035,206 +6332,8 @@
         </p:nvSpPr>
         <p:spPr>
           <a:xfrm>
-            <a:off y="205978" x="457200"/>
-            <a:ext cy="857400" cx="8229600"/>
-          </a:xfrm>
-          <a:prstGeom prst="rect">
-            <a:avLst/>
-          </a:prstGeom>
-        </p:spPr>
-        <p:txBody>
-          <a:bodyPr bIns="91425" rIns="91425" lIns="91425" tIns="91425" anchor="b" anchorCtr="0">
-            <a:noAutofit/>
-          </a:bodyPr>
-          <a:lstStyle/>
-          <a:p>
-            <a:pPr>
-              <a:spcBef>
-                <a:spcPts val="0"/>
-              </a:spcBef>
-              <a:buNone/>
-            </a:pPr>
-            <a:r>
-              <a:rPr lang="es"/>
-              <a:t>RGBA</a:t>
-            </a:r>
-          </a:p>
-        </p:txBody>
-      </p:sp>
-      <p:sp>
-        <p:nvSpPr>
-          <p:cNvPr id="58" name="Shape 58"/>
-          <p:cNvSpPr txBox="1"/>
-          <p:nvPr>
-            <p:ph idx="1" type="body"/>
-          </p:nvPr>
-        </p:nvSpPr>
-        <p:spPr>
-          <a:xfrm>
-            <a:off y="1063375" x="457200"/>
-            <a:ext cy="3725699" cx="8229600"/>
-          </a:xfrm>
-          <a:prstGeom prst="rect">
-            <a:avLst/>
-          </a:prstGeom>
-        </p:spPr>
-        <p:txBody>
-          <a:bodyPr bIns="91425" rIns="91425" lIns="91425" tIns="91425" anchor="t" anchorCtr="0">
-            <a:noAutofit/>
-          </a:bodyPr>
-          <a:lstStyle/>
-          <a:p>
-            <a:pPr rtl="0" lvl="0">
-              <a:lnSpc>
-                <a:spcPct val="110000"/>
-              </a:lnSpc>
-              <a:spcBef>
-                <a:spcPts val="1500"/>
-              </a:spcBef>
-              <a:spcAft>
-                <a:spcPts val="800"/>
-              </a:spcAft>
-              <a:buClr>
-                <a:schemeClr val="dk1"/>
-              </a:buClr>
-              <a:buSzPct val="47826"/>
-              <a:buFont typeface="Arial"/>
-              <a:buNone/>
-            </a:pPr>
-            <a:r>
-              <a:rPr b="1" sz="2300" lang="es">
-                <a:solidFill>
-                  <a:srgbClr val="333333"/>
-                </a:solidFill>
-              </a:rPr>
-              <a:t>RGBA Colores</a:t>
-            </a:r>
-          </a:p>
-          <a:p>
-            <a:pPr rtl="0" lvl="0">
-              <a:lnSpc>
-                <a:spcPct val="146103"/>
-              </a:lnSpc>
-              <a:spcBef>
-                <a:spcPts val="0"/>
-              </a:spcBef>
-              <a:spcAft>
-                <a:spcPts val="800"/>
-              </a:spcAft>
-              <a:buClr>
-                <a:schemeClr val="dk1"/>
-              </a:buClr>
-              <a:buSzPct val="100000"/>
-              <a:buFont typeface="Arial"/>
-              <a:buNone/>
-            </a:pPr>
-            <a:r>
-              <a:rPr sz="1100" lang="es">
-                <a:solidFill>
-                  <a:srgbClr val="333333"/>
-                </a:solidFill>
-                <a:latin typeface="Verdana"/>
-                <a:ea typeface="Verdana"/>
-                <a:cs typeface="Verdana"/>
-                <a:sym typeface="Verdana"/>
-              </a:rPr>
-              <a:t>Valores de color RGBA se admiten en IE9 +, Firefox 3+, Chrome, Safari y Opera en 10+.</a:t>
-            </a:r>
-          </a:p>
-          <a:p>
-            <a:pPr rtl="0" lvl="0">
-              <a:lnSpc>
-                <a:spcPct val="146103"/>
-              </a:lnSpc>
-              <a:spcBef>
-                <a:spcPts val="0"/>
-              </a:spcBef>
-              <a:spcAft>
-                <a:spcPts val="800"/>
-              </a:spcAft>
-              <a:buClr>
-                <a:schemeClr val="dk1"/>
-              </a:buClr>
-              <a:buSzPct val="100000"/>
-              <a:buFont typeface="Arial"/>
-              <a:buNone/>
-            </a:pPr>
-            <a:r>
-              <a:rPr sz="1100" lang="es">
-                <a:solidFill>
-                  <a:srgbClr val="333333"/>
-                </a:solidFill>
-                <a:latin typeface="Verdana"/>
-                <a:ea typeface="Verdana"/>
-                <a:cs typeface="Verdana"/>
-                <a:sym typeface="Verdana"/>
-              </a:rPr>
-              <a:t>Valores de color RGBA son una extensión de los valores de color RGB con un canal alfa - que especifica la opacidad del objeto.</a:t>
-            </a:r>
-          </a:p>
-          <a:p>
-            <a:pPr rtl="0" lvl="0">
-              <a:lnSpc>
-                <a:spcPct val="146103"/>
-              </a:lnSpc>
-              <a:spcBef>
-                <a:spcPts val="0"/>
-              </a:spcBef>
-              <a:spcAft>
-                <a:spcPts val="800"/>
-              </a:spcAft>
-              <a:buClr>
-                <a:schemeClr val="dk1"/>
-              </a:buClr>
-              <a:buSzPct val="100000"/>
-              <a:buFont typeface="Arial"/>
-              <a:buNone/>
-            </a:pPr>
-            <a:r>
-              <a:rPr sz="1100" lang="es">
-                <a:solidFill>
-                  <a:srgbClr val="333333"/>
-                </a:solidFill>
-                <a:latin typeface="Verdana"/>
-                <a:ea typeface="Verdana"/>
-                <a:cs typeface="Verdana"/>
-                <a:sym typeface="Verdana"/>
-              </a:rPr>
-              <a:t>Un valor de color RGBA se especifica con: RGBA (rojo, verde, azul, alfa). El parámetro alfa es un número entre 0.0 (totalmente transparente) y 1.0 (totalmente opaco).</a:t>
-            </a:r>
-          </a:p>
-          <a:p>
-            <a:pPr>
-              <a:spcBef>
-                <a:spcPts val="0"/>
-              </a:spcBef>
-              <a:buNone/>
-            </a:pPr>
-            <a:r>
-              <a:t/>
-            </a:r>
-            <a:endParaRPr/>
-          </a:p>
-        </p:txBody>
-      </p:sp>
-      <p:pic>
-        <p:nvPicPr>
-          <p:cNvPr id="59" name="Shape 59"/>
-          <p:cNvPicPr preferRelativeResize="0"/>
-          <p:nvPr/>
-        </p:nvPicPr>
-        <p:blipFill>
-          <a:blip r:embed="rId3">
-            <a:alphaModFix/>
-          </a:blip>
-          <a:stretch>
-            <a:fillRect/>
-          </a:stretch>
-        </p:blipFill>
-        <p:spPr>
-          <a:xfrm>
-            <a:off y="3426987" x="1000950"/>
-            <a:ext cy="1362075" cx="6705600"/>
+            <a:off x="457200" y="510775"/>
+            <a:ext cx="7440000" cy="857400"/>
           </a:xfrm>
           <a:prstGeom prst="rect">
             <a:avLst/>
@@ -4244,7 +6343,333 @@
             <a:noFill/>
           </a:ln>
         </p:spPr>
-      </p:pic>
+        <p:txBody>
+          <a:bodyPr anchorCtr="0" anchor="b" bIns="91425" lIns="91425" rIns="91425" tIns="91425">
+            <a:noAutofit/>
+          </a:bodyPr>
+          <a:lstStyle/>
+          <a:p>
+            <a:pPr lvl="0" marR="0" rtl="0" algn="l">
+              <a:lnSpc>
+                <a:spcPct val="100000"/>
+              </a:lnSpc>
+              <a:spcBef>
+                <a:spcPts val="0"/>
+              </a:spcBef>
+              <a:spcAft>
+                <a:spcPts val="0"/>
+              </a:spcAft>
+              <a:buNone/>
+            </a:pPr>
+            <a:r>
+              <a:t/>
+            </a:r>
+            <a:endParaRPr b="1" sz="3600">
+              <a:solidFill>
+                <a:srgbClr val="134F5C"/>
+              </a:solidFill>
+            </a:endParaRPr>
+          </a:p>
+          <a:p>
+            <a:pPr indent="-419100" lvl="0" marL="457200" marR="0" rtl="0" algn="l">
+              <a:lnSpc>
+                <a:spcPct val="100000"/>
+              </a:lnSpc>
+              <a:spcBef>
+                <a:spcPts val="0"/>
+              </a:spcBef>
+              <a:spcAft>
+                <a:spcPts val="0"/>
+              </a:spcAft>
+              <a:buClr>
+                <a:srgbClr val="FFFFFF"/>
+              </a:buClr>
+              <a:buFont typeface="Syncopate"/>
+              <a:buAutoNum type="arabicPeriod"/>
+            </a:pPr>
+            <a:r>
+              <a:t/>
+            </a:r>
+            <a:endParaRPr b="1" sz="3600">
+              <a:solidFill>
+                <a:srgbClr val="134F5C"/>
+              </a:solidFill>
+            </a:endParaRPr>
+          </a:p>
+          <a:p>
+            <a:pPr indent="-419100" lvl="0" marL="457200" marR="0" rtl="0" algn="l">
+              <a:lnSpc>
+                <a:spcPct val="100000"/>
+              </a:lnSpc>
+              <a:spcBef>
+                <a:spcPts val="0"/>
+              </a:spcBef>
+              <a:spcAft>
+                <a:spcPts val="0"/>
+              </a:spcAft>
+              <a:buClr>
+                <a:srgbClr val="134F5C"/>
+              </a:buClr>
+              <a:buSzPct val="83333"/>
+              <a:buFont typeface="Syncopate"/>
+              <a:buAutoNum type="arabicPeriod"/>
+            </a:pPr>
+            <a:r>
+              <a:rPr lang="es" sz="3600">
+                <a:solidFill>
+                  <a:srgbClr val="134F5C"/>
+                </a:solidFill>
+                <a:latin typeface="Syncopate"/>
+                <a:ea typeface="Syncopate"/>
+                <a:cs typeface="Syncopate"/>
+                <a:sym typeface="Syncopate"/>
+              </a:rPr>
+              <a:t>HEX(</a:t>
+            </a:r>
+            <a:r>
+              <a:rPr lang="es" sz="1800">
+                <a:solidFill>
+                  <a:srgbClr val="134F5C"/>
+                </a:solidFill>
+                <a:latin typeface="Syncopate"/>
+                <a:ea typeface="Syncopate"/>
+                <a:cs typeface="Syncopate"/>
+                <a:sym typeface="Syncopate"/>
+              </a:rPr>
+              <a:t>Colores hexadecimales</a:t>
+            </a:r>
+            <a:r>
+              <a:rPr lang="es" sz="3600">
+                <a:solidFill>
+                  <a:srgbClr val="134F5C"/>
+                </a:solidFill>
+                <a:latin typeface="Syncopate"/>
+                <a:ea typeface="Syncopate"/>
+                <a:cs typeface="Syncopate"/>
+                <a:sym typeface="Syncopate"/>
+              </a:rPr>
+              <a:t>)</a:t>
+            </a:r>
+          </a:p>
+        </p:txBody>
+      </p:sp>
+      <p:sp>
+        <p:nvSpPr>
+          <p:cNvPr id="54" name="Shape 54"/>
+          <p:cNvSpPr txBox="1"/>
+          <p:nvPr>
+            <p:ph idx="1" type="body"/>
+          </p:nvPr>
+        </p:nvSpPr>
+        <p:spPr>
+          <a:xfrm>
+            <a:off x="457200" y="1416950"/>
+            <a:ext cx="8472900" cy="3345600"/>
+          </a:xfrm>
+          <a:prstGeom prst="rect">
+            <a:avLst/>
+          </a:prstGeom>
+          <a:noFill/>
+          <a:ln>
+            <a:noFill/>
+          </a:ln>
+        </p:spPr>
+        <p:txBody>
+          <a:bodyPr anchorCtr="0" anchor="t" bIns="91425" lIns="91425" rIns="91425" tIns="91425">
+            <a:noAutofit/>
+          </a:bodyPr>
+          <a:lstStyle/>
+          <a:p>
+            <a:pPr indent="-317500" lvl="0" marL="457200" rtl="0">
+              <a:lnSpc>
+                <a:spcPct val="146103"/>
+              </a:lnSpc>
+              <a:spcBef>
+                <a:spcPts val="800"/>
+              </a:spcBef>
+              <a:buClr>
+                <a:srgbClr val="134F5C"/>
+              </a:buClr>
+              <a:buSzPct val="100000"/>
+              <a:buFont typeface="Verdana"/>
+              <a:buChar char="➔"/>
+            </a:pPr>
+            <a:r>
+              <a:rPr lang="es">
+                <a:solidFill>
+                  <a:srgbClr val="134F5C"/>
+                </a:solidFill>
+                <a:latin typeface="Verdana"/>
+                <a:ea typeface="Verdana"/>
+                <a:cs typeface="Verdana"/>
+                <a:sym typeface="Verdana"/>
+              </a:rPr>
+              <a:t>Un color hexadecimal se especifica con: #RRGGBB, donde el RR (red), GG (green) y BB (blue) estos especifican los componentes del color. Todos los valores deben estar entre 0 y FF.</a:t>
+            </a:r>
+          </a:p>
+          <a:p>
+            <a:pPr lvl="0" rtl="0">
+              <a:lnSpc>
+                <a:spcPct val="146103"/>
+              </a:lnSpc>
+              <a:spcBef>
+                <a:spcPts val="800"/>
+              </a:spcBef>
+              <a:buNone/>
+            </a:pPr>
+            <a:r>
+              <a:t/>
+            </a:r>
+            <a:endParaRPr>
+              <a:solidFill>
+                <a:srgbClr val="134F5C"/>
+              </a:solidFill>
+              <a:latin typeface="Verdana"/>
+              <a:ea typeface="Verdana"/>
+              <a:cs typeface="Verdana"/>
+              <a:sym typeface="Verdana"/>
+            </a:endParaRPr>
+          </a:p>
+          <a:p>
+            <a:pPr indent="-317500" lvl="0" marL="457200" rtl="0">
+              <a:lnSpc>
+                <a:spcPct val="146103"/>
+              </a:lnSpc>
+              <a:spcBef>
+                <a:spcPts val="800"/>
+              </a:spcBef>
+              <a:buClr>
+                <a:srgbClr val="134F5C"/>
+              </a:buClr>
+              <a:buSzPct val="100000"/>
+              <a:buFont typeface="Verdana"/>
+              <a:buChar char="➔"/>
+            </a:pPr>
+            <a:r>
+              <a:rPr lang="es">
+                <a:solidFill>
+                  <a:srgbClr val="134F5C"/>
+                </a:solidFill>
+                <a:latin typeface="Verdana"/>
+                <a:ea typeface="Verdana"/>
+                <a:cs typeface="Verdana"/>
+                <a:sym typeface="Verdana"/>
+              </a:rPr>
+              <a:t>Por ejemplo, el valor # 0000ff se representa como azul, debido a que el componente azul se establece en su valor más alto (FF) y los otros se establece en 0.</a:t>
+            </a:r>
+          </a:p>
+          <a:p>
+            <a:pPr rtl="0">
+              <a:lnSpc>
+                <a:spcPct val="146103"/>
+              </a:lnSpc>
+              <a:spcBef>
+                <a:spcPts val="800"/>
+              </a:spcBef>
+              <a:buNone/>
+            </a:pPr>
+            <a:r>
+              <a:t/>
+            </a:r>
+            <a:endParaRPr>
+              <a:solidFill>
+                <a:srgbClr val="134F5C"/>
+              </a:solidFill>
+              <a:latin typeface="Verdana"/>
+              <a:ea typeface="Verdana"/>
+              <a:cs typeface="Verdana"/>
+              <a:sym typeface="Verdana"/>
+            </a:endParaRPr>
+          </a:p>
+          <a:p>
+            <a:pPr indent="-317500" lvl="0" marL="457200" rtl="0">
+              <a:lnSpc>
+                <a:spcPct val="146103"/>
+              </a:lnSpc>
+              <a:spcBef>
+                <a:spcPts val="800"/>
+              </a:spcBef>
+              <a:buClr>
+                <a:srgbClr val="134F5C"/>
+              </a:buClr>
+              <a:buSzPct val="100000"/>
+              <a:buFont typeface="Verdana"/>
+              <a:buChar char="➔"/>
+            </a:pPr>
+            <a:r>
+              <a:rPr lang="es">
+                <a:solidFill>
+                  <a:srgbClr val="134F5C"/>
+                </a:solidFill>
+                <a:latin typeface="Verdana"/>
+                <a:ea typeface="Verdana"/>
+                <a:cs typeface="Verdana"/>
+                <a:sym typeface="Verdana"/>
+              </a:rPr>
+              <a:t>Valores de color hexadecimales son compatibles con todos los principales navegadores.</a:t>
+            </a:r>
+          </a:p>
+        </p:txBody>
+      </p:sp>
+      <p:sp>
+        <p:nvSpPr>
+          <p:cNvPr id="55" name="Shape 55"/>
+          <p:cNvSpPr txBox="1"/>
+          <p:nvPr>
+            <p:ph idx="2" type="title"/>
+          </p:nvPr>
+        </p:nvSpPr>
+        <p:spPr>
+          <a:xfrm>
+            <a:off x="5011875" y="5298900"/>
+            <a:ext cx="1955399" cy="513300"/>
+          </a:xfrm>
+          <a:prstGeom prst="rect">
+            <a:avLst/>
+          </a:prstGeom>
+          <a:noFill/>
+          <a:ln>
+            <a:noFill/>
+          </a:ln>
+        </p:spPr>
+        <p:txBody>
+          <a:bodyPr anchorCtr="0" anchor="b" bIns="91425" lIns="91425" rIns="91425" tIns="91425">
+            <a:noAutofit/>
+          </a:bodyPr>
+          <a:lstStyle/>
+          <a:p>
+            <a:pPr indent="0" lvl="0" marL="0" marR="0" rtl="0" algn="l">
+              <a:lnSpc>
+                <a:spcPct val="100000"/>
+              </a:lnSpc>
+              <a:spcBef>
+                <a:spcPts val="0"/>
+              </a:spcBef>
+              <a:spcAft>
+                <a:spcPts val="0"/>
+              </a:spcAft>
+              <a:buClr>
+                <a:schemeClr val="dk1"/>
+              </a:buClr>
+              <a:buSzPct val="25000"/>
+              <a:buFont typeface="Arial"/>
+              <a:buNone/>
+            </a:pPr>
+            <a:r>
+              <a:rPr lang="es" sz="2400">
+                <a:solidFill>
+                  <a:srgbClr val="134F5C"/>
+                </a:solidFill>
+                <a:latin typeface="Syncopate"/>
+                <a:ea typeface="Syncopate"/>
+                <a:cs typeface="Syncopate"/>
+                <a:sym typeface="Syncopate"/>
+              </a:rPr>
+              <a:t>EJEMPLO</a:t>
+            </a:r>
+          </a:p>
+        </p:txBody>
+      </p:sp>
     </p:spTree>
   </p:cSld>
   <p:clrMapOvr>
@@ -4261,21 +6686,21 @@
   <p:cSld>
     <p:spTree>
       <p:nvGrpSpPr>
-        <p:cNvPr id="63" name="Shape 63"/>
+        <p:cNvPr id="59" name="Shape 59"/>
         <p:cNvGrpSpPr/>
         <p:nvPr/>
       </p:nvGrpSpPr>
       <p:grpSpPr>
         <a:xfrm>
-          <a:off y="0" x="0"/>
-          <a:ext cy="0" cx="0"/>
-          <a:chOff y="0" x="0"/>
-          <a:chExt cy="0" cx="0"/>
+          <a:off x="0" y="0"/>
+          <a:ext cx="0" cy="0"/>
+          <a:chOff x="0" y="0"/>
+          <a:chExt cx="0" cy="0"/>
         </a:xfrm>
       </p:grpSpPr>
       <p:sp>
         <p:nvSpPr>
-          <p:cNvPr id="64" name="Shape 64"/>
+          <p:cNvPr id="60" name="Shape 60"/>
           <p:cNvSpPr txBox="1"/>
           <p:nvPr>
             <p:ph type="title"/>
@@ -4283,237 +6708,72 @@
         </p:nvSpPr>
         <p:spPr>
           <a:xfrm>
-            <a:off y="64128" x="457200"/>
-            <a:ext cy="857400" cx="8229600"/>
+            <a:off x="3135575" y="441900"/>
+            <a:ext cx="2861400" cy="758399"/>
           </a:xfrm>
           <a:prstGeom prst="rect">
             <a:avLst/>
           </a:prstGeom>
+          <a:noFill/>
+          <a:ln>
+            <a:noFill/>
+          </a:ln>
         </p:spPr>
         <p:txBody>
-          <a:bodyPr bIns="91425" rIns="91425" lIns="91425" tIns="91425" anchor="b" anchorCtr="0">
+          <a:bodyPr anchorCtr="0" anchor="b" bIns="91425" lIns="91425" rIns="91425" tIns="91425">
             <a:noAutofit/>
           </a:bodyPr>
           <a:lstStyle/>
           <a:p>
-            <a:pPr>
-              <a:spcBef>
-                <a:spcPts val="0"/>
-              </a:spcBef>
-              <a:buNone/>
-            </a:pPr>
-            <a:r>
-              <a:rPr lang="es"/>
-              <a:t>HSL</a:t>
-            </a:r>
-          </a:p>
-        </p:txBody>
-      </p:sp>
-      <p:sp>
-        <p:nvSpPr>
-          <p:cNvPr id="65" name="Shape 65"/>
-          <p:cNvSpPr txBox="1"/>
-          <p:nvPr>
-            <p:ph idx="1" type="body"/>
-          </p:nvPr>
-        </p:nvSpPr>
-        <p:spPr>
-          <a:xfrm>
-            <a:off y="588875" x="457200"/>
-            <a:ext cy="3725699" cx="8229600"/>
-          </a:xfrm>
-          <a:prstGeom prst="rect">
-            <a:avLst/>
-          </a:prstGeom>
-        </p:spPr>
-        <p:txBody>
-          <a:bodyPr bIns="91425" rIns="91425" lIns="91425" tIns="91425" anchor="t" anchorCtr="0">
-            <a:noAutofit/>
-          </a:bodyPr>
-          <a:lstStyle/>
-          <a:p>
-            <a:pPr rtl="0" lvl="0">
-              <a:lnSpc>
-                <a:spcPct val="110000"/>
-              </a:lnSpc>
-              <a:spcBef>
-                <a:spcPts val="1500"/>
+            <a:pPr indent="0" lvl="0" marL="0" marR="0" rtl="0" algn="l">
+              <a:lnSpc>
+                <a:spcPct val="100000"/>
+              </a:lnSpc>
+              <a:spcBef>
+                <a:spcPts val="0"/>
               </a:spcBef>
               <a:spcAft>
-                <a:spcPts val="800"/>
+                <a:spcPts val="0"/>
               </a:spcAft>
               <a:buClr>
                 <a:schemeClr val="dk1"/>
               </a:buClr>
-              <a:buSzPct val="47826"/>
+              <a:buSzPct val="25000"/>
               <a:buFont typeface="Arial"/>
               <a:buNone/>
             </a:pPr>
             <a:r>
-              <a:rPr b="1" sz="2300" lang="es">
+              <a:rPr lang="es" sz="3000">
                 <a:solidFill>
-                  <a:srgbClr val="333333"/>
+                  <a:srgbClr val="134F5C"/>
                 </a:solidFill>
+                <a:latin typeface="Syncopate"/>
+                <a:ea typeface="Syncopate"/>
+                <a:cs typeface="Syncopate"/>
+                <a:sym typeface="Syncopate"/>
               </a:rPr>
-              <a:t>HSL Colores</a:t>
-            </a:r>
-          </a:p>
-          <a:p>
-            <a:pPr rtl="0" lvl="0">
-              <a:lnSpc>
-                <a:spcPct val="146103"/>
-              </a:lnSpc>
-              <a:spcBef>
-                <a:spcPts val="0"/>
-              </a:spcBef>
-              <a:spcAft>
-                <a:spcPts val="800"/>
-              </a:spcAft>
-              <a:buClr>
-                <a:schemeClr val="dk1"/>
-              </a:buClr>
-              <a:buSzPct val="100000"/>
-              <a:buFont typeface="Arial"/>
-              <a:buNone/>
-            </a:pPr>
-            <a:r>
-              <a:rPr sz="1100" lang="es">
-                <a:solidFill>
-                  <a:srgbClr val="333333"/>
-                </a:solidFill>
-                <a:latin typeface="Verdana"/>
-                <a:ea typeface="Verdana"/>
-                <a:cs typeface="Verdana"/>
-                <a:sym typeface="Verdana"/>
-              </a:rPr>
-              <a:t>Valores de color HSL se admiten en IE9 +, Firefox, Chrome, Safari y Opera en 10+.</a:t>
-            </a:r>
-          </a:p>
-          <a:p>
-            <a:pPr rtl="0" lvl="0">
-              <a:lnSpc>
-                <a:spcPct val="146103"/>
-              </a:lnSpc>
-              <a:spcBef>
-                <a:spcPts val="0"/>
-              </a:spcBef>
-              <a:spcAft>
-                <a:spcPts val="800"/>
-              </a:spcAft>
-              <a:buClr>
-                <a:schemeClr val="dk1"/>
-              </a:buClr>
-              <a:buSzPct val="100000"/>
-              <a:buFont typeface="Arial"/>
-              <a:buNone/>
-            </a:pPr>
-            <a:r>
-              <a:rPr sz="1100" lang="es">
-                <a:solidFill>
-                  <a:srgbClr val="333333"/>
-                </a:solidFill>
-                <a:latin typeface="Verdana"/>
-                <a:ea typeface="Verdana"/>
-                <a:cs typeface="Verdana"/>
-                <a:sym typeface="Verdana"/>
-              </a:rPr>
-              <a:t>HSL significa matiz, saturación y luminosidad - y representa una representación cilíndrica coordenada de colores.</a:t>
-            </a:r>
-          </a:p>
-          <a:p>
-            <a:pPr rtl="0" lvl="0">
-              <a:lnSpc>
-                <a:spcPct val="146103"/>
-              </a:lnSpc>
-              <a:spcBef>
-                <a:spcPts val="0"/>
-              </a:spcBef>
-              <a:spcAft>
-                <a:spcPts val="800"/>
-              </a:spcAft>
-              <a:buClr>
-                <a:schemeClr val="dk1"/>
-              </a:buClr>
-              <a:buSzPct val="100000"/>
-              <a:buFont typeface="Arial"/>
-              <a:buNone/>
-            </a:pPr>
-            <a:r>
-              <a:rPr sz="1100" lang="es">
-                <a:solidFill>
-                  <a:srgbClr val="333333"/>
-                </a:solidFill>
-                <a:latin typeface="Verdana"/>
-                <a:ea typeface="Verdana"/>
-                <a:cs typeface="Verdana"/>
-                <a:sym typeface="Verdana"/>
-              </a:rPr>
-              <a:t>Un valor de color HSL se especifica con: HSL (tono, saturación, luminosidad).</a:t>
-            </a:r>
-          </a:p>
-          <a:p>
-            <a:pPr rtl="0" lvl="0">
-              <a:lnSpc>
-                <a:spcPct val="146103"/>
-              </a:lnSpc>
-              <a:spcBef>
-                <a:spcPts val="0"/>
-              </a:spcBef>
-              <a:spcAft>
-                <a:spcPts val="800"/>
-              </a:spcAft>
-              <a:buClr>
-                <a:schemeClr val="dk1"/>
-              </a:buClr>
-              <a:buSzPct val="100000"/>
-              <a:buFont typeface="Arial"/>
-              <a:buNone/>
-            </a:pPr>
-            <a:r>
-              <a:rPr sz="1100" lang="es">
-                <a:solidFill>
-                  <a:srgbClr val="333333"/>
-                </a:solidFill>
-                <a:latin typeface="Verdana"/>
-                <a:ea typeface="Verdana"/>
-                <a:cs typeface="Verdana"/>
-                <a:sym typeface="Verdana"/>
-              </a:rPr>
-              <a:t>Hue es una medida de la rueda de color (de 0 a 360) - 0 (o 360) es de color rojo, 120 es de color verde, 240 es de color azul. La saturación es un valor porcentual; 0% significa un tono de gris y el 100% es el color. La ligereza es también un porcentaje; 0% es negro, 100% es de color blanco.</a:t>
-            </a:r>
-          </a:p>
-          <a:p>
-            <a:pPr>
-              <a:spcBef>
-                <a:spcPts val="0"/>
-              </a:spcBef>
-              <a:buNone/>
-            </a:pPr>
-            <a:r>
-              <a:t/>
-            </a:r>
-            <a:endParaRPr/>
+              <a:t>EJEMPLO</a:t>
+            </a:r>
           </a:p>
         </p:txBody>
       </p:sp>
       <p:pic>
         <p:nvPicPr>
-          <p:cNvPr id="66" name="Shape 66"/>
+          <p:cNvPr id="61" name="Shape 61"/>
           <p:cNvPicPr preferRelativeResize="0"/>
           <p:nvPr/>
         </p:nvPicPr>
-        <p:blipFill>
+        <p:blipFill rotWithShape="1">
           <a:blip r:embed="rId3">
             <a:alphaModFix/>
           </a:blip>
-          <a:stretch>
-            <a:fillRect/>
-          </a:stretch>
+          <a:srcRect b="0" l="0" r="0" t="21482"/>
+          <a:stretch/>
         </p:blipFill>
         <p:spPr>
           <a:xfrm>
-            <a:off y="3409600" x="1116237"/>
-            <a:ext cy="1581150" cx="6715125"/>
+            <a:off x="422500" y="1828800"/>
+            <a:ext cx="11961899" cy="1971300"/>
           </a:xfrm>
           <a:prstGeom prst="rect">
             <a:avLst/>
@@ -4540,21 +6800,21 @@
   <p:cSld>
     <p:spTree>
       <p:nvGrpSpPr>
-        <p:cNvPr id="70" name="Shape 70"/>
+        <p:cNvPr id="65" name="Shape 65"/>
         <p:cNvGrpSpPr/>
         <p:nvPr/>
       </p:nvGrpSpPr>
       <p:grpSpPr>
         <a:xfrm>
-          <a:off y="0" x="0"/>
-          <a:ext cy="0" cx="0"/>
-          <a:chOff y="0" x="0"/>
-          <a:chExt cy="0" cx="0"/>
+          <a:off x="0" y="0"/>
+          <a:ext cx="0" cy="0"/>
+          <a:chOff x="0" y="0"/>
+          <a:chExt cx="0" cy="0"/>
         </a:xfrm>
       </p:grpSpPr>
       <p:sp>
         <p:nvSpPr>
-          <p:cNvPr id="71" name="Shape 71"/>
+          <p:cNvPr id="66" name="Shape 66"/>
           <p:cNvSpPr txBox="1"/>
           <p:nvPr>
             <p:ph type="title"/>
@@ -4562,35 +6822,106 @@
         </p:nvSpPr>
         <p:spPr>
           <a:xfrm>
-            <a:off y="107778" x="457200"/>
-            <a:ext cy="857400" cx="8229600"/>
+            <a:off x="457200" y="205975"/>
+            <a:ext cx="7440000" cy="857400"/>
           </a:xfrm>
           <a:prstGeom prst="rect">
             <a:avLst/>
           </a:prstGeom>
+          <a:noFill/>
+          <a:ln>
+            <a:noFill/>
+          </a:ln>
         </p:spPr>
         <p:txBody>
-          <a:bodyPr bIns="91425" rIns="91425" lIns="91425" tIns="91425" anchor="b" anchorCtr="0">
+          <a:bodyPr anchorCtr="0" anchor="b" bIns="91425" lIns="91425" rIns="91425" tIns="91425">
             <a:noAutofit/>
           </a:bodyPr>
           <a:lstStyle/>
           <a:p>
-            <a:pPr>
-              <a:spcBef>
-                <a:spcPts val="0"/>
-              </a:spcBef>
-              <a:buNone/>
-            </a:pPr>
-            <a:r>
-              <a:rPr lang="es"/>
-              <a:t>hsla</a:t>
+            <a:pPr lvl="0" marR="0" rtl="0" algn="l">
+              <a:lnSpc>
+                <a:spcPct val="100000"/>
+              </a:lnSpc>
+              <a:spcBef>
+                <a:spcPts val="0"/>
+              </a:spcBef>
+              <a:spcAft>
+                <a:spcPts val="0"/>
+              </a:spcAft>
+              <a:buNone/>
+            </a:pPr>
+            <a:r>
+              <a:t/>
+            </a:r>
+            <a:endParaRPr b="1" sz="3600">
+              <a:solidFill>
+                <a:srgbClr val="134F5C"/>
+              </a:solidFill>
+            </a:endParaRPr>
+          </a:p>
+          <a:p>
+            <a:pPr indent="-419100" lvl="0" marL="457200" marR="0" rtl="0" algn="l">
+              <a:lnSpc>
+                <a:spcPct val="100000"/>
+              </a:lnSpc>
+              <a:spcBef>
+                <a:spcPts val="0"/>
+              </a:spcBef>
+              <a:spcAft>
+                <a:spcPts val="0"/>
+              </a:spcAft>
+              <a:buClr>
+                <a:srgbClr val="FFFFFF"/>
+              </a:buClr>
+              <a:buFont typeface="Syncopate"/>
+              <a:buAutoNum type="arabicPeriod"/>
+            </a:pPr>
+            <a:r>
+              <a:t/>
+            </a:r>
+            <a:endParaRPr b="1" sz="3600">
+              <a:solidFill>
+                <a:srgbClr val="134F5C"/>
+              </a:solidFill>
+            </a:endParaRPr>
+          </a:p>
+          <a:p>
+            <a:pPr indent="-419100" lvl="0" marL="457200" marR="0" rtl="0" algn="l">
+              <a:lnSpc>
+                <a:spcPct val="100000"/>
+              </a:lnSpc>
+              <a:spcBef>
+                <a:spcPts val="0"/>
+              </a:spcBef>
+              <a:spcAft>
+                <a:spcPts val="0"/>
+              </a:spcAft>
+              <a:buClr>
+                <a:srgbClr val="134F5C"/>
+              </a:buClr>
+              <a:buSzPct val="83333"/>
+              <a:buFont typeface="Syncopate"/>
+              <a:buAutoNum type="arabicPeriod"/>
+            </a:pPr>
+            <a:r>
+              <a:rPr lang="es" sz="3600">
+                <a:solidFill>
+                  <a:srgbClr val="134F5C"/>
+                </a:solidFill>
+                <a:latin typeface="Syncopate"/>
+                <a:ea typeface="Syncopate"/>
+                <a:cs typeface="Syncopate"/>
+                <a:sym typeface="Syncopate"/>
+              </a:rPr>
+              <a:t>RGB</a:t>
             </a:r>
           </a:p>
         </p:txBody>
       </p:sp>
       <p:sp>
         <p:nvSpPr>
-          <p:cNvPr id="72" name="Shape 72"/>
+          <p:cNvPr id="67" name="Shape 67"/>
           <p:cNvSpPr txBox="1"/>
           <p:nvPr>
             <p:ph idx="1" type="body"/>
@@ -4598,65 +6929,51 @@
         </p:nvSpPr>
         <p:spPr>
           <a:xfrm>
-            <a:off y="708900" x="457200"/>
-            <a:ext cy="3725699" cx="8229600"/>
+            <a:off x="457200" y="959750"/>
+            <a:ext cx="8472900" cy="3992400"/>
           </a:xfrm>
           <a:prstGeom prst="rect">
             <a:avLst/>
           </a:prstGeom>
+          <a:noFill/>
+          <a:ln>
+            <a:noFill/>
+          </a:ln>
         </p:spPr>
         <p:txBody>
-          <a:bodyPr bIns="91425" rIns="91425" lIns="91425" tIns="91425" anchor="t" anchorCtr="0">
+          <a:bodyPr anchorCtr="0" anchor="t" bIns="91425" lIns="91425" rIns="91425" tIns="91425">
             <a:noAutofit/>
           </a:bodyPr>
           <a:lstStyle/>
           <a:p>
-            <a:pPr rtl="0" lvl="0">
-              <a:lnSpc>
-                <a:spcPct val="110000"/>
-              </a:lnSpc>
-              <a:spcBef>
-                <a:spcPts val="1500"/>
-              </a:spcBef>
-              <a:spcAft>
+            <a:pPr indent="-317500" lvl="0" marL="457200" rtl="0">
+              <a:lnSpc>
+                <a:spcPct val="146103"/>
+              </a:lnSpc>
+              <a:spcBef>
                 <a:spcPts val="800"/>
-              </a:spcAft>
-              <a:buClr>
-                <a:schemeClr val="dk1"/>
-              </a:buClr>
-              <a:buSzPct val="47826"/>
-              <a:buFont typeface="Arial"/>
-              <a:buNone/>
-            </a:pPr>
-            <a:r>
-              <a:rPr b="1" sz="2300" lang="es">
+              </a:spcBef>
+              <a:buClr>
+                <a:srgbClr val="134F5C"/>
+              </a:buClr>
+              <a:buSzPct val="100000"/>
+              <a:buFont typeface="Verdana"/>
+              <a:buChar char="➔"/>
+            </a:pPr>
+            <a:r>
+              <a:rPr lang="es">
                 <a:solidFill>
-                  <a:srgbClr val="333333"/>
+                  <a:srgbClr val="134F5C"/>
                 </a:solidFill>
+                <a:latin typeface="Verdana"/>
+                <a:ea typeface="Verdana"/>
+                <a:cs typeface="Verdana"/>
+                <a:sym typeface="Verdana"/>
               </a:rPr>
-              <a:t>HSLA Colores</a:t>
-            </a:r>
-          </a:p>
-          <a:p>
-            <a:pPr rtl="0" lvl="0">
-              <a:lnSpc>
-                <a:spcPct val="146103"/>
-              </a:lnSpc>
-              <a:spcBef>
-                <a:spcPts val="0"/>
-              </a:spcBef>
-              <a:spcAft>
-                <a:spcPts val="800"/>
-              </a:spcAft>
-              <a:buClr>
-                <a:schemeClr val="dk1"/>
-              </a:buClr>
-              <a:buSzPct val="100000"/>
-              <a:buFont typeface="Arial"/>
-              <a:buNone/>
-            </a:pPr>
-            <a:r>
-              <a:rPr sz="1100" lang="es">
+              <a:t>Un valor de color RGB se especifica con: RGB (rojo, verde, azul). Cada parámetro define la intensidad del color y puede ser un número entero entre 0 y 255 o un valor de porcentaje (de 0% a 100%)</a:t>
+            </a:r>
+            <a:r>
+              <a:rPr lang="es" sz="1100">
                 <a:solidFill>
                   <a:srgbClr val="333333"/>
                 </a:solidFill>
@@ -4665,82 +6982,248 @@
                 <a:cs typeface="Verdana"/>
                 <a:sym typeface="Verdana"/>
               </a:rPr>
-              <a:t>Valores de color HSLA se admiten en IE9 +, Firefox 3+, Chrome, Safari y Opera en 10+.</a:t>
-            </a:r>
-          </a:p>
-          <a:p>
-            <a:pPr rtl="0" lvl="0">
+              <a:t>.</a:t>
+            </a:r>
+          </a:p>
+          <a:p>
+            <a:pPr lvl="0" rtl="0">
               <a:lnSpc>
                 <a:spcPct val="146103"/>
               </a:lnSpc>
               <a:spcBef>
-                <a:spcPts val="0"/>
-              </a:spcBef>
-              <a:spcAft>
                 <a:spcPts val="800"/>
-              </a:spcAft>
-              <a:buClr>
-                <a:schemeClr val="dk1"/>
+              </a:spcBef>
+              <a:buNone/>
+            </a:pPr>
+            <a:r>
+              <a:t/>
+            </a:r>
+            <a:endParaRPr sz="600">
+              <a:solidFill>
+                <a:srgbClr val="134F5C"/>
+              </a:solidFill>
+              <a:latin typeface="Verdana"/>
+              <a:ea typeface="Verdana"/>
+              <a:cs typeface="Verdana"/>
+              <a:sym typeface="Verdana"/>
+            </a:endParaRPr>
+          </a:p>
+          <a:p>
+            <a:pPr indent="-317500" lvl="0" marL="457200" rtl="0">
+              <a:lnSpc>
+                <a:spcPct val="146103"/>
+              </a:lnSpc>
+              <a:spcBef>
+                <a:spcPts val="800"/>
+              </a:spcBef>
+              <a:buClr>
+                <a:srgbClr val="134F5C"/>
               </a:buClr>
               <a:buSzPct val="100000"/>
-              <a:buFont typeface="Arial"/>
-              <a:buNone/>
-            </a:pPr>
-            <a:r>
-              <a:rPr sz="1100" lang="es">
+              <a:buFont typeface="Verdana"/>
+              <a:buChar char="➔"/>
+            </a:pPr>
+            <a:r>
+              <a:rPr lang="es">
                 <a:solidFill>
-                  <a:srgbClr val="333333"/>
+                  <a:srgbClr val="134F5C"/>
                 </a:solidFill>
                 <a:latin typeface="Verdana"/>
                 <a:ea typeface="Verdana"/>
                 <a:cs typeface="Verdana"/>
                 <a:sym typeface="Verdana"/>
               </a:rPr>
-              <a:t>Valores de color HSLA son una extensión de los valores de color HSL con un canal alfa - que especifica la opacidad del objeto.</a:t>
-            </a:r>
-          </a:p>
-          <a:p>
-            <a:pPr rtl="0" lvl="0">
+              <a:t>Por ejemplo, el rgb (0,0,255) valor se representa como azul, porque el parámetro azul se establece en su valor más alto (255) y los otros se establece en 0.</a:t>
+            </a:r>
+          </a:p>
+          <a:p>
+            <a:pPr lvl="0" rtl="0">
               <a:lnSpc>
                 <a:spcPct val="146103"/>
               </a:lnSpc>
               <a:spcBef>
-                <a:spcPts val="0"/>
-              </a:spcBef>
-              <a:spcAft>
                 <a:spcPts val="800"/>
-              </a:spcAft>
-              <a:buClr>
-                <a:schemeClr val="dk1"/>
+              </a:spcBef>
+              <a:buNone/>
+            </a:pPr>
+            <a:r>
+              <a:t/>
+            </a:r>
+            <a:endParaRPr sz="600">
+              <a:solidFill>
+                <a:srgbClr val="134F5C"/>
+              </a:solidFill>
+              <a:latin typeface="Verdana"/>
+              <a:ea typeface="Verdana"/>
+              <a:cs typeface="Verdana"/>
+              <a:sym typeface="Verdana"/>
+            </a:endParaRPr>
+          </a:p>
+          <a:p>
+            <a:pPr indent="-317500" lvl="0" marL="457200" rtl="0">
+              <a:lnSpc>
+                <a:spcPct val="146103"/>
+              </a:lnSpc>
+              <a:spcBef>
+                <a:spcPts val="800"/>
+              </a:spcBef>
+              <a:buClr>
+                <a:srgbClr val="134F5C"/>
               </a:buClr>
               <a:buSzPct val="100000"/>
-              <a:buFont typeface="Arial"/>
-              <a:buNone/>
-            </a:pPr>
-            <a:r>
-              <a:rPr sz="1100" lang="es">
+              <a:buFont typeface="Verdana"/>
+              <a:buChar char="➔"/>
+            </a:pPr>
+            <a:r>
+              <a:rPr lang="es">
                 <a:solidFill>
-                  <a:srgbClr val="333333"/>
+                  <a:srgbClr val="134F5C"/>
                 </a:solidFill>
                 <a:latin typeface="Verdana"/>
                 <a:ea typeface="Verdana"/>
                 <a:cs typeface="Verdana"/>
                 <a:sym typeface="Verdana"/>
               </a:rPr>
-              <a:t>Un valor de color HSLA se especifica con: HSLA (tono, saturación, luminosidad, alfa), donde el parámetro alfa define la opacidad. El parámetro alfa es un número entre 0.0 (totalmente transparente) y 1.0 (totalmente opaco).</a:t>
-            </a:r>
-          </a:p>
-          <a:p>
-            <a:pPr>
-              <a:spcBef>
-                <a:spcPts val="0"/>
+              <a:t>Valores de color hexadecimales son compatibles con todos los principales navegadores.</a:t>
+            </a:r>
+          </a:p>
+          <a:p>
+            <a:pPr lvl="0" rtl="0">
+              <a:lnSpc>
+                <a:spcPct val="146103"/>
+              </a:lnSpc>
+              <a:spcBef>
+                <a:spcPts val="800"/>
               </a:spcBef>
               <a:buNone/>
             </a:pPr>
             <a:r>
               <a:t/>
             </a:r>
-            <a:endParaRPr/>
+            <a:endParaRPr sz="600">
+              <a:solidFill>
+                <a:srgbClr val="134F5C"/>
+              </a:solidFill>
+              <a:latin typeface="Verdana"/>
+              <a:ea typeface="Verdana"/>
+              <a:cs typeface="Verdana"/>
+              <a:sym typeface="Verdana"/>
+            </a:endParaRPr>
+          </a:p>
+          <a:p>
+            <a:pPr indent="-317500" lvl="0" marL="457200" rtl="0">
+              <a:lnSpc>
+                <a:spcPct val="146103"/>
+              </a:lnSpc>
+              <a:spcBef>
+                <a:spcPts val="800"/>
+              </a:spcBef>
+              <a:buClr>
+                <a:srgbClr val="134F5C"/>
+              </a:buClr>
+              <a:buSzPct val="100000"/>
+              <a:buFont typeface="Verdana"/>
+              <a:buChar char="➔"/>
+            </a:pPr>
+            <a:r>
+              <a:rPr lang="es">
+                <a:solidFill>
+                  <a:srgbClr val="134F5C"/>
+                </a:solidFill>
+                <a:latin typeface="Verdana"/>
+                <a:ea typeface="Verdana"/>
+                <a:cs typeface="Verdana"/>
+                <a:sym typeface="Verdana"/>
+              </a:rPr>
+              <a:t>Además, los siguientes valores definen igual de color: rgb (0,0,255) y RGB (0%, 0%, 100%).</a:t>
+            </a:r>
+          </a:p>
+        </p:txBody>
+      </p:sp>
+    </p:spTree>
+  </p:cSld>
+  <p:clrMapOvr>
+    <a:masterClrMapping/>
+  </p:clrMapOvr>
+  <p:transition spd="slow">
+    <p:cut/>
+  </p:transition>
+</p:sld>
+</file>
+
+<file path=ppt/slides/slide8.xml><?xml version="1.0" encoding="utf-8"?>
+<p:sld xmlns:a="http://schemas.openxmlformats.org/drawingml/2006/main" xmlns:r="http://schemas.openxmlformats.org/officeDocument/2006/relationships" xmlns:mc="http://schemas.openxmlformats.org/markup-compatibility/2006" xmlns:mv="urn:schemas-microsoft-com:mac:vml" xmlns:p="http://schemas.openxmlformats.org/presentationml/2006/main" xmlns:c="http://schemas.openxmlformats.org/drawingml/2006/chart" xmlns:dgm="http://schemas.openxmlformats.org/drawingml/2006/diagram" xmlns:o="urn:schemas-microsoft-com:office:office" xmlns:v="urn:schemas-microsoft-com:vml" xmlns:pvml="urn:schemas-microsoft-com:office:powerpoint" xmlns:com="http://schemas.openxmlformats.org/drawingml/2006/compatibility" xmlns:p14="http://schemas.microsoft.com/office/powerpoint/2010/main">
+  <p:cSld>
+    <p:spTree>
+      <p:nvGrpSpPr>
+        <p:cNvPr id="71" name="Shape 71"/>
+        <p:cNvGrpSpPr/>
+        <p:nvPr/>
+      </p:nvGrpSpPr>
+      <p:grpSpPr>
+        <a:xfrm>
+          <a:off x="0" y="0"/>
+          <a:ext cx="0" cy="0"/>
+          <a:chOff x="0" y="0"/>
+          <a:chExt cx="0" cy="0"/>
+        </a:xfrm>
+      </p:grpSpPr>
+      <p:sp>
+        <p:nvSpPr>
+          <p:cNvPr id="72" name="Shape 72"/>
+          <p:cNvSpPr txBox="1"/>
+          <p:nvPr>
+            <p:ph type="title"/>
+          </p:nvPr>
+        </p:nvSpPr>
+        <p:spPr>
+          <a:xfrm>
+            <a:off x="3135575" y="441900"/>
+            <a:ext cx="2861400" cy="758399"/>
+          </a:xfrm>
+          <a:prstGeom prst="rect">
+            <a:avLst/>
+          </a:prstGeom>
+          <a:noFill/>
+          <a:ln>
+            <a:noFill/>
+          </a:ln>
+        </p:spPr>
+        <p:txBody>
+          <a:bodyPr anchorCtr="0" anchor="b" bIns="91425" lIns="91425" rIns="91425" tIns="91425">
+            <a:noAutofit/>
+          </a:bodyPr>
+          <a:lstStyle/>
+          <a:p>
+            <a:pPr indent="0" lvl="0" marL="0" marR="0" rtl="0" algn="l">
+              <a:lnSpc>
+                <a:spcPct val="100000"/>
+              </a:lnSpc>
+              <a:spcBef>
+                <a:spcPts val="0"/>
+              </a:spcBef>
+              <a:spcAft>
+                <a:spcPts val="0"/>
+              </a:spcAft>
+              <a:buClr>
+                <a:schemeClr val="dk1"/>
+              </a:buClr>
+              <a:buSzPct val="25000"/>
+              <a:buFont typeface="Arial"/>
+              <a:buNone/>
+            </a:pPr>
+            <a:r>
+              <a:rPr lang="es" sz="3000">
+                <a:solidFill>
+                  <a:srgbClr val="134F5C"/>
+                </a:solidFill>
+                <a:latin typeface="Syncopate"/>
+                <a:ea typeface="Syncopate"/>
+                <a:cs typeface="Syncopate"/>
+                <a:sym typeface="Syncopate"/>
+              </a:rPr>
+              <a:t>EJEMPLO</a:t>
+            </a:r>
           </a:p>
         </p:txBody>
       </p:sp>
@@ -4750,18 +7233,17 @@
           <p:cNvPicPr preferRelativeResize="0"/>
           <p:nvPr/>
         </p:nvPicPr>
-        <p:blipFill>
+        <p:blipFill rotWithShape="1">
           <a:blip r:embed="rId3">
             <a:alphaModFix/>
           </a:blip>
-          <a:stretch>
-            <a:fillRect/>
-          </a:stretch>
+          <a:srcRect b="0" l="0" r="0" t="23739"/>
+          <a:stretch/>
         </p:blipFill>
         <p:spPr>
           <a:xfrm>
-            <a:off y="3057512" x="1749700"/>
-            <a:ext cy="2085975" cx="6648450"/>
+            <a:off x="320625" y="1950100"/>
+            <a:ext cx="12850500" cy="2027400"/>
           </a:xfrm>
           <a:prstGeom prst="rect">
             <a:avLst/>
@@ -4772,6 +7254,299 @@
           </a:ln>
         </p:spPr>
       </p:pic>
+    </p:spTree>
+  </p:cSld>
+  <p:clrMapOvr>
+    <a:masterClrMapping/>
+  </p:clrMapOvr>
+  <p:transition spd="slow">
+    <p:cut/>
+  </p:transition>
+</p:sld>
+</file>
+
+<file path=ppt/slides/slide9.xml><?xml version="1.0" encoding="utf-8"?>
+<p:sld xmlns:a="http://schemas.openxmlformats.org/drawingml/2006/main" xmlns:r="http://schemas.openxmlformats.org/officeDocument/2006/relationships" xmlns:mc="http://schemas.openxmlformats.org/markup-compatibility/2006" xmlns:mv="urn:schemas-microsoft-com:mac:vml" xmlns:p="http://schemas.openxmlformats.org/presentationml/2006/main" xmlns:c="http://schemas.openxmlformats.org/drawingml/2006/chart" xmlns:dgm="http://schemas.openxmlformats.org/drawingml/2006/diagram" xmlns:o="urn:schemas-microsoft-com:office:office" xmlns:v="urn:schemas-microsoft-com:vml" xmlns:pvml="urn:schemas-microsoft-com:office:powerpoint" xmlns:com="http://schemas.openxmlformats.org/drawingml/2006/compatibility" xmlns:p14="http://schemas.microsoft.com/office/powerpoint/2010/main">
+  <p:cSld>
+    <p:spTree>
+      <p:nvGrpSpPr>
+        <p:cNvPr id="77" name="Shape 77"/>
+        <p:cNvGrpSpPr/>
+        <p:nvPr/>
+      </p:nvGrpSpPr>
+      <p:grpSpPr>
+        <a:xfrm>
+          <a:off x="0" y="0"/>
+          <a:ext cx="0" cy="0"/>
+          <a:chOff x="0" y="0"/>
+          <a:chExt cx="0" cy="0"/>
+        </a:xfrm>
+      </p:grpSpPr>
+      <p:sp>
+        <p:nvSpPr>
+          <p:cNvPr id="78" name="Shape 78"/>
+          <p:cNvSpPr txBox="1"/>
+          <p:nvPr>
+            <p:ph type="title"/>
+          </p:nvPr>
+        </p:nvSpPr>
+        <p:spPr>
+          <a:xfrm>
+            <a:off x="457200" y="510775"/>
+            <a:ext cx="7440000" cy="857400"/>
+          </a:xfrm>
+          <a:prstGeom prst="rect">
+            <a:avLst/>
+          </a:prstGeom>
+          <a:noFill/>
+          <a:ln>
+            <a:noFill/>
+          </a:ln>
+        </p:spPr>
+        <p:txBody>
+          <a:bodyPr anchorCtr="0" anchor="b" bIns="91425" lIns="91425" rIns="91425" tIns="91425">
+            <a:noAutofit/>
+          </a:bodyPr>
+          <a:lstStyle/>
+          <a:p>
+            <a:pPr lvl="0" marR="0" rtl="0" algn="l">
+              <a:lnSpc>
+                <a:spcPct val="100000"/>
+              </a:lnSpc>
+              <a:spcBef>
+                <a:spcPts val="0"/>
+              </a:spcBef>
+              <a:spcAft>
+                <a:spcPts val="0"/>
+              </a:spcAft>
+              <a:buNone/>
+            </a:pPr>
+            <a:r>
+              <a:t/>
+            </a:r>
+            <a:endParaRPr b="1" sz="3600">
+              <a:solidFill>
+                <a:srgbClr val="134F5C"/>
+              </a:solidFill>
+            </a:endParaRPr>
+          </a:p>
+          <a:p>
+            <a:pPr indent="-419100" lvl="0" marL="457200" marR="0" rtl="0" algn="l">
+              <a:lnSpc>
+                <a:spcPct val="100000"/>
+              </a:lnSpc>
+              <a:spcBef>
+                <a:spcPts val="0"/>
+              </a:spcBef>
+              <a:spcAft>
+                <a:spcPts val="0"/>
+              </a:spcAft>
+              <a:buClr>
+                <a:srgbClr val="FFFFFF"/>
+              </a:buClr>
+              <a:buFont typeface="Syncopate"/>
+              <a:buAutoNum type="arabicPeriod"/>
+            </a:pPr>
+            <a:r>
+              <a:t/>
+            </a:r>
+            <a:endParaRPr b="1" sz="3600">
+              <a:solidFill>
+                <a:srgbClr val="134F5C"/>
+              </a:solidFill>
+            </a:endParaRPr>
+          </a:p>
+          <a:p>
+            <a:pPr indent="-419100" lvl="0" marL="457200" marR="0" rtl="0" algn="l">
+              <a:lnSpc>
+                <a:spcPct val="100000"/>
+              </a:lnSpc>
+              <a:spcBef>
+                <a:spcPts val="0"/>
+              </a:spcBef>
+              <a:spcAft>
+                <a:spcPts val="0"/>
+              </a:spcAft>
+              <a:buClr>
+                <a:srgbClr val="134F5C"/>
+              </a:buClr>
+              <a:buSzPct val="83333"/>
+              <a:buFont typeface="Syncopate"/>
+              <a:buAutoNum type="arabicPeriod"/>
+            </a:pPr>
+            <a:r>
+              <a:rPr lang="es" sz="3600">
+                <a:solidFill>
+                  <a:srgbClr val="134F5C"/>
+                </a:solidFill>
+                <a:latin typeface="Syncopate"/>
+                <a:ea typeface="Syncopate"/>
+                <a:cs typeface="Syncopate"/>
+                <a:sym typeface="Syncopate"/>
+              </a:rPr>
+              <a:t>RGBA</a:t>
+            </a:r>
+          </a:p>
+        </p:txBody>
+      </p:sp>
+      <p:sp>
+        <p:nvSpPr>
+          <p:cNvPr id="79" name="Shape 79"/>
+          <p:cNvSpPr txBox="1"/>
+          <p:nvPr>
+            <p:ph idx="1" type="body"/>
+          </p:nvPr>
+        </p:nvSpPr>
+        <p:spPr>
+          <a:xfrm>
+            <a:off x="457200" y="1645550"/>
+            <a:ext cx="8472900" cy="3992400"/>
+          </a:xfrm>
+          <a:prstGeom prst="rect">
+            <a:avLst/>
+          </a:prstGeom>
+          <a:noFill/>
+          <a:ln>
+            <a:noFill/>
+          </a:ln>
+        </p:spPr>
+        <p:txBody>
+          <a:bodyPr anchorCtr="0" anchor="t" bIns="91425" lIns="91425" rIns="91425" tIns="91425">
+            <a:noAutofit/>
+          </a:bodyPr>
+          <a:lstStyle/>
+          <a:p>
+            <a:pPr indent="-317500" lvl="0" marL="457200" rtl="0">
+              <a:lnSpc>
+                <a:spcPct val="146103"/>
+              </a:lnSpc>
+              <a:spcBef>
+                <a:spcPts val="800"/>
+              </a:spcBef>
+              <a:buClr>
+                <a:srgbClr val="134F5C"/>
+              </a:buClr>
+              <a:buSzPct val="100000"/>
+              <a:buFont typeface="Verdana"/>
+              <a:buChar char="➔"/>
+            </a:pPr>
+            <a:r>
+              <a:rPr lang="es">
+                <a:solidFill>
+                  <a:srgbClr val="134F5C"/>
+                </a:solidFill>
+                <a:latin typeface="Verdana"/>
+                <a:ea typeface="Verdana"/>
+                <a:cs typeface="Verdana"/>
+                <a:sym typeface="Verdana"/>
+              </a:rPr>
+              <a:t>Valores de color RGBA son una extensión de los valores de color RGB con un canal alfa - que especifica la opacidad del objeto.</a:t>
+            </a:r>
+          </a:p>
+          <a:p>
+            <a:pPr lvl="0" rtl="0">
+              <a:lnSpc>
+                <a:spcPct val="146103"/>
+              </a:lnSpc>
+              <a:spcBef>
+                <a:spcPts val="800"/>
+              </a:spcBef>
+              <a:buNone/>
+            </a:pPr>
+            <a:r>
+              <a:t/>
+            </a:r>
+            <a:endParaRPr sz="600">
+              <a:solidFill>
+                <a:srgbClr val="134F5C"/>
+              </a:solidFill>
+              <a:latin typeface="Verdana"/>
+              <a:ea typeface="Verdana"/>
+              <a:cs typeface="Verdana"/>
+              <a:sym typeface="Verdana"/>
+            </a:endParaRPr>
+          </a:p>
+          <a:p>
+            <a:pPr indent="-317500" lvl="0" marL="457200" rtl="0">
+              <a:lnSpc>
+                <a:spcPct val="146103"/>
+              </a:lnSpc>
+              <a:spcBef>
+                <a:spcPts val="800"/>
+              </a:spcBef>
+              <a:buClr>
+                <a:srgbClr val="134F5C"/>
+              </a:buClr>
+              <a:buSzPct val="100000"/>
+              <a:buFont typeface="Verdana"/>
+              <a:buChar char="➔"/>
+            </a:pPr>
+            <a:r>
+              <a:rPr lang="es">
+                <a:solidFill>
+                  <a:srgbClr val="134F5C"/>
+                </a:solidFill>
+                <a:latin typeface="Verdana"/>
+                <a:ea typeface="Verdana"/>
+                <a:cs typeface="Verdana"/>
+                <a:sym typeface="Verdana"/>
+              </a:rPr>
+              <a:t>Un valor de color RGBA se especifica con: RGBA (rojo, verde, azul, alfa). El parámetro alfa es un número entre 0.0 (totalmente transparente) y 1.0 (totalmente opaco).</a:t>
+            </a:r>
+          </a:p>
+          <a:p>
+            <a:pPr lvl="0" rtl="0">
+              <a:lnSpc>
+                <a:spcPct val="146103"/>
+              </a:lnSpc>
+              <a:spcBef>
+                <a:spcPts val="800"/>
+              </a:spcBef>
+              <a:buNone/>
+            </a:pPr>
+            <a:r>
+              <a:t/>
+            </a:r>
+            <a:endParaRPr sz="600">
+              <a:solidFill>
+                <a:srgbClr val="134F5C"/>
+              </a:solidFill>
+              <a:latin typeface="Verdana"/>
+              <a:ea typeface="Verdana"/>
+              <a:cs typeface="Verdana"/>
+              <a:sym typeface="Verdana"/>
+            </a:endParaRPr>
+          </a:p>
+          <a:p>
+            <a:pPr indent="-317500" lvl="0" marL="457200" rtl="0">
+              <a:lnSpc>
+                <a:spcPct val="146103"/>
+              </a:lnSpc>
+              <a:spcBef>
+                <a:spcPts val="800"/>
+              </a:spcBef>
+              <a:buClr>
+                <a:srgbClr val="134F5C"/>
+              </a:buClr>
+              <a:buSzPct val="100000"/>
+              <a:buFont typeface="Verdana"/>
+              <a:buChar char="➔"/>
+            </a:pPr>
+            <a:r>
+              <a:rPr lang="es">
+                <a:solidFill>
+                  <a:srgbClr val="134F5C"/>
+                </a:solidFill>
+                <a:latin typeface="Verdana"/>
+                <a:ea typeface="Verdana"/>
+                <a:cs typeface="Verdana"/>
+                <a:sym typeface="Verdana"/>
+              </a:rPr>
+              <a:t>Valores de color RGBA se admiten en IE9 +, Firefox 3+, Chrome, Safari y Opera en 10+.</a:t>
+            </a:r>
+          </a:p>
+        </p:txBody>
+      </p:sp>
     </p:spTree>
   </p:cSld>
   <p:clrMapOvr>
@@ -4829,69 +7604,69 @@
         <a:latin typeface="Arial"/>
         <a:ea typeface=""/>
         <a:cs typeface=""/>
-        <a:font typeface="ＭＳ Ｐゴシック" script="Jpan"/>
-        <a:font typeface="맑은 고딕" script="Hang"/>
-        <a:font typeface="宋体" script="Hans"/>
-        <a:font typeface="新細明體" script="Hant"/>
-        <a:font typeface="Times New Roman" script="Arab"/>
-        <a:font typeface="Times New Roman" script="Hebr"/>
-        <a:font typeface="Angsana New" script="Thai"/>
-        <a:font typeface="Nyala" script="Ethi"/>
-        <a:font typeface="Vrinda" script="Beng"/>
-        <a:font typeface="Shruti" script="Gujr"/>
-        <a:font typeface="MoolBoran" script="Khmr"/>
-        <a:font typeface="Tunga" script="Knda"/>
-        <a:font typeface="Raavi" script="Guru"/>
-        <a:font typeface="Euphemia" script="Cans"/>
-        <a:font typeface="Plantagenet Cherokee" script="Cher"/>
-        <a:font typeface="Microsoft Yi Baiti" script="Yiii"/>
-        <a:font typeface="Microsoft Himalaya" script="Tibt"/>
-        <a:font typeface="MV Boli" script="Thaa"/>
-        <a:font typeface="Mangal" script="Deva"/>
-        <a:font typeface="Gautami" script="Telu"/>
-        <a:font typeface="Latha" script="Taml"/>
-        <a:font typeface="Estrangelo Edessa" script="Syrc"/>
-        <a:font typeface="Kalinga" script="Orya"/>
-        <a:font typeface="Kartika" script="Mlym"/>
-        <a:font typeface="DokChampa" script="Laoo"/>
-        <a:font typeface="Iskoola Pota" script="Sinh"/>
-        <a:font typeface="Mongolian Baiti" script="Mong"/>
-        <a:font typeface="Times New Roman" script="Viet"/>
-        <a:font typeface="Microsoft Uighur" script="Uigh"/>
+        <a:font script="Jpan" typeface="ＭＳ Ｐゴシック"/>
+        <a:font script="Hang" typeface="맑은 고딕"/>
+        <a:font script="Hans" typeface="宋体"/>
+        <a:font script="Hant" typeface="新細明體"/>
+        <a:font script="Arab" typeface="Times New Roman"/>
+        <a:font script="Hebr" typeface="Times New Roman"/>
+        <a:font script="Thai" typeface="Angsana New"/>
+        <a:font script="Ethi" typeface="Nyala"/>
+        <a:font script="Beng" typeface="Vrinda"/>
+        <a:font script="Gujr" typeface="Shruti"/>
+        <a:font script="Khmr" typeface="MoolBoran"/>
+        <a:font script="Knda" typeface="Tunga"/>
+        <a:font script="Guru" typeface="Raavi"/>
+        <a:font script="Cans" typeface="Euphemia"/>
+        <a:font script="Cher" typeface="Plantagenet Cherokee"/>
+        <a:font script="Yiii" typeface="Microsoft Yi Baiti"/>
+        <a:font script="Tibt" typeface="Microsoft Himalaya"/>
+        <a:font script="Thaa" typeface="MV Boli"/>
+        <a:font script="Deva" typeface="Mangal"/>
+        <a:font script="Telu" typeface="Gautami"/>
+        <a:font script="Taml" typeface="Latha"/>
+        <a:font script="Syrc" typeface="Estrangelo Edessa"/>
+        <a:font script="Orya" typeface="Kalinga"/>
+        <a:font script="Mlym" typeface="Kartika"/>
+        <a:font script="Laoo" typeface="DokChampa"/>
+        <a:font script="Sinh" typeface="Iskoola Pota"/>
+        <a:font script="Mong" typeface="Mongolian Baiti"/>
+        <a:font script="Viet" typeface="Times New Roman"/>
+        <a:font script="Uigh" typeface="Microsoft Uighur"/>
       </a:majorFont>
       <a:minorFont>
         <a:latin typeface="Arial"/>
         <a:ea typeface=""/>
         <a:cs typeface=""/>
-        <a:font typeface="ＭＳ Ｐゴシック" script="Jpan"/>
-        <a:font typeface="맑은 고딕" script="Hang"/>
-        <a:font typeface="宋体" script="Hans"/>
-        <a:font typeface="新細明體" script="Hant"/>
-        <a:font typeface="Times New Roman" script="Arab"/>
-        <a:font typeface="Times New Roman" script="Hebr"/>
-        <a:font typeface="Angsana New" script="Thai"/>
-        <a:font typeface="Nyala" script="Ethi"/>
-        <a:font typeface="Vrinda" script="Beng"/>
-        <a:font typeface="Shruti" script="Gujr"/>
-        <a:font typeface="MoolBoran" script="Khmr"/>
-        <a:font typeface="Tunga" script="Knda"/>
-        <a:font typeface="Raavi" script="Guru"/>
-        <a:font typeface="Euphemia" script="Cans"/>
-        <a:font typeface="Plantagenet Cherokee" script="Cher"/>
-        <a:font typeface="Microsoft Yi Baiti" script="Yiii"/>
-        <a:font typeface="Microsoft Himalaya" script="Tibt"/>
-        <a:font typeface="MV Boli" script="Thaa"/>
-        <a:font typeface="Mangal" script="Deva"/>
-        <a:font typeface="Gautami" script="Telu"/>
-        <a:font typeface="Latha" script="Taml"/>
-        <a:font typeface="Estrangelo Edessa" script="Syrc"/>
-        <a:font typeface="Kalinga" script="Orya"/>
-        <a:font typeface="Kartika" script="Mlym"/>
-        <a:font typeface="DokChampa" script="Laoo"/>
-        <a:font typeface="Iskoola Pota" script="Sinh"/>
-        <a:font typeface="Mongolian Baiti" script="Mong"/>
-        <a:font typeface="Times New Roman" script="Viet"/>
-        <a:font typeface="Microsoft Uighur" script="Uigh"/>
+        <a:font script="Jpan" typeface="ＭＳ Ｐゴシック"/>
+        <a:font script="Hang" typeface="맑은 고딕"/>
+        <a:font script="Hans" typeface="宋体"/>
+        <a:font script="Hant" typeface="新細明體"/>
+        <a:font script="Arab" typeface="Times New Roman"/>
+        <a:font script="Hebr" typeface="Times New Roman"/>
+        <a:font script="Thai" typeface="Angsana New"/>
+        <a:font script="Ethi" typeface="Nyala"/>
+        <a:font script="Beng" typeface="Vrinda"/>
+        <a:font script="Gujr" typeface="Shruti"/>
+        <a:font script="Khmr" typeface="MoolBoran"/>
+        <a:font script="Knda" typeface="Tunga"/>
+        <a:font script="Guru" typeface="Raavi"/>
+        <a:font script="Cans" typeface="Euphemia"/>
+        <a:font script="Cher" typeface="Plantagenet Cherokee"/>
+        <a:font script="Yiii" typeface="Microsoft Yi Baiti"/>
+        <a:font script="Tibt" typeface="Microsoft Himalaya"/>
+        <a:font script="Thaa" typeface="MV Boli"/>
+        <a:font script="Deva" typeface="Mangal"/>
+        <a:font script="Telu" typeface="Gautami"/>
+        <a:font script="Taml" typeface="Latha"/>
+        <a:font script="Syrc" typeface="Estrangelo Edessa"/>
+        <a:font script="Orya" typeface="Kalinga"/>
+        <a:font script="Mlym" typeface="Kartika"/>
+        <a:font script="Laoo" typeface="DokChampa"/>
+        <a:font script="Sinh" typeface="Iskoola Pota"/>
+        <a:font script="Mong" typeface="Mongolian Baiti"/>
+        <a:font script="Viet" typeface="Times New Roman"/>
+        <a:font script="Uigh" typeface="Microsoft Uighur"/>
       </a:minorFont>
     </a:fontScheme>
     <a:fmtScheme name="Office">
@@ -4943,7 +7718,7 @@
         </a:gradFill>
       </a:fillStyleLst>
       <a:lnStyleLst>
-        <a:ln w="9525" algn="ctr" cap="flat" cmpd="sng">
+        <a:ln cap="flat" cmpd="sng" w="9525" algn="ctr">
           <a:solidFill>
             <a:schemeClr val="phClr">
               <a:shade val="95000"/>
@@ -4952,13 +7727,13 @@
           </a:solidFill>
           <a:prstDash val="solid"/>
         </a:ln>
-        <a:ln w="25400" algn="ctr" cap="flat" cmpd="sng">
+        <a:ln cap="flat" cmpd="sng" w="25400" algn="ctr">
           <a:solidFill>
             <a:schemeClr val="phClr"/>
           </a:solidFill>
           <a:prstDash val="solid"/>
         </a:ln>
-        <a:ln w="38100" algn="ctr" cap="flat" cmpd="sng">
+        <a:ln cap="flat" cmpd="sng" w="38100" algn="ctr">
           <a:solidFill>
             <a:schemeClr val="phClr"/>
           </a:solidFill>
@@ -4968,7 +7743,7 @@
       <a:effectStyleLst>
         <a:effectStyle>
           <a:effectLst>
-            <a:outerShdw rotWithShape="0" dir="5400000" blurRad="40000" dist="20000">
+            <a:outerShdw blurRad="40000" rotWithShape="0" dir="5400000" dist="20000">
               <a:srgbClr val="000000">
                 <a:alpha val="38000"/>
               </a:srgbClr>
@@ -4977,7 +7752,7 @@
         </a:effectStyle>
         <a:effectStyle>
           <a:effectLst>
-            <a:outerShdw rotWithShape="0" dir="5400000" blurRad="40000" dist="23000">
+            <a:outerShdw blurRad="40000" rotWithShape="0" dir="5400000" dist="23000">
               <a:srgbClr val="000000">
                 <a:alpha val="35000"/>
               </a:srgbClr>
@@ -4986,7 +7761,7 @@
         </a:effectStyle>
         <a:effectStyle>
           <a:effectLst>
-            <a:outerShdw rotWithShape="0" dir="5400000" blurRad="40000" dist="23000">
+            <a:outerShdw blurRad="40000" rotWithShape="0" dir="5400000" dist="23000">
               <a:srgbClr val="000000">
                 <a:alpha val="35000"/>
               </a:srgbClr>
@@ -4994,14 +7769,14 @@
           </a:effectLst>
           <a:scene3d>
             <a:camera prst="orthographicFront">
-              <a:rot rev="0" lon="0" lat="0"/>
+              <a:rot lat="0" lon="0" rev="0"/>
             </a:camera>
             <a:lightRig dir="t" rig="threePt">
-              <a:rot rev="1200000" lon="0" lat="0"/>
+              <a:rot lat="0" lon="0" rev="1200000"/>
             </a:lightRig>
           </a:scene3d>
           <a:sp3d>
-            <a:bevelT w="63500" h="25400"/>
+            <a:bevelT h="25400" w="63500"/>
           </a:sp3d>
         </a:effectStyle>
       </a:effectStyleLst>
@@ -5032,7 +7807,7 @@
             </a:gs>
           </a:gsLst>
           <a:path path="circle">
-            <a:fillToRect t="-80000" b="180000" r="50000" l="50000"/>
+            <a:fillToRect b="180000" l="50000" r="50000" t="-80000"/>
           </a:path>
         </a:gradFill>
         <a:gradFill rotWithShape="1">
@@ -5051,7 +7826,7 @@
             </a:gs>
           </a:gsLst>
           <a:path path="circle">
-            <a:fillToRect t="50000" b="50000" r="50000" l="50000"/>
+            <a:fillToRect b="50000" l="50000" r="50000" t="50000"/>
           </a:path>
         </a:gradFill>
       </a:bgFillStyleLst>
@@ -5061,44 +7836,44 @@
 </file>
 
 <file path=ppt/theme/theme2.xml><?xml version="1.0" encoding="utf-8"?>
-<a:theme xmlns:a="http://schemas.openxmlformats.org/drawingml/2006/main" xmlns:r="http://schemas.openxmlformats.org/officeDocument/2006/relationships" name="Custom Theme">
+<a:theme xmlns:a="http://schemas.openxmlformats.org/drawingml/2006/main" xmlns:r="http://schemas.openxmlformats.org/officeDocument/2006/relationships" name="Office Theme">
   <a:themeElements>
-    <a:clrScheme name="Default">
+    <a:clrScheme name="Office">
       <a:dk1>
-        <a:srgbClr val="000000"/>
+        <a:sysClr lastClr="000000" val="windowText"/>
       </a:dk1>
       <a:lt1>
-        <a:srgbClr val="FFFFFF"/>
+        <a:sysClr lastClr="FFFFFF" val="window"/>
       </a:lt1>
       <a:dk2>
-        <a:srgbClr val="158158"/>
+        <a:srgbClr val="1F497D"/>
       </a:dk2>
       <a:lt2>
-        <a:srgbClr val="F3F3F3"/>
+        <a:srgbClr val="EEECE1"/>
       </a:lt2>
       <a:accent1>
-        <a:srgbClr val="058DC7"/>
+        <a:srgbClr val="4F81BD"/>
       </a:accent1>
       <a:accent2>
-        <a:srgbClr val="50B432"/>
+        <a:srgbClr val="C0504D"/>
       </a:accent2>
       <a:accent3>
-        <a:srgbClr val="ED561B"/>
+        <a:srgbClr val="9BBB59"/>
       </a:accent3>
       <a:accent4>
-        <a:srgbClr val="EDEF00"/>
+        <a:srgbClr val="8064A2"/>
       </a:accent4>
       <a:accent5>
-        <a:srgbClr val="24CBE5"/>
+        <a:srgbClr val="4BACC6"/>
       </a:accent5>
       <a:accent6>
-        <a:srgbClr val="64E572"/>
+        <a:srgbClr val="F79646"/>
       </a:accent6>
       <a:hlink>
-        <a:srgbClr val="2200CC"/>
+        <a:srgbClr val="0000FF"/>
       </a:hlink>
       <a:folHlink>
-        <a:srgbClr val="551A8B"/>
+        <a:srgbClr val="800080"/>
       </a:folHlink>
     </a:clrScheme>
     <a:fontScheme name="Office">
@@ -5106,69 +7881,69 @@
         <a:latin typeface="Arial"/>
         <a:ea typeface=""/>
         <a:cs typeface=""/>
-        <a:font typeface="ＭＳ Ｐゴシック" script="Jpan"/>
-        <a:font typeface="맑은 고딕" script="Hang"/>
-        <a:font typeface="宋体" script="Hans"/>
-        <a:font typeface="新細明體" script="Hant"/>
-        <a:font typeface="Times New Roman" script="Arab"/>
-        <a:font typeface="Times New Roman" script="Hebr"/>
-        <a:font typeface="Angsana New" script="Thai"/>
-        <a:font typeface="Nyala" script="Ethi"/>
-        <a:font typeface="Vrinda" script="Beng"/>
-        <a:font typeface="Shruti" script="Gujr"/>
-        <a:font typeface="MoolBoran" script="Khmr"/>
-        <a:font typeface="Tunga" script="Knda"/>
-        <a:font typeface="Raavi" script="Guru"/>
-        <a:font typeface="Euphemia" script="Cans"/>
-        <a:font typeface="Plantagenet Cherokee" script="Cher"/>
-        <a:font typeface="Microsoft Yi Baiti" script="Yiii"/>
-        <a:font typeface="Microsoft Himalaya" script="Tibt"/>
-        <a:font typeface="MV Boli" script="Thaa"/>
-        <a:font typeface="Mangal" script="Deva"/>
-        <a:font typeface="Gautami" script="Telu"/>
-        <a:font typeface="Latha" script="Taml"/>
-        <a:font typeface="Estrangelo Edessa" script="Syrc"/>
-        <a:font typeface="Kalinga" script="Orya"/>
-        <a:font typeface="Kartika" script="Mlym"/>
-        <a:font typeface="DokChampa" script="Laoo"/>
-        <a:font typeface="Iskoola Pota" script="Sinh"/>
-        <a:font typeface="Mongolian Baiti" script="Mong"/>
-        <a:font typeface="Times New Roman" script="Viet"/>
-        <a:font typeface="Microsoft Uighur" script="Uigh"/>
+        <a:font script="Jpan" typeface="ＭＳ Ｐゴシック"/>
+        <a:font script="Hang" typeface="맑은 고딕"/>
+        <a:font script="Hans" typeface="宋体"/>
+        <a:font script="Hant" typeface="新細明體"/>
+        <a:font script="Arab" typeface="Times New Roman"/>
+        <a:font script="Hebr" typeface="Times New Roman"/>
+        <a:font script="Thai" typeface="Angsana New"/>
+        <a:font script="Ethi" typeface="Nyala"/>
+        <a:font script="Beng" typeface="Vrinda"/>
+        <a:font script="Gujr" typeface="Shruti"/>
+        <a:font script="Khmr" typeface="MoolBoran"/>
+        <a:font script="Knda" typeface="Tunga"/>
+        <a:font script="Guru" typeface="Raavi"/>
+        <a:font script="Cans" typeface="Euphemia"/>
+        <a:font script="Cher" typeface="Plantagenet Cherokee"/>
+        <a:font script="Yiii" typeface="Microsoft Yi Baiti"/>
+        <a:font script="Tibt" typeface="Microsoft Himalaya"/>
+        <a:font script="Thaa" typeface="MV Boli"/>
+        <a:font script="Deva" typeface="Mangal"/>
+        <a:font script="Telu" typeface="Gautami"/>
+        <a:font script="Taml" typeface="Latha"/>
+        <a:font script="Syrc" typeface="Estrangelo Edessa"/>
+        <a:font script="Orya" typeface="Kalinga"/>
+        <a:font script="Mlym" typeface="Kartika"/>
+        <a:font script="Laoo" typeface="DokChampa"/>
+        <a:font script="Sinh" typeface="Iskoola Pota"/>
+        <a:font script="Mong" typeface="Mongolian Baiti"/>
+        <a:font script="Viet" typeface="Times New Roman"/>
+        <a:font script="Uigh" typeface="Microsoft Uighur"/>
       </a:majorFont>
       <a:minorFont>
         <a:latin typeface="Arial"/>
         <a:ea typeface=""/>
         <a:cs typeface=""/>
-        <a:font typeface="ＭＳ Ｐゴシック" script="Jpan"/>
-        <a:font typeface="맑은 고딕" script="Hang"/>
-        <a:font typeface="宋体" script="Hans"/>
-        <a:font typeface="新細明體" script="Hant"/>
-        <a:font typeface="Times New Roman" script="Arab"/>
-        <a:font typeface="Times New Roman" script="Hebr"/>
-        <a:font typeface="Angsana New" script="Thai"/>
-        <a:font typeface="Nyala" script="Ethi"/>
-        <a:font typeface="Vrinda" script="Beng"/>
-        <a:font typeface="Shruti" script="Gujr"/>
-        <a:font typeface="MoolBoran" script="Khmr"/>
-        <a:font typeface="Tunga" script="Knda"/>
-        <a:font typeface="Raavi" script="Guru"/>
-        <a:font typeface="Euphemia" script="Cans"/>
-        <a:font typeface="Plantagenet Cherokee" script="Cher"/>
-        <a:font typeface="Microsoft Yi Baiti" script="Yiii"/>
-        <a:font typeface="Microsoft Himalaya" script="Tibt"/>
-        <a:font typeface="MV Boli" script="Thaa"/>
-        <a:font typeface="Mangal" script="Deva"/>
-        <a:font typeface="Gautami" script="Telu"/>
-        <a:font typeface="Latha" script="Taml"/>
-        <a:font typeface="Estrangelo Edessa" script="Syrc"/>
-        <a:font typeface="Kalinga" script="Orya"/>
-        <a:font typeface="Kartika" script="Mlym"/>
-        <a:font typeface="DokChampa" script="Laoo"/>
-        <a:font typeface="Iskoola Pota" script="Sinh"/>
-        <a:font typeface="Mongolian Baiti" script="Mong"/>
-        <a:font typeface="Times New Roman" script="Viet"/>
-        <a:font typeface="Microsoft Uighur" script="Uigh"/>
+        <a:font script="Jpan" typeface="ＭＳ Ｐゴシック"/>
+        <a:font script="Hang" typeface="맑은 고딕"/>
+        <a:font script="Hans" typeface="宋体"/>
+        <a:font script="Hant" typeface="新細明體"/>
+        <a:font script="Arab" typeface="Times New Roman"/>
+        <a:font script="Hebr" typeface="Times New Roman"/>
+        <a:font script="Thai" typeface="Angsana New"/>
+        <a:font script="Ethi" typeface="Nyala"/>
+        <a:font script="Beng" typeface="Vrinda"/>
+        <a:font script="Gujr" typeface="Shruti"/>
+        <a:font script="Khmr" typeface="MoolBoran"/>
+        <a:font script="Knda" typeface="Tunga"/>
+        <a:font script="Guru" typeface="Raavi"/>
+        <a:font script="Cans" typeface="Euphemia"/>
+        <a:font script="Cher" typeface="Plantagenet Cherokee"/>
+        <a:font script="Yiii" typeface="Microsoft Yi Baiti"/>
+        <a:font script="Tibt" typeface="Microsoft Himalaya"/>
+        <a:font script="Thaa" typeface="MV Boli"/>
+        <a:font script="Deva" typeface="Mangal"/>
+        <a:font script="Telu" typeface="Gautami"/>
+        <a:font script="Taml" typeface="Latha"/>
+        <a:font script="Syrc" typeface="Estrangelo Edessa"/>
+        <a:font script="Orya" typeface="Kalinga"/>
+        <a:font script="Mlym" typeface="Kartika"/>
+        <a:font script="Laoo" typeface="DokChampa"/>
+        <a:font script="Sinh" typeface="Iskoola Pota"/>
+        <a:font script="Mong" typeface="Mongolian Baiti"/>
+        <a:font script="Viet" typeface="Times New Roman"/>
+        <a:font script="Uigh" typeface="Microsoft Uighur"/>
       </a:minorFont>
     </a:fontScheme>
     <a:fmtScheme name="Office">
@@ -5220,7 +7995,7 @@
         </a:gradFill>
       </a:fillStyleLst>
       <a:lnStyleLst>
-        <a:ln w="9525" algn="ctr" cap="flat" cmpd="sng">
+        <a:ln cap="flat" cmpd="sng" w="9525" algn="ctr">
           <a:solidFill>
             <a:schemeClr val="phClr">
               <a:shade val="95000"/>
@@ -5229,13 +8004,13 @@
           </a:solidFill>
           <a:prstDash val="solid"/>
         </a:ln>
-        <a:ln w="25400" algn="ctr" cap="flat" cmpd="sng">
+        <a:ln cap="flat" cmpd="sng" w="25400" algn="ctr">
           <a:solidFill>
             <a:schemeClr val="phClr"/>
           </a:solidFill>
           <a:prstDash val="solid"/>
         </a:ln>
-        <a:ln w="38100" algn="ctr" cap="flat" cmpd="sng">
+        <a:ln cap="flat" cmpd="sng" w="38100" algn="ctr">
           <a:solidFill>
             <a:schemeClr val="phClr"/>
           </a:solidFill>
@@ -5245,7 +8020,7 @@
       <a:effectStyleLst>
         <a:effectStyle>
           <a:effectLst>
-            <a:outerShdw rotWithShape="0" dir="5400000" blurRad="40000" dist="20000">
+            <a:outerShdw blurRad="40000" rotWithShape="0" dir="5400000" dist="20000">
               <a:srgbClr val="000000">
                 <a:alpha val="38000"/>
               </a:srgbClr>
@@ -5254,7 +8029,7 @@
         </a:effectStyle>
         <a:effectStyle>
           <a:effectLst>
-            <a:outerShdw rotWithShape="0" dir="5400000" blurRad="40000" dist="23000">
+            <a:outerShdw blurRad="40000" rotWithShape="0" dir="5400000" dist="23000">
               <a:srgbClr val="000000">
                 <a:alpha val="35000"/>
               </a:srgbClr>
@@ -5263,7 +8038,7 @@
         </a:effectStyle>
         <a:effectStyle>
           <a:effectLst>
-            <a:outerShdw rotWithShape="0" dir="5400000" blurRad="40000" dist="23000">
+            <a:outerShdw blurRad="40000" rotWithShape="0" dir="5400000" dist="23000">
               <a:srgbClr val="000000">
                 <a:alpha val="35000"/>
               </a:srgbClr>
@@ -5271,14 +8046,14 @@
           </a:effectLst>
           <a:scene3d>
             <a:camera prst="orthographicFront">
-              <a:rot rev="0" lon="0" lat="0"/>
+              <a:rot lat="0" lon="0" rev="0"/>
             </a:camera>
             <a:lightRig dir="t" rig="threePt">
-              <a:rot rev="1200000" lon="0" lat="0"/>
+              <a:rot lat="0" lon="0" rev="1200000"/>
             </a:lightRig>
           </a:scene3d>
           <a:sp3d>
-            <a:bevelT w="63500" h="25400"/>
+            <a:bevelT h="25400" w="63500"/>
           </a:sp3d>
         </a:effectStyle>
       </a:effectStyleLst>
@@ -5309,7 +8084,7 @@
             </a:gs>
           </a:gsLst>
           <a:path path="circle">
-            <a:fillToRect t="-80000" b="180000" r="50000" l="50000"/>
+            <a:fillToRect b="180000" l="50000" r="50000" t="-80000"/>
           </a:path>
         </a:gradFill>
         <a:gradFill rotWithShape="1">
@@ -5328,54 +8103,94 @@
             </a:gs>
           </a:gsLst>
           <a:path path="circle">
-            <a:fillToRect t="50000" b="50000" r="50000" l="50000"/>
+            <a:fillToRect b="50000" l="50000" r="50000" t="50000"/>
           </a:path>
         </a:gradFill>
       </a:bgFillStyleLst>
     </a:fmtScheme>
   </a:themeElements>
+  <a:objectDefaults>
+    <a:spDef>
+      <a:spPr/>
+      <a:bodyPr/>
+      <a:lstStyle/>
+      <a:style>
+        <a:lnRef idx="1">
+          <a:schemeClr val="accent1"/>
+        </a:lnRef>
+        <a:fillRef idx="3">
+          <a:schemeClr val="accent1"/>
+        </a:fillRef>
+        <a:effectRef idx="2">
+          <a:schemeClr val="accent1"/>
+        </a:effectRef>
+        <a:fontRef idx="minor">
+          <a:schemeClr val="lt1"/>
+        </a:fontRef>
+      </a:style>
+    </a:spDef>
+    <a:lnDef>
+      <a:spPr/>
+      <a:bodyPr/>
+      <a:lstStyle/>
+      <a:style>
+        <a:lnRef idx="2">
+          <a:schemeClr val="accent1"/>
+        </a:lnRef>
+        <a:fillRef idx="0">
+          <a:schemeClr val="accent1"/>
+        </a:fillRef>
+        <a:effectRef idx="1">
+          <a:schemeClr val="accent1"/>
+        </a:effectRef>
+        <a:fontRef idx="minor">
+          <a:schemeClr val="tx1"/>
+        </a:fontRef>
+      </a:style>
+    </a:lnDef>
+  </a:objectDefaults>
 </a:theme>
 </file>
 
 <file path=ppt/theme/theme3.xml><?xml version="1.0" encoding="utf-8"?>
-<a:theme xmlns:a="http://schemas.openxmlformats.org/drawingml/2006/main" xmlns:r="http://schemas.openxmlformats.org/officeDocument/2006/relationships" name="Office Theme">
+<a:theme xmlns:a="http://schemas.openxmlformats.org/drawingml/2006/main" xmlns:r="http://schemas.openxmlformats.org/officeDocument/2006/relationships" name="Custom Theme">
   <a:themeElements>
-    <a:clrScheme name="Office">
+    <a:clrScheme name="Default">
       <a:dk1>
-        <a:sysClr val="windowText" lastClr="000000"/>
+        <a:srgbClr val="000000"/>
       </a:dk1>
       <a:lt1>
-        <a:sysClr val="window" lastClr="FFFFFF"/>
+        <a:srgbClr val="FFFFFF"/>
       </a:lt1>
       <a:dk2>
-        <a:srgbClr val="1F497D"/>
+        <a:srgbClr val="158158"/>
       </a:dk2>
       <a:lt2>
-        <a:srgbClr val="EEECE1"/>
+        <a:srgbClr val="F3F3F3"/>
       </a:lt2>
       <a:accent1>
-        <a:srgbClr val="4F81BD"/>
+        <a:srgbClr val="058DC7"/>
       </a:accent1>
       <a:accent2>
-        <a:srgbClr val="C0504D"/>
+        <a:srgbClr val="50B432"/>
       </a:accent2>
       <a:accent3>
-        <a:srgbClr val="9BBB59"/>
+        <a:srgbClr val="ED561B"/>
       </a:accent3>
       <a:accent4>
-        <a:srgbClr val="8064A2"/>
+        <a:srgbClr val="EDEF00"/>
       </a:accent4>
       <a:accent5>
-        <a:srgbClr val="4BACC6"/>
+        <a:srgbClr val="24CBE5"/>
       </a:accent5>
       <a:accent6>
-        <a:srgbClr val="F79646"/>
+        <a:srgbClr val="64E572"/>
       </a:accent6>
       <a:hlink>
-        <a:srgbClr val="0000FF"/>
+        <a:srgbClr val="2200CC"/>
       </a:hlink>
       <a:folHlink>
-        <a:srgbClr val="800080"/>
+        <a:srgbClr val="551A8B"/>
       </a:folHlink>
     </a:clrScheme>
     <a:fontScheme name="Office">
@@ -5383,69 +8198,69 @@
         <a:latin typeface="Arial"/>
         <a:ea typeface=""/>
         <a:cs typeface=""/>
-        <a:font typeface="ＭＳ Ｐゴシック" script="Jpan"/>
-        <a:font typeface="맑은 고딕" script="Hang"/>
-        <a:font typeface="宋体" script="Hans"/>
-        <a:font typeface="新細明體" script="Hant"/>
-        <a:font typeface="Times New Roman" script="Arab"/>
-        <a:font typeface="Times New Roman" script="Hebr"/>
-        <a:font typeface="Angsana New" script="Thai"/>
-        <a:font typeface="Nyala" script="Ethi"/>
-        <a:font typeface="Vrinda" script="Beng"/>
-        <a:font typeface="Shruti" script="Gujr"/>
-        <a:font typeface="MoolBoran" script="Khmr"/>
-        <a:font typeface="Tunga" script="Knda"/>
-        <a:font typeface="Raavi" script="Guru"/>
-        <a:font typeface="Euphemia" script="Cans"/>
-        <a:font typeface="Plantagenet Cherokee" script="Cher"/>
-        <a:font typeface="Microsoft Yi Baiti" script="Yiii"/>
-        <a:font typeface="Microsoft Himalaya" script="Tibt"/>
-        <a:font typeface="MV Boli" script="Thaa"/>
-        <a:font typeface="Mangal" script="Deva"/>
-        <a:font typeface="Gautami" script="Telu"/>
-        <a:font typeface="Latha" script="Taml"/>
-        <a:font typeface="Estrangelo Edessa" script="Syrc"/>
-        <a:font typeface="Kalinga" script="Orya"/>
-        <a:font typeface="Kartika" script="Mlym"/>
-        <a:font typeface="DokChampa" script="Laoo"/>
-        <a:font typeface="Iskoola Pota" script="Sinh"/>
-        <a:font typeface="Mongolian Baiti" script="Mong"/>
-        <a:font typeface="Times New Roman" script="Viet"/>
-        <a:font typeface="Microsoft Uighur" script="Uigh"/>
+        <a:font script="Jpan" typeface="ＭＳ Ｐゴシック"/>
+        <a:font script="Hang" typeface="맑은 고딕"/>
+        <a:font script="Hans" typeface="宋体"/>
+        <a:font script="Hant" typeface="新細明體"/>
+        <a:font script="Arab" typeface="Times New Roman"/>
+        <a:font script="Hebr" typeface="Times New Roman"/>
+        <a:font script="Thai" typeface="Angsana New"/>
+        <a:font script="Ethi" typeface="Nyala"/>
+        <a:font script="Beng" typeface="Vrinda"/>
+        <a:font script="Gujr" typeface="Shruti"/>
+        <a:font script="Khmr" typeface="MoolBoran"/>
+        <a:font script="Knda" typeface="Tunga"/>
+        <a:font script="Guru" typeface="Raavi"/>
+        <a:font script="Cans" typeface="Euphemia"/>
+        <a:font script="Cher" typeface="Plantagenet Cherokee"/>
+        <a:font script="Yiii" typeface="Microsoft Yi Baiti"/>
+        <a:font script="Tibt" typeface="Microsoft Himalaya"/>
+        <a:font script="Thaa" typeface="MV Boli"/>
+        <a:font script="Deva" typeface="Mangal"/>
+        <a:font script="Telu" typeface="Gautami"/>
+        <a:font script="Taml" typeface="Latha"/>
+        <a:font script="Syrc" typeface="Estrangelo Edessa"/>
+        <a:font script="Orya" typeface="Kalinga"/>
+        <a:font script="Mlym" typeface="Kartika"/>
+        <a:font script="Laoo" typeface="DokChampa"/>
+        <a:font script="Sinh" typeface="Iskoola Pota"/>
+        <a:font script="Mong" typeface="Mongolian Baiti"/>
+        <a:font script="Viet" typeface="Times New Roman"/>
+        <a:font script="Uigh" typeface="Microsoft Uighur"/>
       </a:majorFont>
       <a:minorFont>
         <a:latin typeface="Arial"/>
         <a:ea typeface=""/>
         <a:cs typeface=""/>
-        <a:font typeface="ＭＳ Ｐゴシック" script="Jpan"/>
-        <a:font typeface="맑은 고딕" script="Hang"/>
-        <a:font typeface="宋体" script="Hans"/>
-        <a:font typeface="新細明體" script="Hant"/>
-        <a:font typeface="Times New Roman" script="Arab"/>
-        <a:font typeface="Times New Roman" script="Hebr"/>
-        <a:font typeface="Angsana New" script="Thai"/>
-        <a:font typeface="Nyala" script="Ethi"/>
-        <a:font typeface="Vrinda" script="Beng"/>
-        <a:font typeface="Shruti" script="Gujr"/>
-        <a:font typeface="MoolBoran" script="Khmr"/>
-        <a:font typeface="Tunga" script="Knda"/>
-        <a:font typeface="Raavi" script="Guru"/>
-        <a:font typeface="Euphemia" script="Cans"/>
-        <a:font typeface="Plantagenet Cherokee" script="Cher"/>
-        <a:font typeface="Microsoft Yi Baiti" script="Yiii"/>
-        <a:font typeface="Microsoft Himalaya" script="Tibt"/>
-        <a:font typeface="MV Boli" script="Thaa"/>
-        <a:font typeface="Mangal" script="Deva"/>
-        <a:font typeface="Gautami" script="Telu"/>
-        <a:font typeface="Latha" script="Taml"/>
-        <a:font typeface="Estrangelo Edessa" script="Syrc"/>
-        <a:font typeface="Kalinga" script="Orya"/>
-        <a:font typeface="Kartika" script="Mlym"/>
-        <a:font typeface="DokChampa" script="Laoo"/>
-        <a:font typeface="Iskoola Pota" script="Sinh"/>
-        <a:font typeface="Mongolian Baiti" script="Mong"/>
-        <a:font typeface="Times New Roman" script="Viet"/>
-        <a:font typeface="Microsoft Uighur" script="Uigh"/>
+        <a:font script="Jpan" typeface="ＭＳ Ｐゴシック"/>
+        <a:font script="Hang" typeface="맑은 고딕"/>
+        <a:font script="Hans" typeface="宋体"/>
+        <a:font script="Hant" typeface="新細明體"/>
+        <a:font script="Arab" typeface="Times New Roman"/>
+        <a:font script="Hebr" typeface="Times New Roman"/>
+        <a:font script="Thai" typeface="Angsana New"/>
+        <a:font script="Ethi" typeface="Nyala"/>
+        <a:font script="Beng" typeface="Vrinda"/>
+        <a:font script="Gujr" typeface="Shruti"/>
+        <a:font script="Khmr" typeface="MoolBoran"/>
+        <a:font script="Knda" typeface="Tunga"/>
+        <a:font script="Guru" typeface="Raavi"/>
+        <a:font script="Cans" typeface="Euphemia"/>
+        <a:font script="Cher" typeface="Plantagenet Cherokee"/>
+        <a:font script="Yiii" typeface="Microsoft Yi Baiti"/>
+        <a:font script="Tibt" typeface="Microsoft Himalaya"/>
+        <a:font script="Thaa" typeface="MV Boli"/>
+        <a:font script="Deva" typeface="Mangal"/>
+        <a:font script="Telu" typeface="Gautami"/>
+        <a:font script="Taml" typeface="Latha"/>
+        <a:font script="Syrc" typeface="Estrangelo Edessa"/>
+        <a:font script="Orya" typeface="Kalinga"/>
+        <a:font script="Mlym" typeface="Kartika"/>
+        <a:font script="Laoo" typeface="DokChampa"/>
+        <a:font script="Sinh" typeface="Iskoola Pota"/>
+        <a:font script="Mong" typeface="Mongolian Baiti"/>
+        <a:font script="Viet" typeface="Times New Roman"/>
+        <a:font script="Uigh" typeface="Microsoft Uighur"/>
       </a:minorFont>
     </a:fontScheme>
     <a:fmtScheme name="Office">
@@ -5497,7 +8312,7 @@
         </a:gradFill>
       </a:fillStyleLst>
       <a:lnStyleLst>
-        <a:ln w="9525" algn="ctr" cap="flat" cmpd="sng">
+        <a:ln cap="flat" cmpd="sng" w="9525" algn="ctr">
           <a:solidFill>
             <a:schemeClr val="phClr">
               <a:shade val="95000"/>
@@ -5506,13 +8321,13 @@
           </a:solidFill>
           <a:prstDash val="solid"/>
         </a:ln>
-        <a:ln w="25400" algn="ctr" cap="flat" cmpd="sng">
+        <a:ln cap="flat" cmpd="sng" w="25400" algn="ctr">
           <a:solidFill>
             <a:schemeClr val="phClr"/>
           </a:solidFill>
           <a:prstDash val="solid"/>
         </a:ln>
-        <a:ln w="38100" algn="ctr" cap="flat" cmpd="sng">
+        <a:ln cap="flat" cmpd="sng" w="38100" algn="ctr">
           <a:solidFill>
             <a:schemeClr val="phClr"/>
           </a:solidFill>
@@ -5522,7 +8337,7 @@
       <a:effectStyleLst>
         <a:effectStyle>
           <a:effectLst>
-            <a:outerShdw rotWithShape="0" dir="5400000" blurRad="40000" dist="20000">
+            <a:outerShdw blurRad="40000" rotWithShape="0" dir="5400000" dist="20000">
               <a:srgbClr val="000000">
                 <a:alpha val="38000"/>
               </a:srgbClr>
@@ -5531,7 +8346,7 @@
         </a:effectStyle>
         <a:effectStyle>
           <a:effectLst>
-            <a:outerShdw rotWithShape="0" dir="5400000" blurRad="40000" dist="23000">
+            <a:outerShdw blurRad="40000" rotWithShape="0" dir="5400000" dist="23000">
               <a:srgbClr val="000000">
                 <a:alpha val="35000"/>
               </a:srgbClr>
@@ -5540,7 +8355,7 @@
         </a:effectStyle>
         <a:effectStyle>
           <a:effectLst>
-            <a:outerShdw rotWithShape="0" dir="5400000" blurRad="40000" dist="23000">
+            <a:outerShdw blurRad="40000" rotWithShape="0" dir="5400000" dist="23000">
               <a:srgbClr val="000000">
                 <a:alpha val="35000"/>
               </a:srgbClr>
@@ -5548,14 +8363,14 @@
           </a:effectLst>
           <a:scene3d>
             <a:camera prst="orthographicFront">
-              <a:rot rev="0" lon="0" lat="0"/>
+              <a:rot lat="0" lon="0" rev="0"/>
             </a:camera>
             <a:lightRig dir="t" rig="threePt">
-              <a:rot rev="1200000" lon="0" lat="0"/>
+              <a:rot lat="0" lon="0" rev="1200000"/>
             </a:lightRig>
           </a:scene3d>
           <a:sp3d>
-            <a:bevelT w="63500" h="25400"/>
+            <a:bevelT h="25400" w="63500"/>
           </a:sp3d>
         </a:effectStyle>
       </a:effectStyleLst>
@@ -5586,7 +8401,7 @@
             </a:gs>
           </a:gsLst>
           <a:path path="circle">
-            <a:fillToRect t="-80000" b="180000" r="50000" l="50000"/>
+            <a:fillToRect b="180000" l="50000" r="50000" t="-80000"/>
           </a:path>
         </a:gradFill>
         <a:gradFill rotWithShape="1">
@@ -5605,51 +8420,11 @@
             </a:gs>
           </a:gsLst>
           <a:path path="circle">
-            <a:fillToRect t="50000" b="50000" r="50000" l="50000"/>
+            <a:fillToRect b="50000" l="50000" r="50000" t="50000"/>
           </a:path>
         </a:gradFill>
       </a:bgFillStyleLst>
     </a:fmtScheme>
   </a:themeElements>
-  <a:objectDefaults>
-    <a:spDef>
-      <a:spPr/>
-      <a:bodyPr/>
-      <a:lstStyle/>
-      <a:style>
-        <a:lnRef idx="1">
-          <a:schemeClr val="accent1"/>
-        </a:lnRef>
-        <a:fillRef idx="3">
-          <a:schemeClr val="accent1"/>
-        </a:fillRef>
-        <a:effectRef idx="2">
-          <a:schemeClr val="accent1"/>
-        </a:effectRef>
-        <a:fontRef idx="minor">
-          <a:schemeClr val="lt1"/>
-        </a:fontRef>
-      </a:style>
-    </a:spDef>
-    <a:lnDef>
-      <a:spPr/>
-      <a:bodyPr/>
-      <a:lstStyle/>
-      <a:style>
-        <a:lnRef idx="2">
-          <a:schemeClr val="accent1"/>
-        </a:lnRef>
-        <a:fillRef idx="0">
-          <a:schemeClr val="accent1"/>
-        </a:fillRef>
-        <a:effectRef idx="1">
-          <a:schemeClr val="accent1"/>
-        </a:effectRef>
-        <a:fontRef idx="minor">
-          <a:schemeClr val="tx1"/>
-        </a:fontRef>
-      </a:style>
-    </a:lnDef>
-  </a:objectDefaults>
 </a:theme>
 </file>